--- a/docs/thesis/mid_term.pptx
+++ b/docs/thesis/mid_term.pptx
@@ -111,6 +111,11 @@
       </a:defRPr>
     </a:lvl9pPr>
   </p:defaultTextStyle>
+  <p:extLst>
+    <p:ext uri="{EFAFB233-063F-42B5-8137-9DF3F51BA10A}">
+      <p15:sldGuideLst xmlns:p15="http://schemas.microsoft.com/office/powerpoint/2012/main"/>
+    </p:ext>
+  </p:extLst>
 </p:presentation>
 </file>
 
@@ -6359,15 +6364,7 @@
                   <a:schemeClr val="tx1"/>
                 </a:solidFill>
               </a:rPr>
-              <a:t>設定より規約を遵守した</a:t>
-            </a:r>
-            <a:r>
-              <a:rPr lang="ja-JP" altLang="en-US" dirty="0" smtClean="0">
-                <a:solidFill>
-                  <a:schemeClr val="tx1"/>
-                </a:solidFill>
-              </a:rPr>
-              <a:t>コード</a:t>
+              <a:t>設定より規約を遵守したコード</a:t>
             </a:r>
             <a:endParaRPr lang="ja-JP" altLang="en-US" dirty="0">
               <a:solidFill>
@@ -7037,6 +7034,54 @@
               </a:rPr>
               <a:t>ruby_learner</a:t>
             </a:r>
+          </a:p>
+          <a:p>
+            <a:pPr marL="342900" marR="0" lvl="0" indent="-342900" algn="ctr" defTabSz="914400" eaLnBrk="1" fontAlgn="auto" latinLnBrk="0" hangingPunct="1">
+              <a:lnSpc>
+                <a:spcPct val="100000"/>
+              </a:lnSpc>
+              <a:spcBef>
+                <a:spcPts val="0"/>
+              </a:spcBef>
+              <a:spcAft>
+                <a:spcPts val="0"/>
+              </a:spcAft>
+              <a:buClrTx/>
+              <a:buSzTx/>
+              <a:buFontTx/>
+              <a:buNone/>
+              <a:tabLst/>
+              <a:defRPr/>
+            </a:pPr>
+            <a:endParaRPr lang="en-US" altLang="ja-JP" dirty="0">
+              <a:solidFill>
+                <a:schemeClr val="tx1"/>
+              </a:solidFill>
+            </a:endParaRPr>
+          </a:p>
+          <a:p>
+            <a:pPr marL="342900" marR="0" lvl="0" indent="-342900" algn="ctr" defTabSz="914400" eaLnBrk="1" fontAlgn="auto" latinLnBrk="0" hangingPunct="1">
+              <a:lnSpc>
+                <a:spcPct val="100000"/>
+              </a:lnSpc>
+              <a:spcBef>
+                <a:spcPts val="0"/>
+              </a:spcBef>
+              <a:spcAft>
+                <a:spcPts val="0"/>
+              </a:spcAft>
+              <a:buClrTx/>
+              <a:buSzTx/>
+              <a:buFontTx/>
+              <a:buNone/>
+              <a:tabLst/>
+              <a:defRPr/>
+            </a:pPr>
+            <a:endParaRPr lang="en-US" altLang="ja-JP" dirty="0" smtClean="0">
+              <a:solidFill>
+                <a:schemeClr val="tx1"/>
+              </a:solidFill>
+            </a:endParaRPr>
           </a:p>
           <a:p>
             <a:pPr marL="342900" marR="0" lvl="0" indent="-342900" defTabSz="914400" eaLnBrk="1" fontAlgn="auto" latinLnBrk="0" hangingPunct="1">

--- a/docs/thesis/mid_term.pptx
+++ b/docs/thesis/mid_term.pptx
@@ -5,14 +5,15 @@
     <p:sldMasterId id="2147483648" r:id="rId1"/>
   </p:sldMasterIdLst>
   <p:notesMasterIdLst>
-    <p:notesMasterId r:id="rId7"/>
+    <p:notesMasterId r:id="rId8"/>
   </p:notesMasterIdLst>
   <p:sldIdLst>
     <p:sldId id="256" r:id="rId2"/>
     <p:sldId id="257" r:id="rId3"/>
-    <p:sldId id="258" r:id="rId4"/>
+    <p:sldId id="261" r:id="rId4"/>
     <p:sldId id="259" r:id="rId5"/>
     <p:sldId id="260" r:id="rId6"/>
+    <p:sldId id="258" r:id="rId7"/>
   </p:sldIdLst>
   <p:sldSz cx="12192000" cy="6858000"/>
   <p:notesSz cx="6858000" cy="9144000"/>
@@ -201,7 +202,7 @@
           <a:p>
             <a:fld id="{515B19D2-044D-3045-8A5A-C7FFAF434001}" type="datetimeFigureOut">
               <a:rPr kumimoji="1" lang="ja-JP" altLang="en-US" smtClean="0"/>
-              <a:t>2018/8/29</a:t>
+              <a:t>2018/9/14</a:t>
             </a:fld>
             <a:endParaRPr kumimoji="1" lang="ja-JP" altLang="en-US"/>
           </a:p>
@@ -786,211 +787,7 @@
           <a:bodyPr/>
           <a:lstStyle/>
           <a:p>
-            <a:r>
-              <a:rPr kumimoji="1" lang="en-US" altLang="ja-JP" dirty="0" smtClean="0"/>
-              <a:t>&lt;</a:t>
-            </a:r>
-            <a:r>
-              <a:rPr kumimoji="1" lang="ja-JP" altLang="en-US" dirty="0" smtClean="0"/>
-              <a:t>手法</a:t>
-            </a:r>
-            <a:r>
-              <a:rPr kumimoji="1" lang="en-US" altLang="ja-JP" dirty="0" smtClean="0"/>
-              <a:t>&gt;</a:t>
-            </a:r>
-          </a:p>
-          <a:p>
-            <a:pPr marL="171450" indent="-171450">
-              <a:buFont typeface="Arial" charset="0"/>
-              <a:buChar char="•"/>
-            </a:pPr>
-            <a:r>
-              <a:rPr kumimoji="1" lang="ja-JP" altLang="en-US" dirty="0" smtClean="0"/>
-              <a:t>コードが適切に記されているかを判断するために、本研究では</a:t>
-            </a:r>
-            <a:r>
-              <a:rPr kumimoji="1" lang="en-US" altLang="ja-JP" dirty="0" smtClean="0"/>
-              <a:t>2</a:t>
-            </a:r>
-            <a:r>
-              <a:rPr kumimoji="1" lang="ja-JP" altLang="en-US" dirty="0" smtClean="0"/>
-              <a:t>つのチェック項目を実装する。</a:t>
-            </a:r>
-            <a:endParaRPr kumimoji="1" lang="en-US" altLang="ja-JP" dirty="0" smtClean="0"/>
-          </a:p>
-          <a:p>
-            <a:pPr marL="0" indent="0">
-              <a:buFont typeface="Arial" charset="0"/>
-              <a:buNone/>
-            </a:pPr>
-            <a:r>
-              <a:rPr kumimoji="1" lang="ja-JP" altLang="en-US" dirty="0" smtClean="0"/>
-              <a:t>＜期待される振る舞い＞</a:t>
-            </a:r>
-            <a:endParaRPr kumimoji="1" lang="en-US" altLang="ja-JP" dirty="0" smtClean="0"/>
-          </a:p>
-          <a:p>
-            <a:pPr marL="171450" indent="-171450">
-              <a:buFont typeface="Arial" charset="0"/>
-              <a:buChar char="•"/>
-            </a:pPr>
-            <a:r>
-              <a:rPr kumimoji="1" lang="ja-JP" altLang="en-US" dirty="0" smtClean="0"/>
-              <a:t>回答コードが期待される振る舞いで動作するかのチェック</a:t>
-            </a:r>
-            <a:endParaRPr kumimoji="1" lang="en-US" altLang="ja-JP" dirty="0" smtClean="0"/>
-          </a:p>
-          <a:p>
-            <a:pPr marL="171450" indent="-171450">
-              <a:buFont typeface="Arial" charset="0"/>
-              <a:buChar char="•"/>
-            </a:pPr>
-            <a:r>
-              <a:rPr kumimoji="1" lang="ja-JP" altLang="en-US" dirty="0" smtClean="0"/>
-              <a:t>チェック方法は</a:t>
-            </a:r>
-            <a:r>
-              <a:rPr kumimoji="1" lang="en-US" altLang="ja-JP" dirty="0" err="1" smtClean="0"/>
-              <a:t>rspec</a:t>
-            </a:r>
-            <a:r>
-              <a:rPr kumimoji="1" lang="ja-JP" altLang="en-US" dirty="0" smtClean="0"/>
-              <a:t>ファイルを用いて、出力や関数やクラス内の動作を確認する</a:t>
-            </a:r>
-            <a:endParaRPr kumimoji="1" lang="en-US" altLang="ja-JP" dirty="0" smtClean="0"/>
-          </a:p>
-          <a:p>
-            <a:pPr marL="0" indent="0">
-              <a:buFont typeface="Arial" charset="0"/>
-              <a:buNone/>
-            </a:pPr>
-            <a:r>
-              <a:rPr kumimoji="1" lang="ja-JP" altLang="en-US" dirty="0" smtClean="0"/>
-              <a:t>＜設定より規約＞</a:t>
-            </a:r>
-            <a:endParaRPr kumimoji="1" lang="en-US" altLang="ja-JP" dirty="0" smtClean="0"/>
-          </a:p>
-          <a:p>
-            <a:pPr marL="171450" indent="-171450">
-              <a:buFont typeface="Arial" charset="0"/>
-              <a:buChar char="•"/>
-            </a:pPr>
-            <a:r>
-              <a:rPr kumimoji="1" lang="ja-JP" altLang="en-US" sz="1200" kern="1200" dirty="0" smtClean="0">
-                <a:solidFill>
-                  <a:schemeClr val="tx1"/>
-                </a:solidFill>
-                <a:latin typeface="+mn-lt"/>
-                <a:ea typeface="+mn-ea"/>
-                <a:cs typeface="+mn-cs"/>
-              </a:rPr>
-              <a:t>設定より規約とは、開発者の決定すべきことを減少させ、単純にするが柔軟性は失わせないというソフトウェア設計の概念である。</a:t>
-            </a:r>
-            <a:endParaRPr kumimoji="1" lang="en-US" altLang="ja-JP" sz="1200" kern="1200" dirty="0" smtClean="0">
-              <a:solidFill>
-                <a:schemeClr val="tx1"/>
-              </a:solidFill>
-              <a:latin typeface="+mn-lt"/>
-              <a:ea typeface="+mn-ea"/>
-              <a:cs typeface="+mn-cs"/>
-            </a:endParaRPr>
-          </a:p>
-          <a:p>
-            <a:pPr marL="171450" indent="-171450">
-              <a:buFont typeface="Arial" charset="0"/>
-              <a:buChar char="•"/>
-            </a:pPr>
-            <a:r>
-              <a:rPr kumimoji="1" lang="ja-JP" altLang="en-US" sz="1200" kern="1200" dirty="0" smtClean="0">
-                <a:solidFill>
-                  <a:schemeClr val="tx1"/>
-                </a:solidFill>
-                <a:latin typeface="+mn-lt"/>
-                <a:ea typeface="+mn-ea"/>
-                <a:cs typeface="+mn-cs"/>
-              </a:rPr>
-              <a:t>チェック方法は</a:t>
-            </a:r>
-            <a:r>
-              <a:rPr kumimoji="1" lang="en-US" altLang="ja-JP" sz="1200" kern="1200" dirty="0" err="1" smtClean="0">
-                <a:solidFill>
-                  <a:schemeClr val="tx1"/>
-                </a:solidFill>
-                <a:latin typeface="+mn-lt"/>
-                <a:ea typeface="+mn-ea"/>
-                <a:cs typeface="+mn-cs"/>
-              </a:rPr>
-              <a:t>rubocop</a:t>
-            </a:r>
-            <a:r>
-              <a:rPr kumimoji="1" lang="ja-JP" altLang="en-US" sz="1200" kern="1200" dirty="0" smtClean="0">
-                <a:solidFill>
-                  <a:schemeClr val="tx1"/>
-                </a:solidFill>
-                <a:latin typeface="+mn-lt"/>
-                <a:ea typeface="+mn-ea"/>
-                <a:cs typeface="+mn-cs"/>
-              </a:rPr>
-              <a:t>というアプリケーションを用いて、コードの規約を守れていない箇所を指摘する。</a:t>
-            </a:r>
-            <a:endParaRPr kumimoji="1" lang="en-US" altLang="ja-JP" sz="1200" kern="1200" dirty="0" smtClean="0">
-              <a:solidFill>
-                <a:schemeClr val="tx1"/>
-              </a:solidFill>
-              <a:latin typeface="+mn-lt"/>
-              <a:ea typeface="+mn-ea"/>
-              <a:cs typeface="+mn-cs"/>
-            </a:endParaRPr>
-          </a:p>
-          <a:p>
-            <a:pPr marL="171450" indent="-171450">
-              <a:buFont typeface="Arial" charset="0"/>
-              <a:buChar char="•"/>
-            </a:pPr>
-            <a:r>
-              <a:rPr kumimoji="1" lang="ja-JP" altLang="en-US" sz="1200" kern="1200" dirty="0" smtClean="0">
-                <a:solidFill>
-                  <a:schemeClr val="tx1"/>
-                </a:solidFill>
-                <a:latin typeface="+mn-lt"/>
-                <a:ea typeface="+mn-ea"/>
-                <a:cs typeface="+mn-cs"/>
-              </a:rPr>
-              <a:t>設定より規約を遵守することで、</a:t>
-            </a:r>
-            <a:r>
-              <a:rPr kumimoji="1" lang="en-US" altLang="ja-JP" sz="1200" kern="1200" dirty="0" smtClean="0">
-                <a:solidFill>
-                  <a:schemeClr val="tx1"/>
-                </a:solidFill>
-                <a:latin typeface="+mn-lt"/>
-                <a:ea typeface="+mn-ea"/>
-                <a:cs typeface="+mn-cs"/>
-              </a:rPr>
-              <a:t>OSS</a:t>
-            </a:r>
-            <a:r>
-              <a:rPr kumimoji="1" lang="ja-JP" altLang="en-US" sz="1200" kern="1200" dirty="0" smtClean="0">
-                <a:solidFill>
-                  <a:schemeClr val="tx1"/>
-                </a:solidFill>
-                <a:latin typeface="+mn-lt"/>
-                <a:ea typeface="+mn-ea"/>
-                <a:cs typeface="+mn-cs"/>
-              </a:rPr>
-              <a:t>開発等の複数人で開発を行う場合にスムーズな開発が行える。また、不適切はコードは使用者の成長を間違った方向に進める可能性があるのでこの検査は必須だと考える。</a:t>
-            </a:r>
-            <a:endParaRPr kumimoji="1" lang="en-US" altLang="ja-JP" sz="1200" kern="1200" dirty="0" smtClean="0">
-              <a:solidFill>
-                <a:schemeClr val="tx1"/>
-              </a:solidFill>
-              <a:latin typeface="+mn-lt"/>
-              <a:ea typeface="+mn-ea"/>
-              <a:cs typeface="+mn-cs"/>
-            </a:endParaRPr>
-          </a:p>
-          <a:p>
-            <a:endParaRPr kumimoji="1" lang="en-US" altLang="ja-JP" dirty="0" smtClean="0"/>
+            <a:endParaRPr kumimoji="1" lang="ja-JP" altLang="en-US" dirty="0"/>
           </a:p>
         </p:txBody>
       </p:sp>
@@ -1020,7 +817,7 @@
     </p:spTree>
     <p:extLst>
       <p:ext uri="{BB962C8B-B14F-4D97-AF65-F5344CB8AC3E}">
-        <p14:creationId xmlns:p14="http://schemas.microsoft.com/office/powerpoint/2010/main" val="1336682020"/>
+        <p14:creationId xmlns:p14="http://schemas.microsoft.com/office/powerpoint/2010/main" val="2070773504"/>
       </p:ext>
     </p:extLst>
   </p:cSld>
@@ -1786,7 +1583,7 @@
               <a:buChar char="•"/>
             </a:pPr>
             <a:r>
-              <a:rPr kumimoji="1" lang="en-US" altLang="ja-JP" sz="1200" kern="1200" dirty="0" err="1" smtClean="0">
+              <a:rPr kumimoji="1" lang="en-US" altLang="ja-JP" sz="1200" kern="1200" dirty="0" smtClean="0">
                 <a:solidFill>
                   <a:schemeClr val="tx1"/>
                 </a:solidFill>
@@ -2093,7 +1890,7 @@
               <a:buChar char="•"/>
             </a:pPr>
             <a:r>
-              <a:rPr kumimoji="1" lang="en-US" altLang="ja-JP" sz="1200" kern="1200" dirty="0" err="1" smtClean="0">
+              <a:rPr kumimoji="1" lang="en-US" altLang="ja-JP" sz="1200" kern="1200" dirty="0" smtClean="0">
                 <a:solidFill>
                   <a:schemeClr val="tx1"/>
                 </a:solidFill>
@@ -2151,7 +1948,7 @@
               <a:t>のチェックも</a:t>
             </a:r>
             <a:r>
-              <a:rPr kumimoji="1" lang="en-US" altLang="ja-JP" sz="1200" kern="1200" dirty="0" err="1" smtClean="0">
+              <a:rPr kumimoji="1" lang="en-US" altLang="ja-JP" sz="1200" kern="1200" dirty="0" smtClean="0">
                 <a:solidFill>
                   <a:schemeClr val="tx1"/>
                 </a:solidFill>
@@ -2198,7 +1995,7 @@
               <a:buChar char="•"/>
             </a:pPr>
             <a:r>
-              <a:rPr kumimoji="1" lang="en-US" altLang="ja-JP" sz="1200" kern="1200" dirty="0" err="1" smtClean="0">
+              <a:rPr kumimoji="1" lang="en-US" altLang="ja-JP" sz="1200" kern="1200" dirty="0" smtClean="0">
                 <a:solidFill>
                   <a:schemeClr val="tx1"/>
                 </a:solidFill>
@@ -2245,7 +2042,7 @@
               <a:t>最後に</a:t>
             </a:r>
             <a:r>
-              <a:rPr kumimoji="1" lang="en-US" altLang="ja-JP" sz="1200" kern="1200" dirty="0" err="1" smtClean="0">
+              <a:rPr kumimoji="1" lang="en-US" altLang="ja-JP" sz="1200" kern="1200" dirty="0" smtClean="0">
                 <a:solidFill>
                   <a:schemeClr val="tx1"/>
                 </a:solidFill>
@@ -2311,6 +2108,294 @@
     <p:extLst>
       <p:ext uri="{BB962C8B-B14F-4D97-AF65-F5344CB8AC3E}">
         <p14:creationId xmlns:p14="http://schemas.microsoft.com/office/powerpoint/2010/main" val="1896640102"/>
+      </p:ext>
+    </p:extLst>
+  </p:cSld>
+  <p:clrMapOvr>
+    <a:masterClrMapping/>
+  </p:clrMapOvr>
+</p:notes>
+</file>
+
+<file path=ppt/notesSlides/notesSlide4.xml><?xml version="1.0" encoding="utf-8"?>
+<p:notes xmlns:a="http://schemas.openxmlformats.org/drawingml/2006/main" xmlns:r="http://schemas.openxmlformats.org/officeDocument/2006/relationships" xmlns:p="http://schemas.openxmlformats.org/presentationml/2006/main">
+  <p:cSld>
+    <p:spTree>
+      <p:nvGrpSpPr>
+        <p:cNvPr id="1" name=""/>
+        <p:cNvGrpSpPr/>
+        <p:nvPr/>
+      </p:nvGrpSpPr>
+      <p:grpSpPr>
+        <a:xfrm>
+          <a:off x="0" y="0"/>
+          <a:ext cx="0" cy="0"/>
+          <a:chOff x="0" y="0"/>
+          <a:chExt cx="0" cy="0"/>
+        </a:xfrm>
+      </p:grpSpPr>
+      <p:sp>
+        <p:nvSpPr>
+          <p:cNvPr id="2" name="スライド イメージ プレースホルダー 1"/>
+          <p:cNvSpPr>
+            <a:spLocks noGrp="1" noRot="1" noChangeAspect="1"/>
+          </p:cNvSpPr>
+          <p:nvPr>
+            <p:ph type="sldImg"/>
+          </p:nvPr>
+        </p:nvSpPr>
+        <p:spPr/>
+      </p:sp>
+      <p:sp>
+        <p:nvSpPr>
+          <p:cNvPr id="3" name="ノート プレースホルダー 2"/>
+          <p:cNvSpPr>
+            <a:spLocks noGrp="1"/>
+          </p:cNvSpPr>
+          <p:nvPr>
+            <p:ph type="body" idx="1"/>
+          </p:nvPr>
+        </p:nvSpPr>
+        <p:spPr/>
+        <p:txBody>
+          <a:bodyPr/>
+          <a:lstStyle/>
+          <a:p>
+            <a:r>
+              <a:rPr kumimoji="1" lang="en-US" altLang="ja-JP" dirty="0" smtClean="0"/>
+              <a:t>&lt;</a:t>
+            </a:r>
+            <a:r>
+              <a:rPr kumimoji="1" lang="ja-JP" altLang="en-US" dirty="0" smtClean="0"/>
+              <a:t>手法</a:t>
+            </a:r>
+            <a:r>
+              <a:rPr kumimoji="1" lang="en-US" altLang="ja-JP" dirty="0" smtClean="0"/>
+              <a:t>&gt;</a:t>
+            </a:r>
+          </a:p>
+          <a:p>
+            <a:pPr marL="171450" indent="-171450">
+              <a:buFont typeface="Arial" charset="0"/>
+              <a:buChar char="•"/>
+            </a:pPr>
+            <a:r>
+              <a:rPr kumimoji="1" lang="ja-JP" altLang="en-US" dirty="0" smtClean="0"/>
+              <a:t>コードが適切に記されているかを判断するために、本研究では</a:t>
+            </a:r>
+            <a:r>
+              <a:rPr kumimoji="1" lang="en-US" altLang="ja-JP" dirty="0" smtClean="0"/>
+              <a:t>2</a:t>
+            </a:r>
+            <a:r>
+              <a:rPr kumimoji="1" lang="ja-JP" altLang="en-US" dirty="0" smtClean="0"/>
+              <a:t>つのチェック項目を実装する。</a:t>
+            </a:r>
+            <a:endParaRPr kumimoji="1" lang="en-US" altLang="ja-JP" dirty="0" smtClean="0"/>
+          </a:p>
+          <a:p>
+            <a:pPr marL="0" indent="0">
+              <a:buFont typeface="Arial" charset="0"/>
+              <a:buNone/>
+            </a:pPr>
+            <a:r>
+              <a:rPr kumimoji="1" lang="ja-JP" altLang="en-US" dirty="0" smtClean="0"/>
+              <a:t>＜期待される振る舞い＞</a:t>
+            </a:r>
+            <a:endParaRPr kumimoji="1" lang="en-US" altLang="ja-JP" dirty="0" smtClean="0"/>
+          </a:p>
+          <a:p>
+            <a:pPr marL="171450" indent="-171450">
+              <a:buFont typeface="Arial" charset="0"/>
+              <a:buChar char="•"/>
+            </a:pPr>
+            <a:r>
+              <a:rPr kumimoji="1" lang="ja-JP" altLang="en-US" dirty="0" smtClean="0"/>
+              <a:t>回答コードが期待される振る舞いで動作するかのチェック</a:t>
+            </a:r>
+            <a:endParaRPr kumimoji="1" lang="en-US" altLang="ja-JP" dirty="0" smtClean="0"/>
+          </a:p>
+          <a:p>
+            <a:pPr marL="171450" indent="-171450">
+              <a:buFont typeface="Arial" charset="0"/>
+              <a:buChar char="•"/>
+            </a:pPr>
+            <a:r>
+              <a:rPr kumimoji="1" lang="ja-JP" altLang="en-US" dirty="0" smtClean="0"/>
+              <a:t>チェック方法は</a:t>
+            </a:r>
+            <a:r>
+              <a:rPr kumimoji="1" lang="en-US" altLang="ja-JP" dirty="0" smtClean="0"/>
+              <a:t>rspec</a:t>
+            </a:r>
+            <a:r>
+              <a:rPr kumimoji="1" lang="ja-JP" altLang="en-US" dirty="0" smtClean="0"/>
+              <a:t>ファイルを用いて、出力や関数やクラス内の動作を確認する</a:t>
+            </a:r>
+            <a:endParaRPr kumimoji="1" lang="en-US" altLang="ja-JP" dirty="0" smtClean="0"/>
+          </a:p>
+          <a:p>
+            <a:pPr marL="0" indent="0">
+              <a:buFont typeface="Arial" charset="0"/>
+              <a:buNone/>
+            </a:pPr>
+            <a:r>
+              <a:rPr kumimoji="1" lang="ja-JP" altLang="en-US" dirty="0" smtClean="0"/>
+              <a:t>＜設定より規約＞</a:t>
+            </a:r>
+            <a:endParaRPr kumimoji="1" lang="en-US" altLang="ja-JP" dirty="0" smtClean="0"/>
+          </a:p>
+          <a:p>
+            <a:pPr marL="171450" indent="-171450">
+              <a:buFont typeface="Arial" charset="0"/>
+              <a:buChar char="•"/>
+            </a:pPr>
+            <a:r>
+              <a:rPr kumimoji="1" lang="ja-JP" altLang="en-US" sz="1200" kern="1200" dirty="0" smtClean="0">
+                <a:solidFill>
+                  <a:schemeClr val="tx1"/>
+                </a:solidFill>
+                <a:latin typeface="+mn-lt"/>
+                <a:ea typeface="+mn-ea"/>
+                <a:cs typeface="+mn-cs"/>
+              </a:rPr>
+              <a:t>設定より規約とは、開発者の決定すべきことを減少させ、単純にするが柔軟性は失わせないというソフトウェア設計の概念である。</a:t>
+            </a:r>
+            <a:endParaRPr kumimoji="1" lang="en-US" altLang="ja-JP" sz="1200" kern="1200" dirty="0" smtClean="0">
+              <a:solidFill>
+                <a:schemeClr val="tx1"/>
+              </a:solidFill>
+              <a:latin typeface="+mn-lt"/>
+              <a:ea typeface="+mn-ea"/>
+              <a:cs typeface="+mn-cs"/>
+            </a:endParaRPr>
+          </a:p>
+          <a:p>
+            <a:pPr marL="171450" indent="-171450">
+              <a:buFont typeface="Arial" charset="0"/>
+              <a:buChar char="•"/>
+            </a:pPr>
+            <a:r>
+              <a:rPr kumimoji="1" lang="ja-JP" altLang="en-US" sz="1200" kern="1200" dirty="0" smtClean="0">
+                <a:solidFill>
+                  <a:schemeClr val="tx1"/>
+                </a:solidFill>
+                <a:latin typeface="+mn-lt"/>
+                <a:ea typeface="+mn-ea"/>
+                <a:cs typeface="+mn-cs"/>
+              </a:rPr>
+              <a:t>チェック方法は</a:t>
+            </a:r>
+            <a:r>
+              <a:rPr kumimoji="1" lang="en-US" altLang="ja-JP" sz="1200" kern="1200" dirty="0" smtClean="0">
+                <a:solidFill>
+                  <a:schemeClr val="tx1"/>
+                </a:solidFill>
+                <a:latin typeface="+mn-lt"/>
+                <a:ea typeface="+mn-ea"/>
+                <a:cs typeface="+mn-cs"/>
+              </a:rPr>
+              <a:t>rubocop</a:t>
+            </a:r>
+            <a:r>
+              <a:rPr kumimoji="1" lang="ja-JP" altLang="en-US" sz="1200" kern="1200" dirty="0" smtClean="0">
+                <a:solidFill>
+                  <a:schemeClr val="tx1"/>
+                </a:solidFill>
+                <a:latin typeface="+mn-lt"/>
+                <a:ea typeface="+mn-ea"/>
+                <a:cs typeface="+mn-cs"/>
+              </a:rPr>
+              <a:t>というアプリケーションを用いて、コードの規約を守れていない箇所を指摘する。</a:t>
+            </a:r>
+            <a:endParaRPr kumimoji="1" lang="en-US" altLang="ja-JP" sz="1200" kern="1200" dirty="0" smtClean="0">
+              <a:solidFill>
+                <a:schemeClr val="tx1"/>
+              </a:solidFill>
+              <a:latin typeface="+mn-lt"/>
+              <a:ea typeface="+mn-ea"/>
+              <a:cs typeface="+mn-cs"/>
+            </a:endParaRPr>
+          </a:p>
+          <a:p>
+            <a:pPr marL="171450" indent="-171450">
+              <a:buFont typeface="Arial" charset="0"/>
+              <a:buChar char="•"/>
+            </a:pPr>
+            <a:r>
+              <a:rPr kumimoji="1" lang="ja-JP" altLang="en-US" sz="1200" kern="1200" dirty="0" smtClean="0">
+                <a:solidFill>
+                  <a:schemeClr val="tx1"/>
+                </a:solidFill>
+                <a:latin typeface="+mn-lt"/>
+                <a:ea typeface="+mn-ea"/>
+                <a:cs typeface="+mn-cs"/>
+              </a:rPr>
+              <a:t>設定より規約を遵守することで、</a:t>
+            </a:r>
+            <a:r>
+              <a:rPr kumimoji="1" lang="en-US" altLang="ja-JP" sz="1200" kern="1200" dirty="0" smtClean="0">
+                <a:solidFill>
+                  <a:schemeClr val="tx1"/>
+                </a:solidFill>
+                <a:latin typeface="+mn-lt"/>
+                <a:ea typeface="+mn-ea"/>
+                <a:cs typeface="+mn-cs"/>
+              </a:rPr>
+              <a:t>OSS</a:t>
+            </a:r>
+            <a:r>
+              <a:rPr kumimoji="1" lang="ja-JP" altLang="en-US" sz="1200" kern="1200" dirty="0" smtClean="0">
+                <a:solidFill>
+                  <a:schemeClr val="tx1"/>
+                </a:solidFill>
+                <a:latin typeface="+mn-lt"/>
+                <a:ea typeface="+mn-ea"/>
+                <a:cs typeface="+mn-cs"/>
+              </a:rPr>
+              <a:t>開発等の複数人で開発を行う場合にスムーズな開発が行える。また、不適切はコードは使用者の成長を間違った方向に進める可能性があるのでこの検査は必須だと考える。</a:t>
+            </a:r>
+            <a:endParaRPr kumimoji="1" lang="en-US" altLang="ja-JP" sz="1200" kern="1200" dirty="0" smtClean="0">
+              <a:solidFill>
+                <a:schemeClr val="tx1"/>
+              </a:solidFill>
+              <a:latin typeface="+mn-lt"/>
+              <a:ea typeface="+mn-ea"/>
+              <a:cs typeface="+mn-cs"/>
+            </a:endParaRPr>
+          </a:p>
+          <a:p>
+            <a:endParaRPr kumimoji="1" lang="en-US" altLang="ja-JP" dirty="0" smtClean="0"/>
+          </a:p>
+        </p:txBody>
+      </p:sp>
+      <p:sp>
+        <p:nvSpPr>
+          <p:cNvPr id="4" name="スライド番号プレースホルダー 3"/>
+          <p:cNvSpPr>
+            <a:spLocks noGrp="1"/>
+          </p:cNvSpPr>
+          <p:nvPr>
+            <p:ph type="sldNum" sz="quarter" idx="10"/>
+          </p:nvPr>
+        </p:nvSpPr>
+        <p:spPr/>
+        <p:txBody>
+          <a:bodyPr/>
+          <a:lstStyle/>
+          <a:p>
+            <a:fld id="{94400EDE-4A65-E54E-9E9B-29D200A24158}" type="slidenum">
+              <a:rPr kumimoji="1" lang="ja-JP" altLang="en-US" smtClean="0"/>
+              <a:t>6</a:t>
+            </a:fld>
+            <a:endParaRPr kumimoji="1" lang="ja-JP" altLang="en-US"/>
+          </a:p>
+        </p:txBody>
+      </p:sp>
+    </p:spTree>
+    <p:extLst>
+      <p:ext uri="{BB962C8B-B14F-4D97-AF65-F5344CB8AC3E}">
+        <p14:creationId xmlns:p14="http://schemas.microsoft.com/office/powerpoint/2010/main" val="1336682020"/>
       </p:ext>
     </p:extLst>
   </p:cSld>
@@ -2451,7 +2536,7 @@
           <a:p>
             <a:fld id="{672C894F-19FF-DF4C-B943-66FA0F294316}" type="datetimeFigureOut">
               <a:rPr kumimoji="1" lang="ja-JP" altLang="en-US" smtClean="0"/>
-              <a:t>2018/8/29</a:t>
+              <a:t>2018/9/14</a:t>
             </a:fld>
             <a:endParaRPr kumimoji="1" lang="ja-JP" altLang="en-US"/>
           </a:p>
@@ -2653,7 +2738,7 @@
           <a:p>
             <a:fld id="{672C894F-19FF-DF4C-B943-66FA0F294316}" type="datetimeFigureOut">
               <a:rPr kumimoji="1" lang="ja-JP" altLang="en-US" smtClean="0"/>
-              <a:t>2018/8/29</a:t>
+              <a:t>2018/9/14</a:t>
             </a:fld>
             <a:endParaRPr kumimoji="1" lang="ja-JP" altLang="en-US"/>
           </a:p>
@@ -2865,7 +2950,7 @@
           <a:p>
             <a:fld id="{672C894F-19FF-DF4C-B943-66FA0F294316}" type="datetimeFigureOut">
               <a:rPr kumimoji="1" lang="ja-JP" altLang="en-US" smtClean="0"/>
-              <a:t>2018/8/29</a:t>
+              <a:t>2018/9/14</a:t>
             </a:fld>
             <a:endParaRPr kumimoji="1" lang="ja-JP" altLang="en-US"/>
           </a:p>
@@ -3067,7 +3152,7 @@
           <a:p>
             <a:fld id="{672C894F-19FF-DF4C-B943-66FA0F294316}" type="datetimeFigureOut">
               <a:rPr kumimoji="1" lang="ja-JP" altLang="en-US" smtClean="0"/>
-              <a:t>2018/8/29</a:t>
+              <a:t>2018/9/14</a:t>
             </a:fld>
             <a:endParaRPr kumimoji="1" lang="ja-JP" altLang="en-US"/>
           </a:p>
@@ -3313,7 +3398,7 @@
           <a:p>
             <a:fld id="{672C894F-19FF-DF4C-B943-66FA0F294316}" type="datetimeFigureOut">
               <a:rPr kumimoji="1" lang="ja-JP" altLang="en-US" smtClean="0"/>
-              <a:t>2018/8/29</a:t>
+              <a:t>2018/9/14</a:t>
             </a:fld>
             <a:endParaRPr kumimoji="1" lang="ja-JP" altLang="en-US"/>
           </a:p>
@@ -3609,7 +3694,7 @@
           <a:p>
             <a:fld id="{672C894F-19FF-DF4C-B943-66FA0F294316}" type="datetimeFigureOut">
               <a:rPr kumimoji="1" lang="ja-JP" altLang="en-US" smtClean="0"/>
-              <a:t>2018/8/29</a:t>
+              <a:t>2018/9/14</a:t>
             </a:fld>
             <a:endParaRPr kumimoji="1" lang="ja-JP" altLang="en-US"/>
           </a:p>
@@ -4040,7 +4125,7 @@
           <a:p>
             <a:fld id="{672C894F-19FF-DF4C-B943-66FA0F294316}" type="datetimeFigureOut">
               <a:rPr kumimoji="1" lang="ja-JP" altLang="en-US" smtClean="0"/>
-              <a:t>2018/8/29</a:t>
+              <a:t>2018/9/14</a:t>
             </a:fld>
             <a:endParaRPr kumimoji="1" lang="ja-JP" altLang="en-US"/>
           </a:p>
@@ -4158,7 +4243,7 @@
           <a:p>
             <a:fld id="{672C894F-19FF-DF4C-B943-66FA0F294316}" type="datetimeFigureOut">
               <a:rPr kumimoji="1" lang="ja-JP" altLang="en-US" smtClean="0"/>
-              <a:t>2018/8/29</a:t>
+              <a:t>2018/9/14</a:t>
             </a:fld>
             <a:endParaRPr kumimoji="1" lang="ja-JP" altLang="en-US"/>
           </a:p>
@@ -4253,7 +4338,7 @@
           <a:p>
             <a:fld id="{672C894F-19FF-DF4C-B943-66FA0F294316}" type="datetimeFigureOut">
               <a:rPr kumimoji="1" lang="ja-JP" altLang="en-US" smtClean="0"/>
-              <a:t>2018/8/29</a:t>
+              <a:t>2018/9/14</a:t>
             </a:fld>
             <a:endParaRPr kumimoji="1" lang="ja-JP" altLang="en-US"/>
           </a:p>
@@ -4562,7 +4647,7 @@
           <a:p>
             <a:fld id="{672C894F-19FF-DF4C-B943-66FA0F294316}" type="datetimeFigureOut">
               <a:rPr kumimoji="1" lang="ja-JP" altLang="en-US" smtClean="0"/>
-              <a:t>2018/8/29</a:t>
+              <a:t>2018/9/14</a:t>
             </a:fld>
             <a:endParaRPr kumimoji="1" lang="ja-JP" altLang="en-US"/>
           </a:p>
@@ -4815,7 +4900,7 @@
           <a:p>
             <a:fld id="{672C894F-19FF-DF4C-B943-66FA0F294316}" type="datetimeFigureOut">
               <a:rPr kumimoji="1" lang="ja-JP" altLang="en-US" smtClean="0"/>
-              <a:t>2018/8/29</a:t>
+              <a:t>2018/9/14</a:t>
             </a:fld>
             <a:endParaRPr kumimoji="1" lang="ja-JP" altLang="en-US"/>
           </a:p>
@@ -5060,7 +5145,7 @@
           <a:p>
             <a:fld id="{672C894F-19FF-DF4C-B943-66FA0F294316}" type="datetimeFigureOut">
               <a:rPr kumimoji="1" lang="ja-JP" altLang="en-US" smtClean="0"/>
-              <a:t>2018/8/29</a:t>
+              <a:t>2018/9/14</a:t>
             </a:fld>
             <a:endParaRPr kumimoji="1" lang="ja-JP" altLang="en-US"/>
           </a:p>
@@ -5522,24 +5607,13 @@
             </a:r>
             <a:r>
               <a:rPr lang="ja-JP" altLang="en-US" dirty="0" smtClean="0"/>
-              <a:t>の学習支援アプリ</a:t>
+              <a:t>の学習支援</a:t>
+            </a:r>
+            <a:r>
+              <a:rPr lang="ja-JP" altLang="en-US" dirty="0" smtClean="0"/>
+              <a:t>アプリ</a:t>
             </a:r>
             <a:endParaRPr lang="en-US" altLang="ja-JP" dirty="0" smtClean="0"/>
-          </a:p>
-          <a:p>
-            <a:r>
-              <a:rPr kumimoji="1" lang="en-US" altLang="ja-JP" dirty="0" smtClean="0"/>
-              <a:t>〜</a:t>
-            </a:r>
-            <a:r>
-              <a:rPr kumimoji="1" lang="ja-JP" altLang="en-US" dirty="0" smtClean="0"/>
-              <a:t>学習の効率化を目指すシステム構築</a:t>
-            </a:r>
-            <a:r>
-              <a:rPr kumimoji="1" lang="en-US" altLang="ja-JP" dirty="0" smtClean="0"/>
-              <a:t>〜</a:t>
-            </a:r>
-            <a:endParaRPr kumimoji="1" lang="ja-JP" altLang="en-US" dirty="0"/>
           </a:p>
         </p:txBody>
       </p:sp>
@@ -5553,6 +5627,13 @@
   <p:clrMapOvr>
     <a:masterClrMapping/>
   </p:clrMapOvr>
+  <p:timing>
+    <p:tnLst>
+      <p:par>
+        <p:cTn id="1" dur="indefinite" restart="never" nodeType="tmRoot"/>
+      </p:par>
+    </p:tnLst>
+  </p:timing>
 </p:sld>
 </file>
 
@@ -5581,7 +5662,7 @@
         </p:nvSpPr>
         <p:spPr>
           <a:xfrm>
-            <a:off x="574933" y="2329843"/>
+            <a:off x="558000" y="2329843"/>
             <a:ext cx="4976735" cy="2233536"/>
           </a:xfrm>
           <a:prstGeom prst="ellipse">
@@ -5606,20 +5687,34 @@
           <a:bodyPr rtlCol="0" anchor="ctr"/>
           <a:lstStyle/>
           <a:p>
+            <a:pPr marL="342900" indent="-342900" algn="ctr">
+              <a:buFont typeface="Arial" charset="0"/>
+              <a:buChar char="•"/>
+            </a:pPr>
+            <a:r>
+              <a:rPr lang="ja-JP" altLang="en-US" dirty="0" smtClean="0"/>
+              <a:t>学習を容易に開始できる環境</a:t>
+            </a:r>
+            <a:endParaRPr lang="en-US" altLang="ja-JP" dirty="0" smtClean="0"/>
+          </a:p>
+          <a:p>
+            <a:pPr marL="342900" indent="-342900" algn="ctr">
+              <a:buFont typeface="Arial" charset="0"/>
+              <a:buChar char="•"/>
+            </a:pPr>
+            <a:r>
+              <a:rPr kumimoji="1" lang="ja-JP" altLang="en-US" dirty="0" smtClean="0"/>
+              <a:t>プログラミングスタイルを</a:t>
+            </a:r>
+            <a:endParaRPr kumimoji="1" lang="en-US" altLang="ja-JP" dirty="0" smtClean="0"/>
+          </a:p>
+          <a:p>
             <a:pPr algn="ctr"/>
             <a:r>
-              <a:rPr kumimoji="1" lang="ja-JP" altLang="en-US" sz="2000" dirty="0" smtClean="0"/>
-              <a:t>これからの社会において、</a:t>
-            </a:r>
-            <a:endParaRPr lang="en-US" altLang="ja-JP" sz="2000" dirty="0"/>
-          </a:p>
-          <a:p>
-            <a:pPr algn="ctr"/>
-            <a:r>
-              <a:rPr kumimoji="1" lang="ja-JP" altLang="en-US" sz="2000" dirty="0" smtClean="0"/>
-              <a:t>プログラミングスキルは必須</a:t>
-            </a:r>
-            <a:endParaRPr kumimoji="1" lang="ja-JP" altLang="en-US" sz="2000" dirty="0"/>
+              <a:rPr kumimoji="1" lang="ja-JP" altLang="en-US" dirty="0" smtClean="0"/>
+              <a:t>意識したコード学習</a:t>
+            </a:r>
+            <a:endParaRPr kumimoji="1" lang="en-US" altLang="ja-JP" dirty="0" smtClean="0"/>
           </a:p>
         </p:txBody>
       </p:sp>
@@ -5659,7 +5754,19 @@
             <a:pPr algn="ctr"/>
             <a:r>
               <a:rPr lang="ja-JP" altLang="en-US" dirty="0" smtClean="0"/>
-              <a:t>初等教育のプログラミング学習の導入</a:t>
+              <a:t>コードの</a:t>
+            </a:r>
+            <a:endParaRPr lang="en-US" altLang="ja-JP" dirty="0" smtClean="0"/>
+          </a:p>
+          <a:p>
+            <a:pPr algn="ctr"/>
+            <a:r>
+              <a:rPr lang="en-US" altLang="ja-JP" dirty="0" smtClean="0"/>
+              <a:t>Git</a:t>
+            </a:r>
+            <a:r>
+              <a:rPr lang="ja-JP" altLang="en-US" dirty="0" smtClean="0"/>
+              <a:t>管理</a:t>
             </a:r>
             <a:endParaRPr kumimoji="1" lang="ja-JP" altLang="en-US" dirty="0"/>
           </a:p>
@@ -5701,15 +5808,7 @@
             <a:pPr algn="ctr"/>
             <a:r>
               <a:rPr lang="ja-JP" altLang="en-US" dirty="0" smtClean="0"/>
-              <a:t>社会の</a:t>
-            </a:r>
-            <a:r>
-              <a:rPr lang="en-US" altLang="ja-JP" dirty="0" smtClean="0"/>
-              <a:t>IT</a:t>
-            </a:r>
-            <a:r>
-              <a:rPr lang="ja-JP" altLang="en-US" dirty="0" smtClean="0"/>
-              <a:t>化</a:t>
+              <a:t>言語学習の壁</a:t>
             </a:r>
             <a:endParaRPr kumimoji="1" lang="ja-JP" altLang="en-US" dirty="0"/>
           </a:p>
@@ -5879,9 +5978,13 @@
             </a:pPr>
             <a:r>
               <a:rPr kumimoji="1" lang="ja-JP" altLang="en-US" dirty="0" smtClean="0"/>
-              <a:t>学習後のスムーズな開発環境の構築</a:t>
-            </a:r>
-            <a:endParaRPr kumimoji="1" lang="ja-JP" altLang="en-US" dirty="0"/>
+              <a:t>学習後のスムーズな開発環境の</a:t>
+            </a:r>
+            <a:r>
+              <a:rPr kumimoji="1" lang="ja-JP" altLang="en-US" dirty="0" smtClean="0"/>
+              <a:t>構築</a:t>
+            </a:r>
+            <a:endParaRPr kumimoji="1" lang="en-US" altLang="ja-JP" dirty="0" smtClean="0"/>
           </a:p>
         </p:txBody>
       </p:sp>
@@ -5976,10 +6079,4351 @@
   <p:clrMapOvr>
     <a:masterClrMapping/>
   </p:clrMapOvr>
+  <p:timing>
+    <p:tnLst>
+      <p:par>
+        <p:cTn id="1" dur="indefinite" restart="never" nodeType="tmRoot"/>
+      </p:par>
+    </p:tnLst>
+  </p:timing>
 </p:sld>
 </file>
 
 <file path=ppt/slides/slide3.xml><?xml version="1.0" encoding="utf-8"?>
+<p:sld xmlns:a="http://schemas.openxmlformats.org/drawingml/2006/main" xmlns:r="http://schemas.openxmlformats.org/officeDocument/2006/relationships" xmlns:p="http://schemas.openxmlformats.org/presentationml/2006/main">
+  <p:cSld>
+    <p:spTree>
+      <p:nvGrpSpPr>
+        <p:cNvPr id="1" name=""/>
+        <p:cNvGrpSpPr/>
+        <p:nvPr/>
+      </p:nvGrpSpPr>
+      <p:grpSpPr>
+        <a:xfrm>
+          <a:off x="0" y="0"/>
+          <a:ext cx="0" cy="0"/>
+          <a:chOff x="0" y="0"/>
+          <a:chExt cx="0" cy="0"/>
+        </a:xfrm>
+      </p:grpSpPr>
+      <p:sp>
+        <p:nvSpPr>
+          <p:cNvPr id="4" name="角丸四角形 3"/>
+          <p:cNvSpPr/>
+          <p:nvPr/>
+        </p:nvSpPr>
+        <p:spPr>
+          <a:xfrm>
+            <a:off x="135466" y="134398"/>
+            <a:ext cx="3987800" cy="769407"/>
+          </a:xfrm>
+          <a:prstGeom prst="roundRect">
+            <a:avLst/>
+          </a:prstGeom>
+          <a:solidFill>
+            <a:schemeClr val="accent2">
+              <a:lumMod val="40000"/>
+              <a:lumOff val="60000"/>
+            </a:schemeClr>
+          </a:solidFill>
+        </p:spPr>
+        <p:style>
+          <a:lnRef idx="2">
+            <a:schemeClr val="accent1">
+              <a:shade val="50000"/>
+            </a:schemeClr>
+          </a:lnRef>
+          <a:fillRef idx="1">
+            <a:schemeClr val="accent1"/>
+          </a:fillRef>
+          <a:effectRef idx="0">
+            <a:schemeClr val="accent1"/>
+          </a:effectRef>
+          <a:fontRef idx="minor">
+            <a:schemeClr val="lt1"/>
+          </a:fontRef>
+        </p:style>
+        <p:txBody>
+          <a:bodyPr rtlCol="0" anchor="ctr"/>
+          <a:lstStyle/>
+          <a:p>
+            <a:pPr algn="ctr"/>
+            <a:endParaRPr kumimoji="1" lang="ja-JP" altLang="en-US"/>
+          </a:p>
+        </p:txBody>
+      </p:sp>
+      <p:sp>
+        <p:nvSpPr>
+          <p:cNvPr id="2" name="タイトル 1"/>
+          <p:cNvSpPr>
+            <a:spLocks noGrp="1"/>
+          </p:cNvSpPr>
+          <p:nvPr>
+            <p:ph type="title"/>
+          </p:nvPr>
+        </p:nvSpPr>
+        <p:spPr>
+          <a:xfrm>
+            <a:off x="203199" y="168265"/>
+            <a:ext cx="3987800" cy="769407"/>
+          </a:xfrm>
+        </p:spPr>
+        <p:txBody>
+          <a:bodyPr>
+            <a:normAutofit/>
+          </a:bodyPr>
+          <a:lstStyle/>
+          <a:p>
+            <a:r>
+              <a:rPr kumimoji="1" lang="ja-JP" altLang="en-US" sz="3600" dirty="0" smtClean="0"/>
+              <a:t>試作機のデモ操作</a:t>
+            </a:r>
+            <a:endParaRPr kumimoji="1" lang="ja-JP" altLang="en-US" sz="3600" dirty="0"/>
+          </a:p>
+        </p:txBody>
+      </p:sp>
+      <p:pic>
+        <p:nvPicPr>
+          <p:cNvPr id="9" name="図 8"/>
+          <p:cNvPicPr>
+            <a:picLocks noChangeAspect="1"/>
+          </p:cNvPicPr>
+          <p:nvPr/>
+        </p:nvPicPr>
+        <p:blipFill>
+          <a:blip r:embed="rId3">
+            <a:extLst>
+              <a:ext uri="{28A0092B-C50C-407E-A947-70E740481C1C}">
+                <a14:useLocalDpi xmlns:a14="http://schemas.microsoft.com/office/drawing/2010/main" val="0"/>
+              </a:ext>
+            </a:extLst>
+          </a:blip>
+          <a:stretch>
+            <a:fillRect/>
+          </a:stretch>
+        </p:blipFill>
+        <p:spPr>
+          <a:xfrm>
+            <a:off x="6683109" y="4506976"/>
+            <a:ext cx="12700" cy="25400"/>
+          </a:xfrm>
+          <a:prstGeom prst="rect">
+            <a:avLst/>
+          </a:prstGeom>
+        </p:spPr>
+      </p:pic>
+      <p:pic>
+        <p:nvPicPr>
+          <p:cNvPr id="14" name="図 13"/>
+          <p:cNvPicPr>
+            <a:picLocks noChangeAspect="1"/>
+          </p:cNvPicPr>
+          <p:nvPr/>
+        </p:nvPicPr>
+        <p:blipFill>
+          <a:blip r:embed="rId4">
+            <a:extLst>
+              <a:ext uri="{28A0092B-C50C-407E-A947-70E740481C1C}">
+                <a14:useLocalDpi xmlns:a14="http://schemas.microsoft.com/office/drawing/2010/main" val="0"/>
+              </a:ext>
+            </a:extLst>
+          </a:blip>
+          <a:stretch>
+            <a:fillRect/>
+          </a:stretch>
+        </p:blipFill>
+        <p:spPr>
+          <a:xfrm>
+            <a:off x="135466" y="2020526"/>
+            <a:ext cx="8356832" cy="4673671"/>
+          </a:xfrm>
+          <a:prstGeom prst="rect">
+            <a:avLst/>
+          </a:prstGeom>
+        </p:spPr>
+      </p:pic>
+      <p:pic>
+        <p:nvPicPr>
+          <p:cNvPr id="15" name="図 14"/>
+          <p:cNvPicPr>
+            <a:picLocks noChangeAspect="1"/>
+          </p:cNvPicPr>
+          <p:nvPr/>
+        </p:nvPicPr>
+        <p:blipFill>
+          <a:blip r:embed="rId5">
+            <a:extLst>
+              <a:ext uri="{28A0092B-C50C-407E-A947-70E740481C1C}">
+                <a14:useLocalDpi xmlns:a14="http://schemas.microsoft.com/office/drawing/2010/main" val="0"/>
+              </a:ext>
+            </a:extLst>
+          </a:blip>
+          <a:stretch>
+            <a:fillRect/>
+          </a:stretch>
+        </p:blipFill>
+        <p:spPr>
+          <a:xfrm>
+            <a:off x="135466" y="2020525"/>
+            <a:ext cx="8356832" cy="4673672"/>
+          </a:xfrm>
+          <a:prstGeom prst="rect">
+            <a:avLst/>
+          </a:prstGeom>
+        </p:spPr>
+      </p:pic>
+      <p:pic>
+        <p:nvPicPr>
+          <p:cNvPr id="17" name="図 16"/>
+          <p:cNvPicPr>
+            <a:picLocks noChangeAspect="1"/>
+          </p:cNvPicPr>
+          <p:nvPr/>
+        </p:nvPicPr>
+        <p:blipFill>
+          <a:blip r:embed="rId6">
+            <a:extLst>
+              <a:ext uri="{28A0092B-C50C-407E-A947-70E740481C1C}">
+                <a14:useLocalDpi xmlns:a14="http://schemas.microsoft.com/office/drawing/2010/main" val="0"/>
+              </a:ext>
+            </a:extLst>
+          </a:blip>
+          <a:stretch>
+            <a:fillRect/>
+          </a:stretch>
+        </p:blipFill>
+        <p:spPr>
+          <a:xfrm>
+            <a:off x="135466" y="1981355"/>
+            <a:ext cx="8356832" cy="4730555"/>
+          </a:xfrm>
+          <a:prstGeom prst="rect">
+            <a:avLst/>
+          </a:prstGeom>
+        </p:spPr>
+      </p:pic>
+      <p:pic>
+        <p:nvPicPr>
+          <p:cNvPr id="18" name="図 17"/>
+          <p:cNvPicPr>
+            <a:picLocks noChangeAspect="1"/>
+          </p:cNvPicPr>
+          <p:nvPr/>
+        </p:nvPicPr>
+        <p:blipFill>
+          <a:blip r:embed="rId7">
+            <a:extLst>
+              <a:ext uri="{28A0092B-C50C-407E-A947-70E740481C1C}">
+                <a14:useLocalDpi xmlns:a14="http://schemas.microsoft.com/office/drawing/2010/main" val="0"/>
+              </a:ext>
+            </a:extLst>
+          </a:blip>
+          <a:stretch>
+            <a:fillRect/>
+          </a:stretch>
+        </p:blipFill>
+        <p:spPr>
+          <a:xfrm>
+            <a:off x="135466" y="1995309"/>
+            <a:ext cx="8341974" cy="4716601"/>
+          </a:xfrm>
+          <a:prstGeom prst="rect">
+            <a:avLst/>
+          </a:prstGeom>
+        </p:spPr>
+      </p:pic>
+      <p:pic>
+        <p:nvPicPr>
+          <p:cNvPr id="19" name="図 18"/>
+          <p:cNvPicPr>
+            <a:picLocks noChangeAspect="1"/>
+          </p:cNvPicPr>
+          <p:nvPr/>
+        </p:nvPicPr>
+        <p:blipFill>
+          <a:blip r:embed="rId8">
+            <a:extLst>
+              <a:ext uri="{28A0092B-C50C-407E-A947-70E740481C1C}">
+                <a14:useLocalDpi xmlns:a14="http://schemas.microsoft.com/office/drawing/2010/main" val="0"/>
+              </a:ext>
+            </a:extLst>
+          </a:blip>
+          <a:stretch>
+            <a:fillRect/>
+          </a:stretch>
+        </p:blipFill>
+        <p:spPr>
+          <a:xfrm>
+            <a:off x="120608" y="1972498"/>
+            <a:ext cx="8356832" cy="4730556"/>
+          </a:xfrm>
+          <a:prstGeom prst="rect">
+            <a:avLst/>
+          </a:prstGeom>
+        </p:spPr>
+      </p:pic>
+      <p:pic>
+        <p:nvPicPr>
+          <p:cNvPr id="21" name="図 20"/>
+          <p:cNvPicPr>
+            <a:picLocks noChangeAspect="1"/>
+          </p:cNvPicPr>
+          <p:nvPr/>
+        </p:nvPicPr>
+        <p:blipFill>
+          <a:blip r:embed="rId9">
+            <a:extLst>
+              <a:ext uri="{28A0092B-C50C-407E-A947-70E740481C1C}">
+                <a14:useLocalDpi xmlns:a14="http://schemas.microsoft.com/office/drawing/2010/main" val="0"/>
+              </a:ext>
+            </a:extLst>
+          </a:blip>
+          <a:stretch>
+            <a:fillRect/>
+          </a:stretch>
+        </p:blipFill>
+        <p:spPr>
+          <a:xfrm>
+            <a:off x="105750" y="1927089"/>
+            <a:ext cx="8356832" cy="4730558"/>
+          </a:xfrm>
+          <a:prstGeom prst="rect">
+            <a:avLst/>
+          </a:prstGeom>
+        </p:spPr>
+      </p:pic>
+      <p:sp>
+        <p:nvSpPr>
+          <p:cNvPr id="23" name="テキスト ボックス 22"/>
+          <p:cNvSpPr txBox="1"/>
+          <p:nvPr/>
+        </p:nvSpPr>
+        <p:spPr>
+          <a:xfrm>
+            <a:off x="676656" y="1335024"/>
+            <a:ext cx="10204704" cy="646331"/>
+          </a:xfrm>
+          <a:prstGeom prst="rect">
+            <a:avLst/>
+          </a:prstGeom>
+          <a:noFill/>
+        </p:spPr>
+        <p:txBody>
+          <a:bodyPr wrap="square" rtlCol="0">
+            <a:spAutoFit/>
+          </a:bodyPr>
+          <a:lstStyle/>
+          <a:p>
+            <a:r>
+              <a:rPr kumimoji="1" lang="en-US" altLang="ja-JP" dirty="0" smtClean="0"/>
+              <a:t>1. </a:t>
+            </a:r>
+            <a:r>
+              <a:rPr lang="en-US" altLang="ja-JP" dirty="0"/>
+              <a:t>ruby_learner sequential_check 1 </a:t>
+            </a:r>
+            <a:r>
+              <a:rPr lang="en-US" altLang="ja-JP" dirty="0" smtClean="0"/>
+              <a:t>2</a:t>
+            </a:r>
+            <a:r>
+              <a:rPr lang="ja-JP" altLang="en-US" dirty="0" smtClean="0"/>
+              <a:t> を実行．</a:t>
+            </a:r>
+            <a:r>
+              <a:rPr lang="en-US" altLang="ja-JP" dirty="0"/>
+              <a:t>emacs</a:t>
+            </a:r>
+            <a:r>
+              <a:rPr lang="ja-JP" altLang="en-US" dirty="0"/>
+              <a:t>で 問題文と回答スペースの</a:t>
+            </a:r>
+            <a:r>
+              <a:rPr lang="ja-JP" altLang="en-US" dirty="0" smtClean="0"/>
+              <a:t>表示．</a:t>
+            </a:r>
+            <a:endParaRPr lang="ja-JP" altLang="en-US" dirty="0"/>
+          </a:p>
+          <a:p>
+            <a:endParaRPr kumimoji="1" lang="ja-JP" altLang="en-US" dirty="0"/>
+          </a:p>
+        </p:txBody>
+      </p:sp>
+      <p:sp>
+        <p:nvSpPr>
+          <p:cNvPr id="26" name="テキスト ボックス 25"/>
+          <p:cNvSpPr txBox="1"/>
+          <p:nvPr/>
+        </p:nvSpPr>
+        <p:spPr>
+          <a:xfrm>
+            <a:off x="676656" y="1348138"/>
+            <a:ext cx="9075600" cy="369332"/>
+          </a:xfrm>
+          <a:prstGeom prst="rect">
+            <a:avLst/>
+          </a:prstGeom>
+          <a:noFill/>
+        </p:spPr>
+        <p:txBody>
+          <a:bodyPr wrap="square" rtlCol="0">
+            <a:spAutoFit/>
+          </a:bodyPr>
+          <a:lstStyle/>
+          <a:p>
+            <a:r>
+              <a:rPr kumimoji="1" lang="en-US" altLang="ja-JP" dirty="0" smtClean="0"/>
+              <a:t>2. </a:t>
+            </a:r>
+            <a:r>
+              <a:rPr lang="en-US" altLang="ja-JP" dirty="0" smtClean="0"/>
+              <a:t>emacs</a:t>
+            </a:r>
+            <a:r>
+              <a:rPr lang="ja-JP" altLang="en-US" dirty="0" smtClean="0"/>
+              <a:t>を保存すると第一チェックの</a:t>
+            </a:r>
+            <a:r>
+              <a:rPr lang="en-US" altLang="ja-JP" dirty="0" smtClean="0"/>
+              <a:t>rspec</a:t>
+            </a:r>
+            <a:r>
+              <a:rPr lang="ja-JP" altLang="en-US" dirty="0" smtClean="0"/>
+              <a:t>の結果が出力</a:t>
+            </a:r>
+            <a:endParaRPr kumimoji="1" lang="ja-JP" altLang="en-US" dirty="0"/>
+          </a:p>
+        </p:txBody>
+      </p:sp>
+      <p:sp>
+        <p:nvSpPr>
+          <p:cNvPr id="27" name="テキスト ボックス 26"/>
+          <p:cNvSpPr txBox="1"/>
+          <p:nvPr/>
+        </p:nvSpPr>
+        <p:spPr>
+          <a:xfrm>
+            <a:off x="676656" y="1350657"/>
+            <a:ext cx="9517349" cy="369332"/>
+          </a:xfrm>
+          <a:prstGeom prst="rect">
+            <a:avLst/>
+          </a:prstGeom>
+          <a:noFill/>
+        </p:spPr>
+        <p:txBody>
+          <a:bodyPr wrap="none" rtlCol="0">
+            <a:spAutoFit/>
+          </a:bodyPr>
+          <a:lstStyle/>
+          <a:p>
+            <a:r>
+              <a:rPr lang="en-US" altLang="ja-JP" dirty="0" smtClean="0"/>
+              <a:t>3</a:t>
+            </a:r>
+            <a:r>
+              <a:rPr kumimoji="1" lang="en-US" altLang="ja-JP" dirty="0" smtClean="0"/>
+              <a:t>. </a:t>
+            </a:r>
+            <a:r>
+              <a:rPr lang="en-US" altLang="ja-JP" dirty="0" smtClean="0"/>
+              <a:t>answer</a:t>
+            </a:r>
+            <a:r>
+              <a:rPr lang="ja-JP" altLang="en-US" dirty="0" smtClean="0"/>
+              <a:t>モードで解答を確認することも可能．その後</a:t>
+            </a:r>
+            <a:r>
+              <a:rPr lang="en-US" altLang="ja-JP" dirty="0" smtClean="0"/>
+              <a:t>emacs</a:t>
+            </a:r>
+            <a:r>
+              <a:rPr lang="ja-JP" altLang="en-US" dirty="0" smtClean="0"/>
+              <a:t>に独自の解答コードを記入．</a:t>
+            </a:r>
+            <a:endParaRPr kumimoji="1" lang="ja-JP" altLang="en-US" dirty="0"/>
+          </a:p>
+        </p:txBody>
+      </p:sp>
+      <p:sp>
+        <p:nvSpPr>
+          <p:cNvPr id="28" name="テキスト ボックス 27"/>
+          <p:cNvSpPr txBox="1"/>
+          <p:nvPr/>
+        </p:nvSpPr>
+        <p:spPr>
+          <a:xfrm>
+            <a:off x="676656" y="1348137"/>
+            <a:ext cx="9290304" cy="369332"/>
+          </a:xfrm>
+          <a:prstGeom prst="rect">
+            <a:avLst/>
+          </a:prstGeom>
+          <a:noFill/>
+        </p:spPr>
+        <p:txBody>
+          <a:bodyPr wrap="square" rtlCol="0">
+            <a:spAutoFit/>
+          </a:bodyPr>
+          <a:lstStyle/>
+          <a:p>
+            <a:r>
+              <a:rPr kumimoji="1" lang="en-US" altLang="ja-JP" dirty="0" smtClean="0"/>
+              <a:t>4. </a:t>
+            </a:r>
+            <a:r>
+              <a:rPr lang="en-US" altLang="ja-JP" dirty="0"/>
+              <a:t>r</a:t>
+            </a:r>
+            <a:r>
+              <a:rPr lang="en-US" altLang="ja-JP" dirty="0" smtClean="0"/>
+              <a:t>spec</a:t>
+            </a:r>
+            <a:r>
+              <a:rPr lang="ja-JP" altLang="en-US" dirty="0" smtClean="0"/>
+              <a:t>チェックをクリアしたので</a:t>
+            </a:r>
+            <a:r>
+              <a:rPr lang="en-US" altLang="ja-JP" dirty="0" smtClean="0"/>
+              <a:t>, rubocop</a:t>
+            </a:r>
+            <a:r>
+              <a:rPr lang="ja-JP" altLang="en-US" dirty="0" smtClean="0"/>
+              <a:t>のチェックの結果を出力．</a:t>
+            </a:r>
+            <a:endParaRPr lang="en-US" altLang="ja-JP" dirty="0" smtClean="0"/>
+          </a:p>
+        </p:txBody>
+      </p:sp>
+      <p:sp>
+        <p:nvSpPr>
+          <p:cNvPr id="29" name="テキスト ボックス 28"/>
+          <p:cNvSpPr txBox="1"/>
+          <p:nvPr/>
+        </p:nvSpPr>
+        <p:spPr>
+          <a:xfrm>
+            <a:off x="676656" y="1354862"/>
+            <a:ext cx="7994496" cy="369332"/>
+          </a:xfrm>
+          <a:prstGeom prst="rect">
+            <a:avLst/>
+          </a:prstGeom>
+          <a:noFill/>
+        </p:spPr>
+        <p:txBody>
+          <a:bodyPr wrap="none" rtlCol="0">
+            <a:spAutoFit/>
+          </a:bodyPr>
+          <a:lstStyle/>
+          <a:p>
+            <a:r>
+              <a:rPr lang="en-US" altLang="ja-JP" dirty="0"/>
+              <a:t>5</a:t>
+            </a:r>
+            <a:r>
+              <a:rPr kumimoji="1" lang="en-US" altLang="ja-JP" dirty="0" smtClean="0"/>
+              <a:t> </a:t>
+            </a:r>
+            <a:r>
+              <a:rPr lang="en-US" altLang="ja-JP" dirty="0" smtClean="0"/>
+              <a:t>continue</a:t>
+            </a:r>
+            <a:r>
+              <a:rPr lang="ja-JP" altLang="en-US" dirty="0" smtClean="0"/>
+              <a:t>モードで回答を続行．その後</a:t>
+            </a:r>
+            <a:r>
+              <a:rPr lang="en-US" altLang="ja-JP" dirty="0" smtClean="0"/>
+              <a:t>emacs</a:t>
+            </a:r>
+            <a:r>
+              <a:rPr lang="ja-JP" altLang="en-US" dirty="0" smtClean="0"/>
+              <a:t>に独自の解答コードを記入．</a:t>
+            </a:r>
+            <a:endParaRPr kumimoji="1" lang="ja-JP" altLang="en-US" dirty="0"/>
+          </a:p>
+        </p:txBody>
+      </p:sp>
+      <p:sp>
+        <p:nvSpPr>
+          <p:cNvPr id="30" name="テキスト ボックス 29"/>
+          <p:cNvSpPr txBox="1"/>
+          <p:nvPr/>
+        </p:nvSpPr>
+        <p:spPr>
+          <a:xfrm>
+            <a:off x="105750" y="1106700"/>
+            <a:ext cx="12077345" cy="646331"/>
+          </a:xfrm>
+          <a:prstGeom prst="rect">
+            <a:avLst/>
+          </a:prstGeom>
+          <a:noFill/>
+        </p:spPr>
+        <p:txBody>
+          <a:bodyPr wrap="none" rtlCol="0">
+            <a:spAutoFit/>
+          </a:bodyPr>
+          <a:lstStyle/>
+          <a:p>
+            <a:r>
+              <a:rPr kumimoji="1" lang="en-US" altLang="ja-JP" dirty="0" smtClean="0"/>
+              <a:t>6. </a:t>
+            </a:r>
+            <a:r>
+              <a:rPr kumimoji="1" lang="ja-JP" altLang="en-US" dirty="0" smtClean="0"/>
+              <a:t>コード保存後に</a:t>
+            </a:r>
+            <a:r>
+              <a:rPr kumimoji="1" lang="en-US" altLang="ja-JP" dirty="0" smtClean="0"/>
+              <a:t>, rubocop</a:t>
+            </a:r>
+            <a:r>
+              <a:rPr kumimoji="1" lang="ja-JP" altLang="en-US" dirty="0" smtClean="0"/>
+              <a:t>チェックがクリアすると</a:t>
+            </a:r>
+            <a:r>
+              <a:rPr lang="ja-JP" altLang="en-US" dirty="0" smtClean="0"/>
+              <a:t>最後にもう一度</a:t>
+            </a:r>
+            <a:r>
+              <a:rPr lang="en-US" altLang="ja-JP" dirty="0" smtClean="0"/>
+              <a:t>rspec</a:t>
+            </a:r>
+            <a:r>
+              <a:rPr lang="ja-JP" altLang="en-US" dirty="0" smtClean="0"/>
+              <a:t>チェックを行う．</a:t>
+            </a:r>
+            <a:endParaRPr lang="en-US" altLang="ja-JP" dirty="0" smtClean="0"/>
+          </a:p>
+          <a:p>
+            <a:r>
+              <a:rPr lang="ja-JP" altLang="en-US" dirty="0" smtClean="0"/>
+              <a:t>クリアしている場合はファイルの実行コードを表示して終了．未クリアの場合はもう一度</a:t>
+            </a:r>
+            <a:r>
+              <a:rPr lang="en-US" altLang="ja-JP" dirty="0" smtClean="0"/>
+              <a:t>rspec</a:t>
+            </a:r>
+            <a:r>
+              <a:rPr lang="ja-JP" altLang="en-US" dirty="0" smtClean="0"/>
+              <a:t>チェックから開始．</a:t>
+            </a:r>
+            <a:endParaRPr kumimoji="1" lang="ja-JP" altLang="en-US" dirty="0"/>
+          </a:p>
+        </p:txBody>
+      </p:sp>
+    </p:spTree>
+    <p:extLst>
+      <p:ext uri="{BB962C8B-B14F-4D97-AF65-F5344CB8AC3E}">
+        <p14:creationId xmlns:p14="http://schemas.microsoft.com/office/powerpoint/2010/main" val="1780797992"/>
+      </p:ext>
+    </p:extLst>
+  </p:cSld>
+  <p:clrMapOvr>
+    <a:masterClrMapping/>
+  </p:clrMapOvr>
+  <mc:AlternateContent xmlns:mc="http://schemas.openxmlformats.org/markup-compatibility/2006">
+    <mc:Choice xmlns:p14="http://schemas.microsoft.com/office/powerpoint/2010/main" Requires="p14">
+      <p:transition spd="slow" p14:dur="2000"/>
+    </mc:Choice>
+    <mc:Fallback>
+      <p:transition spd="slow"/>
+    </mc:Fallback>
+  </mc:AlternateContent>
+  <mc:AlternateContent xmlns:mc="http://schemas.openxmlformats.org/markup-compatibility/2006">
+    <mc:Choice xmlns:p14="http://schemas.microsoft.com/office/powerpoint/2010/main" Requires="p14">
+      <p:timing>
+        <p:tnLst>
+          <p:par>
+            <p:cTn id="1" dur="indefinite" restart="never" nodeType="tmRoot">
+              <p:childTnLst>
+                <p:seq concurrent="1" nextAc="seek">
+                  <p:cTn id="2" dur="indefinite" nodeType="mainSeq">
+                    <p:childTnLst>
+                      <p:par>
+                        <p:cTn id="3" fill="hold">
+                          <p:stCondLst>
+                            <p:cond delay="indefinite"/>
+                          </p:stCondLst>
+                          <p:childTnLst>
+                            <p:par>
+                              <p:cTn id="4" fill="hold">
+                                <p:stCondLst>
+                                  <p:cond delay="0"/>
+                                </p:stCondLst>
+                                <p:childTnLst>
+                                  <p:par>
+                                    <p:cTn id="5" presetID="2" presetClass="entr" presetSubtype="4" fill="hold" nodeType="clickEffect" p14:presetBounceEnd="50000">
+                                      <p:stCondLst>
+                                        <p:cond delay="0"/>
+                                      </p:stCondLst>
+                                      <p:childTnLst>
+                                        <p:set>
+                                          <p:cBhvr>
+                                            <p:cTn id="6" dur="1" fill="hold">
+                                              <p:stCondLst>
+                                                <p:cond delay="0"/>
+                                              </p:stCondLst>
+                                            </p:cTn>
+                                            <p:tgtEl>
+                                              <p:spTgt spid="14"/>
+                                            </p:tgtEl>
+                                            <p:attrNameLst>
+                                              <p:attrName>style.visibility</p:attrName>
+                                            </p:attrNameLst>
+                                          </p:cBhvr>
+                                          <p:to>
+                                            <p:strVal val="visible"/>
+                                          </p:to>
+                                        </p:set>
+                                        <p:anim calcmode="lin" valueType="num" p14:bounceEnd="50000">
+                                          <p:cBhvr additive="base">
+                                            <p:cTn id="7" dur="500" fill="hold"/>
+                                            <p:tgtEl>
+                                              <p:spTgt spid="14"/>
+                                            </p:tgtEl>
+                                            <p:attrNameLst>
+                                              <p:attrName>ppt_x</p:attrName>
+                                            </p:attrNameLst>
+                                          </p:cBhvr>
+                                          <p:tavLst>
+                                            <p:tav tm="0">
+                                              <p:val>
+                                                <p:strVal val="#ppt_x"/>
+                                              </p:val>
+                                            </p:tav>
+                                            <p:tav tm="100000">
+                                              <p:val>
+                                                <p:strVal val="#ppt_x"/>
+                                              </p:val>
+                                            </p:tav>
+                                          </p:tavLst>
+                                        </p:anim>
+                                        <p:anim calcmode="lin" valueType="num" p14:bounceEnd="50000">
+                                          <p:cBhvr additive="base">
+                                            <p:cTn id="8" dur="500" fill="hold"/>
+                                            <p:tgtEl>
+                                              <p:spTgt spid="14"/>
+                                            </p:tgtEl>
+                                            <p:attrNameLst>
+                                              <p:attrName>ppt_y</p:attrName>
+                                            </p:attrNameLst>
+                                          </p:cBhvr>
+                                          <p:tavLst>
+                                            <p:tav tm="0">
+                                              <p:val>
+                                                <p:strVal val="1+#ppt_h/2"/>
+                                              </p:val>
+                                            </p:tav>
+                                            <p:tav tm="100000">
+                                              <p:val>
+                                                <p:strVal val="#ppt_y"/>
+                                              </p:val>
+                                            </p:tav>
+                                          </p:tavLst>
+                                        </p:anim>
+                                      </p:childTnLst>
+                                    </p:cTn>
+                                  </p:par>
+                                  <p:par>
+                                    <p:cTn id="9" presetID="2" presetClass="entr" presetSubtype="4" fill="hold" grpId="0" nodeType="withEffect" p14:presetBounceEnd="50000">
+                                      <p:stCondLst>
+                                        <p:cond delay="0"/>
+                                      </p:stCondLst>
+                                      <p:childTnLst>
+                                        <p:set>
+                                          <p:cBhvr>
+                                            <p:cTn id="10" dur="1" fill="hold">
+                                              <p:stCondLst>
+                                                <p:cond delay="0"/>
+                                              </p:stCondLst>
+                                            </p:cTn>
+                                            <p:tgtEl>
+                                              <p:spTgt spid="23"/>
+                                            </p:tgtEl>
+                                            <p:attrNameLst>
+                                              <p:attrName>style.visibility</p:attrName>
+                                            </p:attrNameLst>
+                                          </p:cBhvr>
+                                          <p:to>
+                                            <p:strVal val="visible"/>
+                                          </p:to>
+                                        </p:set>
+                                        <p:anim calcmode="lin" valueType="num" p14:bounceEnd="50000">
+                                          <p:cBhvr additive="base">
+                                            <p:cTn id="11" dur="500" fill="hold"/>
+                                            <p:tgtEl>
+                                              <p:spTgt spid="23"/>
+                                            </p:tgtEl>
+                                            <p:attrNameLst>
+                                              <p:attrName>ppt_x</p:attrName>
+                                            </p:attrNameLst>
+                                          </p:cBhvr>
+                                          <p:tavLst>
+                                            <p:tav tm="0">
+                                              <p:val>
+                                                <p:strVal val="#ppt_x"/>
+                                              </p:val>
+                                            </p:tav>
+                                            <p:tav tm="100000">
+                                              <p:val>
+                                                <p:strVal val="#ppt_x"/>
+                                              </p:val>
+                                            </p:tav>
+                                          </p:tavLst>
+                                        </p:anim>
+                                        <p:anim calcmode="lin" valueType="num" p14:bounceEnd="50000">
+                                          <p:cBhvr additive="base">
+                                            <p:cTn id="12" dur="500" fill="hold"/>
+                                            <p:tgtEl>
+                                              <p:spTgt spid="23"/>
+                                            </p:tgtEl>
+                                            <p:attrNameLst>
+                                              <p:attrName>ppt_y</p:attrName>
+                                            </p:attrNameLst>
+                                          </p:cBhvr>
+                                          <p:tavLst>
+                                            <p:tav tm="0">
+                                              <p:val>
+                                                <p:strVal val="1+#ppt_h/2"/>
+                                              </p:val>
+                                            </p:tav>
+                                            <p:tav tm="100000">
+                                              <p:val>
+                                                <p:strVal val="#ppt_y"/>
+                                              </p:val>
+                                            </p:tav>
+                                          </p:tavLst>
+                                        </p:anim>
+                                      </p:childTnLst>
+                                    </p:cTn>
+                                  </p:par>
+                                </p:childTnLst>
+                              </p:cTn>
+                            </p:par>
+                          </p:childTnLst>
+                        </p:cTn>
+                      </p:par>
+                      <p:par>
+                        <p:cTn id="13" fill="hold">
+                          <p:stCondLst>
+                            <p:cond delay="indefinite"/>
+                          </p:stCondLst>
+                          <p:childTnLst>
+                            <p:par>
+                              <p:cTn id="14" fill="hold">
+                                <p:stCondLst>
+                                  <p:cond delay="0"/>
+                                </p:stCondLst>
+                                <p:childTnLst>
+                                  <p:par>
+                                    <p:cTn id="15" presetID="2" presetClass="entr" presetSubtype="4" fill="hold" nodeType="clickEffect" p14:presetBounceEnd="50000">
+                                      <p:stCondLst>
+                                        <p:cond delay="0"/>
+                                      </p:stCondLst>
+                                      <p:childTnLst>
+                                        <p:set>
+                                          <p:cBhvr>
+                                            <p:cTn id="16" dur="1" fill="hold">
+                                              <p:stCondLst>
+                                                <p:cond delay="0"/>
+                                              </p:stCondLst>
+                                            </p:cTn>
+                                            <p:tgtEl>
+                                              <p:spTgt spid="15"/>
+                                            </p:tgtEl>
+                                            <p:attrNameLst>
+                                              <p:attrName>style.visibility</p:attrName>
+                                            </p:attrNameLst>
+                                          </p:cBhvr>
+                                          <p:to>
+                                            <p:strVal val="visible"/>
+                                          </p:to>
+                                        </p:set>
+                                        <p:anim calcmode="lin" valueType="num" p14:bounceEnd="50000">
+                                          <p:cBhvr additive="base">
+                                            <p:cTn id="17" dur="500" fill="hold"/>
+                                            <p:tgtEl>
+                                              <p:spTgt spid="15"/>
+                                            </p:tgtEl>
+                                            <p:attrNameLst>
+                                              <p:attrName>ppt_x</p:attrName>
+                                            </p:attrNameLst>
+                                          </p:cBhvr>
+                                          <p:tavLst>
+                                            <p:tav tm="0">
+                                              <p:val>
+                                                <p:strVal val="#ppt_x"/>
+                                              </p:val>
+                                            </p:tav>
+                                            <p:tav tm="100000">
+                                              <p:val>
+                                                <p:strVal val="#ppt_x"/>
+                                              </p:val>
+                                            </p:tav>
+                                          </p:tavLst>
+                                        </p:anim>
+                                        <p:anim calcmode="lin" valueType="num" p14:bounceEnd="50000">
+                                          <p:cBhvr additive="base">
+                                            <p:cTn id="18" dur="500" fill="hold"/>
+                                            <p:tgtEl>
+                                              <p:spTgt spid="15"/>
+                                            </p:tgtEl>
+                                            <p:attrNameLst>
+                                              <p:attrName>ppt_y</p:attrName>
+                                            </p:attrNameLst>
+                                          </p:cBhvr>
+                                          <p:tavLst>
+                                            <p:tav tm="0">
+                                              <p:val>
+                                                <p:strVal val="1+#ppt_h/2"/>
+                                              </p:val>
+                                            </p:tav>
+                                            <p:tav tm="100000">
+                                              <p:val>
+                                                <p:strVal val="#ppt_y"/>
+                                              </p:val>
+                                            </p:tav>
+                                          </p:tavLst>
+                                        </p:anim>
+                                      </p:childTnLst>
+                                    </p:cTn>
+                                  </p:par>
+                                  <p:par>
+                                    <p:cTn id="19" presetID="2" presetClass="entr" presetSubtype="4" fill="hold" grpId="0" nodeType="withEffect" p14:presetBounceEnd="50000">
+                                      <p:stCondLst>
+                                        <p:cond delay="0"/>
+                                      </p:stCondLst>
+                                      <p:childTnLst>
+                                        <p:set>
+                                          <p:cBhvr>
+                                            <p:cTn id="20" dur="1" fill="hold">
+                                              <p:stCondLst>
+                                                <p:cond delay="0"/>
+                                              </p:stCondLst>
+                                            </p:cTn>
+                                            <p:tgtEl>
+                                              <p:spTgt spid="26"/>
+                                            </p:tgtEl>
+                                            <p:attrNameLst>
+                                              <p:attrName>style.visibility</p:attrName>
+                                            </p:attrNameLst>
+                                          </p:cBhvr>
+                                          <p:to>
+                                            <p:strVal val="visible"/>
+                                          </p:to>
+                                        </p:set>
+                                        <p:anim calcmode="lin" valueType="num" p14:bounceEnd="50000">
+                                          <p:cBhvr additive="base">
+                                            <p:cTn id="21" dur="500" fill="hold"/>
+                                            <p:tgtEl>
+                                              <p:spTgt spid="26"/>
+                                            </p:tgtEl>
+                                            <p:attrNameLst>
+                                              <p:attrName>ppt_x</p:attrName>
+                                            </p:attrNameLst>
+                                          </p:cBhvr>
+                                          <p:tavLst>
+                                            <p:tav tm="0">
+                                              <p:val>
+                                                <p:strVal val="#ppt_x"/>
+                                              </p:val>
+                                            </p:tav>
+                                            <p:tav tm="100000">
+                                              <p:val>
+                                                <p:strVal val="#ppt_x"/>
+                                              </p:val>
+                                            </p:tav>
+                                          </p:tavLst>
+                                        </p:anim>
+                                        <p:anim calcmode="lin" valueType="num" p14:bounceEnd="50000">
+                                          <p:cBhvr additive="base">
+                                            <p:cTn id="22" dur="500" fill="hold"/>
+                                            <p:tgtEl>
+                                              <p:spTgt spid="26"/>
+                                            </p:tgtEl>
+                                            <p:attrNameLst>
+                                              <p:attrName>ppt_y</p:attrName>
+                                            </p:attrNameLst>
+                                          </p:cBhvr>
+                                          <p:tavLst>
+                                            <p:tav tm="0">
+                                              <p:val>
+                                                <p:strVal val="1+#ppt_h/2"/>
+                                              </p:val>
+                                            </p:tav>
+                                            <p:tav tm="100000">
+                                              <p:val>
+                                                <p:strVal val="#ppt_y"/>
+                                              </p:val>
+                                            </p:tav>
+                                          </p:tavLst>
+                                        </p:anim>
+                                      </p:childTnLst>
+                                    </p:cTn>
+                                  </p:par>
+                                  <p:par>
+                                    <p:cTn id="23" presetID="9" presetClass="emph" presetSubtype="0" grpId="1" nodeType="withEffect">
+                                      <p:stCondLst>
+                                        <p:cond delay="0"/>
+                                      </p:stCondLst>
+                                      <p:childTnLst>
+                                        <p:set>
+                                          <p:cBhvr rctx="PPT">
+                                            <p:cTn id="24" dur="indefinite"/>
+                                            <p:tgtEl>
+                                              <p:spTgt spid="23"/>
+                                            </p:tgtEl>
+                                            <p:attrNameLst>
+                                              <p:attrName>style.opacity</p:attrName>
+                                            </p:attrNameLst>
+                                          </p:cBhvr>
+                                          <p:to>
+                                            <p:strVal val="0"/>
+                                          </p:to>
+                                        </p:set>
+                                        <p:animEffect filter="image" prLst="opacity: 0">
+                                          <p:cBhvr rctx="IE">
+                                            <p:cTn id="25" dur="indefinite"/>
+                                            <p:tgtEl>
+                                              <p:spTgt spid="23"/>
+                                            </p:tgtEl>
+                                          </p:cBhvr>
+                                        </p:animEffect>
+                                      </p:childTnLst>
+                                    </p:cTn>
+                                  </p:par>
+                                </p:childTnLst>
+                              </p:cTn>
+                            </p:par>
+                          </p:childTnLst>
+                        </p:cTn>
+                      </p:par>
+                      <p:par>
+                        <p:cTn id="26" fill="hold">
+                          <p:stCondLst>
+                            <p:cond delay="indefinite"/>
+                          </p:stCondLst>
+                          <p:childTnLst>
+                            <p:par>
+                              <p:cTn id="27" fill="hold">
+                                <p:stCondLst>
+                                  <p:cond delay="0"/>
+                                </p:stCondLst>
+                                <p:childTnLst>
+                                  <p:par>
+                                    <p:cTn id="28" presetID="2" presetClass="entr" presetSubtype="4" fill="hold" grpId="0" nodeType="clickEffect" p14:presetBounceEnd="50000">
+                                      <p:stCondLst>
+                                        <p:cond delay="0"/>
+                                      </p:stCondLst>
+                                      <p:childTnLst>
+                                        <p:set>
+                                          <p:cBhvr>
+                                            <p:cTn id="29" dur="1" fill="hold">
+                                              <p:stCondLst>
+                                                <p:cond delay="0"/>
+                                              </p:stCondLst>
+                                            </p:cTn>
+                                            <p:tgtEl>
+                                              <p:spTgt spid="27"/>
+                                            </p:tgtEl>
+                                            <p:attrNameLst>
+                                              <p:attrName>style.visibility</p:attrName>
+                                            </p:attrNameLst>
+                                          </p:cBhvr>
+                                          <p:to>
+                                            <p:strVal val="visible"/>
+                                          </p:to>
+                                        </p:set>
+                                        <p:anim calcmode="lin" valueType="num" p14:bounceEnd="50000">
+                                          <p:cBhvr additive="base">
+                                            <p:cTn id="30" dur="500" fill="hold"/>
+                                            <p:tgtEl>
+                                              <p:spTgt spid="27"/>
+                                            </p:tgtEl>
+                                            <p:attrNameLst>
+                                              <p:attrName>ppt_x</p:attrName>
+                                            </p:attrNameLst>
+                                          </p:cBhvr>
+                                          <p:tavLst>
+                                            <p:tav tm="0">
+                                              <p:val>
+                                                <p:strVal val="#ppt_x"/>
+                                              </p:val>
+                                            </p:tav>
+                                            <p:tav tm="100000">
+                                              <p:val>
+                                                <p:strVal val="#ppt_x"/>
+                                              </p:val>
+                                            </p:tav>
+                                          </p:tavLst>
+                                        </p:anim>
+                                        <p:anim calcmode="lin" valueType="num" p14:bounceEnd="50000">
+                                          <p:cBhvr additive="base">
+                                            <p:cTn id="31" dur="500" fill="hold"/>
+                                            <p:tgtEl>
+                                              <p:spTgt spid="27"/>
+                                            </p:tgtEl>
+                                            <p:attrNameLst>
+                                              <p:attrName>ppt_y</p:attrName>
+                                            </p:attrNameLst>
+                                          </p:cBhvr>
+                                          <p:tavLst>
+                                            <p:tav tm="0">
+                                              <p:val>
+                                                <p:strVal val="1+#ppt_h/2"/>
+                                              </p:val>
+                                            </p:tav>
+                                            <p:tav tm="100000">
+                                              <p:val>
+                                                <p:strVal val="#ppt_y"/>
+                                              </p:val>
+                                            </p:tav>
+                                          </p:tavLst>
+                                        </p:anim>
+                                      </p:childTnLst>
+                                    </p:cTn>
+                                  </p:par>
+                                  <p:par>
+                                    <p:cTn id="32" presetID="9" presetClass="emph" presetSubtype="0" grpId="1" nodeType="withEffect">
+                                      <p:stCondLst>
+                                        <p:cond delay="0"/>
+                                      </p:stCondLst>
+                                      <p:childTnLst>
+                                        <p:set>
+                                          <p:cBhvr rctx="PPT">
+                                            <p:cTn id="33" dur="indefinite"/>
+                                            <p:tgtEl>
+                                              <p:spTgt spid="26"/>
+                                            </p:tgtEl>
+                                            <p:attrNameLst>
+                                              <p:attrName>style.opacity</p:attrName>
+                                            </p:attrNameLst>
+                                          </p:cBhvr>
+                                          <p:to>
+                                            <p:strVal val="0"/>
+                                          </p:to>
+                                        </p:set>
+                                        <p:animEffect filter="image" prLst="opacity: 0">
+                                          <p:cBhvr rctx="IE">
+                                            <p:cTn id="34" dur="indefinite"/>
+                                            <p:tgtEl>
+                                              <p:spTgt spid="26"/>
+                                            </p:tgtEl>
+                                          </p:cBhvr>
+                                        </p:animEffect>
+                                      </p:childTnLst>
+                                    </p:cTn>
+                                  </p:par>
+                                  <p:par>
+                                    <p:cTn id="35" presetID="2" presetClass="entr" presetSubtype="4" fill="hold" nodeType="withEffect" p14:presetBounceEnd="50000">
+                                      <p:stCondLst>
+                                        <p:cond delay="0"/>
+                                      </p:stCondLst>
+                                      <p:childTnLst>
+                                        <p:set>
+                                          <p:cBhvr>
+                                            <p:cTn id="36" dur="1" fill="hold">
+                                              <p:stCondLst>
+                                                <p:cond delay="0"/>
+                                              </p:stCondLst>
+                                            </p:cTn>
+                                            <p:tgtEl>
+                                              <p:spTgt spid="17"/>
+                                            </p:tgtEl>
+                                            <p:attrNameLst>
+                                              <p:attrName>style.visibility</p:attrName>
+                                            </p:attrNameLst>
+                                          </p:cBhvr>
+                                          <p:to>
+                                            <p:strVal val="visible"/>
+                                          </p:to>
+                                        </p:set>
+                                        <p:anim calcmode="lin" valueType="num" p14:bounceEnd="50000">
+                                          <p:cBhvr additive="base">
+                                            <p:cTn id="37" dur="500" fill="hold"/>
+                                            <p:tgtEl>
+                                              <p:spTgt spid="17"/>
+                                            </p:tgtEl>
+                                            <p:attrNameLst>
+                                              <p:attrName>ppt_x</p:attrName>
+                                            </p:attrNameLst>
+                                          </p:cBhvr>
+                                          <p:tavLst>
+                                            <p:tav tm="0">
+                                              <p:val>
+                                                <p:strVal val="#ppt_x"/>
+                                              </p:val>
+                                            </p:tav>
+                                            <p:tav tm="100000">
+                                              <p:val>
+                                                <p:strVal val="#ppt_x"/>
+                                              </p:val>
+                                            </p:tav>
+                                          </p:tavLst>
+                                        </p:anim>
+                                        <p:anim calcmode="lin" valueType="num" p14:bounceEnd="50000">
+                                          <p:cBhvr additive="base">
+                                            <p:cTn id="38" dur="500" fill="hold"/>
+                                            <p:tgtEl>
+                                              <p:spTgt spid="17"/>
+                                            </p:tgtEl>
+                                            <p:attrNameLst>
+                                              <p:attrName>ppt_y</p:attrName>
+                                            </p:attrNameLst>
+                                          </p:cBhvr>
+                                          <p:tavLst>
+                                            <p:tav tm="0">
+                                              <p:val>
+                                                <p:strVal val="1+#ppt_h/2"/>
+                                              </p:val>
+                                            </p:tav>
+                                            <p:tav tm="100000">
+                                              <p:val>
+                                                <p:strVal val="#ppt_y"/>
+                                              </p:val>
+                                            </p:tav>
+                                          </p:tavLst>
+                                        </p:anim>
+                                      </p:childTnLst>
+                                    </p:cTn>
+                                  </p:par>
+                                </p:childTnLst>
+                              </p:cTn>
+                            </p:par>
+                          </p:childTnLst>
+                        </p:cTn>
+                      </p:par>
+                      <p:par>
+                        <p:cTn id="39" fill="hold">
+                          <p:stCondLst>
+                            <p:cond delay="indefinite"/>
+                          </p:stCondLst>
+                          <p:childTnLst>
+                            <p:par>
+                              <p:cTn id="40" fill="hold">
+                                <p:stCondLst>
+                                  <p:cond delay="0"/>
+                                </p:stCondLst>
+                                <p:childTnLst>
+                                  <p:par>
+                                    <p:cTn id="41" presetID="2" presetClass="entr" presetSubtype="4" fill="hold" grpId="0" nodeType="clickEffect" p14:presetBounceEnd="50000">
+                                      <p:stCondLst>
+                                        <p:cond delay="0"/>
+                                      </p:stCondLst>
+                                      <p:childTnLst>
+                                        <p:set>
+                                          <p:cBhvr>
+                                            <p:cTn id="42" dur="1" fill="hold">
+                                              <p:stCondLst>
+                                                <p:cond delay="0"/>
+                                              </p:stCondLst>
+                                            </p:cTn>
+                                            <p:tgtEl>
+                                              <p:spTgt spid="28"/>
+                                            </p:tgtEl>
+                                            <p:attrNameLst>
+                                              <p:attrName>style.visibility</p:attrName>
+                                            </p:attrNameLst>
+                                          </p:cBhvr>
+                                          <p:to>
+                                            <p:strVal val="visible"/>
+                                          </p:to>
+                                        </p:set>
+                                        <p:anim calcmode="lin" valueType="num" p14:bounceEnd="50000">
+                                          <p:cBhvr additive="base">
+                                            <p:cTn id="43" dur="500" fill="hold"/>
+                                            <p:tgtEl>
+                                              <p:spTgt spid="28"/>
+                                            </p:tgtEl>
+                                            <p:attrNameLst>
+                                              <p:attrName>ppt_x</p:attrName>
+                                            </p:attrNameLst>
+                                          </p:cBhvr>
+                                          <p:tavLst>
+                                            <p:tav tm="0">
+                                              <p:val>
+                                                <p:strVal val="#ppt_x"/>
+                                              </p:val>
+                                            </p:tav>
+                                            <p:tav tm="100000">
+                                              <p:val>
+                                                <p:strVal val="#ppt_x"/>
+                                              </p:val>
+                                            </p:tav>
+                                          </p:tavLst>
+                                        </p:anim>
+                                        <p:anim calcmode="lin" valueType="num" p14:bounceEnd="50000">
+                                          <p:cBhvr additive="base">
+                                            <p:cTn id="44" dur="500" fill="hold"/>
+                                            <p:tgtEl>
+                                              <p:spTgt spid="28"/>
+                                            </p:tgtEl>
+                                            <p:attrNameLst>
+                                              <p:attrName>ppt_y</p:attrName>
+                                            </p:attrNameLst>
+                                          </p:cBhvr>
+                                          <p:tavLst>
+                                            <p:tav tm="0">
+                                              <p:val>
+                                                <p:strVal val="1+#ppt_h/2"/>
+                                              </p:val>
+                                            </p:tav>
+                                            <p:tav tm="100000">
+                                              <p:val>
+                                                <p:strVal val="#ppt_y"/>
+                                              </p:val>
+                                            </p:tav>
+                                          </p:tavLst>
+                                        </p:anim>
+                                      </p:childTnLst>
+                                    </p:cTn>
+                                  </p:par>
+                                  <p:par>
+                                    <p:cTn id="45" presetID="2" presetClass="entr" presetSubtype="4" fill="hold" nodeType="withEffect" p14:presetBounceEnd="50000">
+                                      <p:stCondLst>
+                                        <p:cond delay="0"/>
+                                      </p:stCondLst>
+                                      <p:childTnLst>
+                                        <p:set>
+                                          <p:cBhvr>
+                                            <p:cTn id="46" dur="1" fill="hold">
+                                              <p:stCondLst>
+                                                <p:cond delay="0"/>
+                                              </p:stCondLst>
+                                            </p:cTn>
+                                            <p:tgtEl>
+                                              <p:spTgt spid="18"/>
+                                            </p:tgtEl>
+                                            <p:attrNameLst>
+                                              <p:attrName>style.visibility</p:attrName>
+                                            </p:attrNameLst>
+                                          </p:cBhvr>
+                                          <p:to>
+                                            <p:strVal val="visible"/>
+                                          </p:to>
+                                        </p:set>
+                                        <p:anim calcmode="lin" valueType="num" p14:bounceEnd="50000">
+                                          <p:cBhvr additive="base">
+                                            <p:cTn id="47" dur="500" fill="hold"/>
+                                            <p:tgtEl>
+                                              <p:spTgt spid="18"/>
+                                            </p:tgtEl>
+                                            <p:attrNameLst>
+                                              <p:attrName>ppt_x</p:attrName>
+                                            </p:attrNameLst>
+                                          </p:cBhvr>
+                                          <p:tavLst>
+                                            <p:tav tm="0">
+                                              <p:val>
+                                                <p:strVal val="#ppt_x"/>
+                                              </p:val>
+                                            </p:tav>
+                                            <p:tav tm="100000">
+                                              <p:val>
+                                                <p:strVal val="#ppt_x"/>
+                                              </p:val>
+                                            </p:tav>
+                                          </p:tavLst>
+                                        </p:anim>
+                                        <p:anim calcmode="lin" valueType="num" p14:bounceEnd="50000">
+                                          <p:cBhvr additive="base">
+                                            <p:cTn id="48" dur="500" fill="hold"/>
+                                            <p:tgtEl>
+                                              <p:spTgt spid="18"/>
+                                            </p:tgtEl>
+                                            <p:attrNameLst>
+                                              <p:attrName>ppt_y</p:attrName>
+                                            </p:attrNameLst>
+                                          </p:cBhvr>
+                                          <p:tavLst>
+                                            <p:tav tm="0">
+                                              <p:val>
+                                                <p:strVal val="1+#ppt_h/2"/>
+                                              </p:val>
+                                            </p:tav>
+                                            <p:tav tm="100000">
+                                              <p:val>
+                                                <p:strVal val="#ppt_y"/>
+                                              </p:val>
+                                            </p:tav>
+                                          </p:tavLst>
+                                        </p:anim>
+                                      </p:childTnLst>
+                                    </p:cTn>
+                                  </p:par>
+                                  <p:par>
+                                    <p:cTn id="49" presetID="9" presetClass="emph" presetSubtype="0" grpId="1" nodeType="withEffect">
+                                      <p:stCondLst>
+                                        <p:cond delay="0"/>
+                                      </p:stCondLst>
+                                      <p:childTnLst>
+                                        <p:set>
+                                          <p:cBhvr rctx="PPT">
+                                            <p:cTn id="50" dur="indefinite"/>
+                                            <p:tgtEl>
+                                              <p:spTgt spid="27"/>
+                                            </p:tgtEl>
+                                            <p:attrNameLst>
+                                              <p:attrName>style.opacity</p:attrName>
+                                            </p:attrNameLst>
+                                          </p:cBhvr>
+                                          <p:to>
+                                            <p:strVal val="0"/>
+                                          </p:to>
+                                        </p:set>
+                                        <p:animEffect filter="image" prLst="opacity: 0">
+                                          <p:cBhvr rctx="IE">
+                                            <p:cTn id="51" dur="indefinite"/>
+                                            <p:tgtEl>
+                                              <p:spTgt spid="27"/>
+                                            </p:tgtEl>
+                                          </p:cBhvr>
+                                        </p:animEffect>
+                                      </p:childTnLst>
+                                    </p:cTn>
+                                  </p:par>
+                                </p:childTnLst>
+                              </p:cTn>
+                            </p:par>
+                          </p:childTnLst>
+                        </p:cTn>
+                      </p:par>
+                      <p:par>
+                        <p:cTn id="52" fill="hold">
+                          <p:stCondLst>
+                            <p:cond delay="indefinite"/>
+                          </p:stCondLst>
+                          <p:childTnLst>
+                            <p:par>
+                              <p:cTn id="53" fill="hold">
+                                <p:stCondLst>
+                                  <p:cond delay="0"/>
+                                </p:stCondLst>
+                                <p:childTnLst>
+                                  <p:par>
+                                    <p:cTn id="54" presetID="2" presetClass="entr" presetSubtype="4" fill="hold" nodeType="clickEffect" p14:presetBounceEnd="50000">
+                                      <p:stCondLst>
+                                        <p:cond delay="0"/>
+                                      </p:stCondLst>
+                                      <p:childTnLst>
+                                        <p:set>
+                                          <p:cBhvr>
+                                            <p:cTn id="55" dur="1" fill="hold">
+                                              <p:stCondLst>
+                                                <p:cond delay="0"/>
+                                              </p:stCondLst>
+                                            </p:cTn>
+                                            <p:tgtEl>
+                                              <p:spTgt spid="19"/>
+                                            </p:tgtEl>
+                                            <p:attrNameLst>
+                                              <p:attrName>style.visibility</p:attrName>
+                                            </p:attrNameLst>
+                                          </p:cBhvr>
+                                          <p:to>
+                                            <p:strVal val="visible"/>
+                                          </p:to>
+                                        </p:set>
+                                        <p:anim calcmode="lin" valueType="num" p14:bounceEnd="50000">
+                                          <p:cBhvr additive="base">
+                                            <p:cTn id="56" dur="500" fill="hold"/>
+                                            <p:tgtEl>
+                                              <p:spTgt spid="19"/>
+                                            </p:tgtEl>
+                                            <p:attrNameLst>
+                                              <p:attrName>ppt_x</p:attrName>
+                                            </p:attrNameLst>
+                                          </p:cBhvr>
+                                          <p:tavLst>
+                                            <p:tav tm="0">
+                                              <p:val>
+                                                <p:strVal val="#ppt_x"/>
+                                              </p:val>
+                                            </p:tav>
+                                            <p:tav tm="100000">
+                                              <p:val>
+                                                <p:strVal val="#ppt_x"/>
+                                              </p:val>
+                                            </p:tav>
+                                          </p:tavLst>
+                                        </p:anim>
+                                        <p:anim calcmode="lin" valueType="num" p14:bounceEnd="50000">
+                                          <p:cBhvr additive="base">
+                                            <p:cTn id="57" dur="500" fill="hold"/>
+                                            <p:tgtEl>
+                                              <p:spTgt spid="19"/>
+                                            </p:tgtEl>
+                                            <p:attrNameLst>
+                                              <p:attrName>ppt_y</p:attrName>
+                                            </p:attrNameLst>
+                                          </p:cBhvr>
+                                          <p:tavLst>
+                                            <p:tav tm="0">
+                                              <p:val>
+                                                <p:strVal val="1+#ppt_h/2"/>
+                                              </p:val>
+                                            </p:tav>
+                                            <p:tav tm="100000">
+                                              <p:val>
+                                                <p:strVal val="#ppt_y"/>
+                                              </p:val>
+                                            </p:tav>
+                                          </p:tavLst>
+                                        </p:anim>
+                                      </p:childTnLst>
+                                    </p:cTn>
+                                  </p:par>
+                                  <p:par>
+                                    <p:cTn id="58" presetID="2" presetClass="entr" presetSubtype="4" fill="hold" grpId="0" nodeType="withEffect" p14:presetBounceEnd="50000">
+                                      <p:stCondLst>
+                                        <p:cond delay="0"/>
+                                      </p:stCondLst>
+                                      <p:childTnLst>
+                                        <p:set>
+                                          <p:cBhvr>
+                                            <p:cTn id="59" dur="1" fill="hold">
+                                              <p:stCondLst>
+                                                <p:cond delay="0"/>
+                                              </p:stCondLst>
+                                            </p:cTn>
+                                            <p:tgtEl>
+                                              <p:spTgt spid="29"/>
+                                            </p:tgtEl>
+                                            <p:attrNameLst>
+                                              <p:attrName>style.visibility</p:attrName>
+                                            </p:attrNameLst>
+                                          </p:cBhvr>
+                                          <p:to>
+                                            <p:strVal val="visible"/>
+                                          </p:to>
+                                        </p:set>
+                                        <p:anim calcmode="lin" valueType="num" p14:bounceEnd="50000">
+                                          <p:cBhvr additive="base">
+                                            <p:cTn id="60" dur="500" fill="hold"/>
+                                            <p:tgtEl>
+                                              <p:spTgt spid="29"/>
+                                            </p:tgtEl>
+                                            <p:attrNameLst>
+                                              <p:attrName>ppt_x</p:attrName>
+                                            </p:attrNameLst>
+                                          </p:cBhvr>
+                                          <p:tavLst>
+                                            <p:tav tm="0">
+                                              <p:val>
+                                                <p:strVal val="#ppt_x"/>
+                                              </p:val>
+                                            </p:tav>
+                                            <p:tav tm="100000">
+                                              <p:val>
+                                                <p:strVal val="#ppt_x"/>
+                                              </p:val>
+                                            </p:tav>
+                                          </p:tavLst>
+                                        </p:anim>
+                                        <p:anim calcmode="lin" valueType="num" p14:bounceEnd="50000">
+                                          <p:cBhvr additive="base">
+                                            <p:cTn id="61" dur="500" fill="hold"/>
+                                            <p:tgtEl>
+                                              <p:spTgt spid="29"/>
+                                            </p:tgtEl>
+                                            <p:attrNameLst>
+                                              <p:attrName>ppt_y</p:attrName>
+                                            </p:attrNameLst>
+                                          </p:cBhvr>
+                                          <p:tavLst>
+                                            <p:tav tm="0">
+                                              <p:val>
+                                                <p:strVal val="1+#ppt_h/2"/>
+                                              </p:val>
+                                            </p:tav>
+                                            <p:tav tm="100000">
+                                              <p:val>
+                                                <p:strVal val="#ppt_y"/>
+                                              </p:val>
+                                            </p:tav>
+                                          </p:tavLst>
+                                        </p:anim>
+                                      </p:childTnLst>
+                                    </p:cTn>
+                                  </p:par>
+                                  <p:par>
+                                    <p:cTn id="62" presetID="9" presetClass="emph" presetSubtype="0" grpId="1" nodeType="withEffect">
+                                      <p:stCondLst>
+                                        <p:cond delay="0"/>
+                                      </p:stCondLst>
+                                      <p:childTnLst>
+                                        <p:set>
+                                          <p:cBhvr rctx="PPT">
+                                            <p:cTn id="63" dur="indefinite"/>
+                                            <p:tgtEl>
+                                              <p:spTgt spid="28"/>
+                                            </p:tgtEl>
+                                            <p:attrNameLst>
+                                              <p:attrName>style.opacity</p:attrName>
+                                            </p:attrNameLst>
+                                          </p:cBhvr>
+                                          <p:to>
+                                            <p:strVal val="0"/>
+                                          </p:to>
+                                        </p:set>
+                                        <p:animEffect filter="image" prLst="opacity: 0">
+                                          <p:cBhvr rctx="IE">
+                                            <p:cTn id="64" dur="indefinite"/>
+                                            <p:tgtEl>
+                                              <p:spTgt spid="28"/>
+                                            </p:tgtEl>
+                                          </p:cBhvr>
+                                        </p:animEffect>
+                                      </p:childTnLst>
+                                    </p:cTn>
+                                  </p:par>
+                                </p:childTnLst>
+                              </p:cTn>
+                            </p:par>
+                          </p:childTnLst>
+                        </p:cTn>
+                      </p:par>
+                      <p:par>
+                        <p:cTn id="65" fill="hold">
+                          <p:stCondLst>
+                            <p:cond delay="indefinite"/>
+                          </p:stCondLst>
+                          <p:childTnLst>
+                            <p:par>
+                              <p:cTn id="66" fill="hold">
+                                <p:stCondLst>
+                                  <p:cond delay="0"/>
+                                </p:stCondLst>
+                                <p:childTnLst>
+                                  <p:par>
+                                    <p:cTn id="67" presetID="2" presetClass="entr" presetSubtype="4" fill="hold" nodeType="clickEffect" p14:presetBounceEnd="50000">
+                                      <p:stCondLst>
+                                        <p:cond delay="0"/>
+                                      </p:stCondLst>
+                                      <p:childTnLst>
+                                        <p:set>
+                                          <p:cBhvr>
+                                            <p:cTn id="68" dur="1" fill="hold">
+                                              <p:stCondLst>
+                                                <p:cond delay="0"/>
+                                              </p:stCondLst>
+                                            </p:cTn>
+                                            <p:tgtEl>
+                                              <p:spTgt spid="21"/>
+                                            </p:tgtEl>
+                                            <p:attrNameLst>
+                                              <p:attrName>style.visibility</p:attrName>
+                                            </p:attrNameLst>
+                                          </p:cBhvr>
+                                          <p:to>
+                                            <p:strVal val="visible"/>
+                                          </p:to>
+                                        </p:set>
+                                        <p:anim calcmode="lin" valueType="num" p14:bounceEnd="50000">
+                                          <p:cBhvr additive="base">
+                                            <p:cTn id="69" dur="500" fill="hold"/>
+                                            <p:tgtEl>
+                                              <p:spTgt spid="21"/>
+                                            </p:tgtEl>
+                                            <p:attrNameLst>
+                                              <p:attrName>ppt_x</p:attrName>
+                                            </p:attrNameLst>
+                                          </p:cBhvr>
+                                          <p:tavLst>
+                                            <p:tav tm="0">
+                                              <p:val>
+                                                <p:strVal val="#ppt_x"/>
+                                              </p:val>
+                                            </p:tav>
+                                            <p:tav tm="100000">
+                                              <p:val>
+                                                <p:strVal val="#ppt_x"/>
+                                              </p:val>
+                                            </p:tav>
+                                          </p:tavLst>
+                                        </p:anim>
+                                        <p:anim calcmode="lin" valueType="num" p14:bounceEnd="50000">
+                                          <p:cBhvr additive="base">
+                                            <p:cTn id="70" dur="500" fill="hold"/>
+                                            <p:tgtEl>
+                                              <p:spTgt spid="21"/>
+                                            </p:tgtEl>
+                                            <p:attrNameLst>
+                                              <p:attrName>ppt_y</p:attrName>
+                                            </p:attrNameLst>
+                                          </p:cBhvr>
+                                          <p:tavLst>
+                                            <p:tav tm="0">
+                                              <p:val>
+                                                <p:strVal val="1+#ppt_h/2"/>
+                                              </p:val>
+                                            </p:tav>
+                                            <p:tav tm="100000">
+                                              <p:val>
+                                                <p:strVal val="#ppt_y"/>
+                                              </p:val>
+                                            </p:tav>
+                                          </p:tavLst>
+                                        </p:anim>
+                                      </p:childTnLst>
+                                    </p:cTn>
+                                  </p:par>
+                                  <p:par>
+                                    <p:cTn id="71" presetID="2" presetClass="entr" presetSubtype="4" fill="hold" grpId="0" nodeType="withEffect" p14:presetBounceEnd="50000">
+                                      <p:stCondLst>
+                                        <p:cond delay="0"/>
+                                      </p:stCondLst>
+                                      <p:childTnLst>
+                                        <p:set>
+                                          <p:cBhvr>
+                                            <p:cTn id="72" dur="1" fill="hold">
+                                              <p:stCondLst>
+                                                <p:cond delay="0"/>
+                                              </p:stCondLst>
+                                            </p:cTn>
+                                            <p:tgtEl>
+                                              <p:spTgt spid="30"/>
+                                            </p:tgtEl>
+                                            <p:attrNameLst>
+                                              <p:attrName>style.visibility</p:attrName>
+                                            </p:attrNameLst>
+                                          </p:cBhvr>
+                                          <p:to>
+                                            <p:strVal val="visible"/>
+                                          </p:to>
+                                        </p:set>
+                                        <p:anim calcmode="lin" valueType="num" p14:bounceEnd="50000">
+                                          <p:cBhvr additive="base">
+                                            <p:cTn id="73" dur="500" fill="hold"/>
+                                            <p:tgtEl>
+                                              <p:spTgt spid="30"/>
+                                            </p:tgtEl>
+                                            <p:attrNameLst>
+                                              <p:attrName>ppt_x</p:attrName>
+                                            </p:attrNameLst>
+                                          </p:cBhvr>
+                                          <p:tavLst>
+                                            <p:tav tm="0">
+                                              <p:val>
+                                                <p:strVal val="#ppt_x"/>
+                                              </p:val>
+                                            </p:tav>
+                                            <p:tav tm="100000">
+                                              <p:val>
+                                                <p:strVal val="#ppt_x"/>
+                                              </p:val>
+                                            </p:tav>
+                                          </p:tavLst>
+                                        </p:anim>
+                                        <p:anim calcmode="lin" valueType="num" p14:bounceEnd="50000">
+                                          <p:cBhvr additive="base">
+                                            <p:cTn id="74" dur="500" fill="hold"/>
+                                            <p:tgtEl>
+                                              <p:spTgt spid="30"/>
+                                            </p:tgtEl>
+                                            <p:attrNameLst>
+                                              <p:attrName>ppt_y</p:attrName>
+                                            </p:attrNameLst>
+                                          </p:cBhvr>
+                                          <p:tavLst>
+                                            <p:tav tm="0">
+                                              <p:val>
+                                                <p:strVal val="1+#ppt_h/2"/>
+                                              </p:val>
+                                            </p:tav>
+                                            <p:tav tm="100000">
+                                              <p:val>
+                                                <p:strVal val="#ppt_y"/>
+                                              </p:val>
+                                            </p:tav>
+                                          </p:tavLst>
+                                        </p:anim>
+                                      </p:childTnLst>
+                                    </p:cTn>
+                                  </p:par>
+                                  <p:par>
+                                    <p:cTn id="75" presetID="9" presetClass="emph" presetSubtype="0" grpId="1" nodeType="withEffect">
+                                      <p:stCondLst>
+                                        <p:cond delay="0"/>
+                                      </p:stCondLst>
+                                      <p:childTnLst>
+                                        <p:set>
+                                          <p:cBhvr rctx="PPT">
+                                            <p:cTn id="76" dur="indefinite"/>
+                                            <p:tgtEl>
+                                              <p:spTgt spid="29"/>
+                                            </p:tgtEl>
+                                            <p:attrNameLst>
+                                              <p:attrName>style.opacity</p:attrName>
+                                            </p:attrNameLst>
+                                          </p:cBhvr>
+                                          <p:to>
+                                            <p:strVal val="0"/>
+                                          </p:to>
+                                        </p:set>
+                                        <p:animEffect filter="image" prLst="opacity: 0">
+                                          <p:cBhvr rctx="IE">
+                                            <p:cTn id="77" dur="indefinite"/>
+                                            <p:tgtEl>
+                                              <p:spTgt spid="29"/>
+                                            </p:tgtEl>
+                                          </p:cBhvr>
+                                        </p:animEffect>
+                                      </p:childTnLst>
+                                    </p:cTn>
+                                  </p:par>
+                                </p:childTnLst>
+                              </p:cTn>
+                            </p:par>
+                          </p:childTnLst>
+                        </p:cTn>
+                      </p:par>
+                    </p:childTnLst>
+                  </p:cTn>
+                  <p:prevCondLst>
+                    <p:cond evt="onPrev" delay="0">
+                      <p:tgtEl>
+                        <p:sldTgt/>
+                      </p:tgtEl>
+                    </p:cond>
+                  </p:prevCondLst>
+                  <p:nextCondLst>
+                    <p:cond evt="onNext" delay="0">
+                      <p:tgtEl>
+                        <p:sldTgt/>
+                      </p:tgtEl>
+                    </p:cond>
+                  </p:nextCondLst>
+                </p:seq>
+              </p:childTnLst>
+            </p:cTn>
+          </p:par>
+        </p:tnLst>
+        <p:bldLst>
+          <p:bldP spid="23" grpId="0"/>
+          <p:bldP spid="23" grpId="1"/>
+          <p:bldP spid="26" grpId="0"/>
+          <p:bldP spid="26" grpId="1"/>
+          <p:bldP spid="27" grpId="0"/>
+          <p:bldP spid="27" grpId="1"/>
+          <p:bldP spid="28" grpId="0"/>
+          <p:bldP spid="28" grpId="1"/>
+          <p:bldP spid="29" grpId="0"/>
+          <p:bldP spid="29" grpId="1"/>
+          <p:bldP spid="30" grpId="0"/>
+        </p:bldLst>
+      </p:timing>
+    </mc:Choice>
+    <mc:Fallback>
+      <p:timing>
+        <p:tnLst>
+          <p:par>
+            <p:cTn id="1" dur="indefinite" restart="never" nodeType="tmRoot">
+              <p:childTnLst>
+                <p:seq concurrent="1" nextAc="seek">
+                  <p:cTn id="2" dur="indefinite" nodeType="mainSeq">
+                    <p:childTnLst>
+                      <p:par>
+                        <p:cTn id="3" fill="hold">
+                          <p:stCondLst>
+                            <p:cond delay="indefinite"/>
+                          </p:stCondLst>
+                          <p:childTnLst>
+                            <p:par>
+                              <p:cTn id="4" fill="hold">
+                                <p:stCondLst>
+                                  <p:cond delay="0"/>
+                                </p:stCondLst>
+                                <p:childTnLst>
+                                  <p:par>
+                                    <p:cTn id="5" presetID="2" presetClass="entr" presetSubtype="4" fill="hold" nodeType="clickEffect">
+                                      <p:stCondLst>
+                                        <p:cond delay="0"/>
+                                      </p:stCondLst>
+                                      <p:childTnLst>
+                                        <p:set>
+                                          <p:cBhvr>
+                                            <p:cTn id="6" dur="1" fill="hold">
+                                              <p:stCondLst>
+                                                <p:cond delay="0"/>
+                                              </p:stCondLst>
+                                            </p:cTn>
+                                            <p:tgtEl>
+                                              <p:spTgt spid="14"/>
+                                            </p:tgtEl>
+                                            <p:attrNameLst>
+                                              <p:attrName>style.visibility</p:attrName>
+                                            </p:attrNameLst>
+                                          </p:cBhvr>
+                                          <p:to>
+                                            <p:strVal val="visible"/>
+                                          </p:to>
+                                        </p:set>
+                                        <p:anim calcmode="lin" valueType="num">
+                                          <p:cBhvr additive="base">
+                                            <p:cTn id="7" dur="500" fill="hold"/>
+                                            <p:tgtEl>
+                                              <p:spTgt spid="14"/>
+                                            </p:tgtEl>
+                                            <p:attrNameLst>
+                                              <p:attrName>ppt_x</p:attrName>
+                                            </p:attrNameLst>
+                                          </p:cBhvr>
+                                          <p:tavLst>
+                                            <p:tav tm="0">
+                                              <p:val>
+                                                <p:strVal val="#ppt_x"/>
+                                              </p:val>
+                                            </p:tav>
+                                            <p:tav tm="100000">
+                                              <p:val>
+                                                <p:strVal val="#ppt_x"/>
+                                              </p:val>
+                                            </p:tav>
+                                          </p:tavLst>
+                                        </p:anim>
+                                        <p:anim calcmode="lin" valueType="num">
+                                          <p:cBhvr additive="base">
+                                            <p:cTn id="8" dur="500" fill="hold"/>
+                                            <p:tgtEl>
+                                              <p:spTgt spid="14"/>
+                                            </p:tgtEl>
+                                            <p:attrNameLst>
+                                              <p:attrName>ppt_y</p:attrName>
+                                            </p:attrNameLst>
+                                          </p:cBhvr>
+                                          <p:tavLst>
+                                            <p:tav tm="0">
+                                              <p:val>
+                                                <p:strVal val="1+#ppt_h/2"/>
+                                              </p:val>
+                                            </p:tav>
+                                            <p:tav tm="100000">
+                                              <p:val>
+                                                <p:strVal val="#ppt_y"/>
+                                              </p:val>
+                                            </p:tav>
+                                          </p:tavLst>
+                                        </p:anim>
+                                      </p:childTnLst>
+                                    </p:cTn>
+                                  </p:par>
+                                  <p:par>
+                                    <p:cTn id="9" presetID="2" presetClass="entr" presetSubtype="4" fill="hold" grpId="0" nodeType="withEffect">
+                                      <p:stCondLst>
+                                        <p:cond delay="0"/>
+                                      </p:stCondLst>
+                                      <p:childTnLst>
+                                        <p:set>
+                                          <p:cBhvr>
+                                            <p:cTn id="10" dur="1" fill="hold">
+                                              <p:stCondLst>
+                                                <p:cond delay="0"/>
+                                              </p:stCondLst>
+                                            </p:cTn>
+                                            <p:tgtEl>
+                                              <p:spTgt spid="23"/>
+                                            </p:tgtEl>
+                                            <p:attrNameLst>
+                                              <p:attrName>style.visibility</p:attrName>
+                                            </p:attrNameLst>
+                                          </p:cBhvr>
+                                          <p:to>
+                                            <p:strVal val="visible"/>
+                                          </p:to>
+                                        </p:set>
+                                        <p:anim calcmode="lin" valueType="num">
+                                          <p:cBhvr additive="base">
+                                            <p:cTn id="11" dur="500" fill="hold"/>
+                                            <p:tgtEl>
+                                              <p:spTgt spid="23"/>
+                                            </p:tgtEl>
+                                            <p:attrNameLst>
+                                              <p:attrName>ppt_x</p:attrName>
+                                            </p:attrNameLst>
+                                          </p:cBhvr>
+                                          <p:tavLst>
+                                            <p:tav tm="0">
+                                              <p:val>
+                                                <p:strVal val="#ppt_x"/>
+                                              </p:val>
+                                            </p:tav>
+                                            <p:tav tm="100000">
+                                              <p:val>
+                                                <p:strVal val="#ppt_x"/>
+                                              </p:val>
+                                            </p:tav>
+                                          </p:tavLst>
+                                        </p:anim>
+                                        <p:anim calcmode="lin" valueType="num">
+                                          <p:cBhvr additive="base">
+                                            <p:cTn id="12" dur="500" fill="hold"/>
+                                            <p:tgtEl>
+                                              <p:spTgt spid="23"/>
+                                            </p:tgtEl>
+                                            <p:attrNameLst>
+                                              <p:attrName>ppt_y</p:attrName>
+                                            </p:attrNameLst>
+                                          </p:cBhvr>
+                                          <p:tavLst>
+                                            <p:tav tm="0">
+                                              <p:val>
+                                                <p:strVal val="1+#ppt_h/2"/>
+                                              </p:val>
+                                            </p:tav>
+                                            <p:tav tm="100000">
+                                              <p:val>
+                                                <p:strVal val="#ppt_y"/>
+                                              </p:val>
+                                            </p:tav>
+                                          </p:tavLst>
+                                        </p:anim>
+                                      </p:childTnLst>
+                                    </p:cTn>
+                                  </p:par>
+                                </p:childTnLst>
+                              </p:cTn>
+                            </p:par>
+                          </p:childTnLst>
+                        </p:cTn>
+                      </p:par>
+                      <p:par>
+                        <p:cTn id="13" fill="hold">
+                          <p:stCondLst>
+                            <p:cond delay="indefinite"/>
+                          </p:stCondLst>
+                          <p:childTnLst>
+                            <p:par>
+                              <p:cTn id="14" fill="hold">
+                                <p:stCondLst>
+                                  <p:cond delay="0"/>
+                                </p:stCondLst>
+                                <p:childTnLst>
+                                  <p:par>
+                                    <p:cTn id="15" presetID="2" presetClass="entr" presetSubtype="4" fill="hold" nodeType="clickEffect">
+                                      <p:stCondLst>
+                                        <p:cond delay="0"/>
+                                      </p:stCondLst>
+                                      <p:childTnLst>
+                                        <p:set>
+                                          <p:cBhvr>
+                                            <p:cTn id="16" dur="1" fill="hold">
+                                              <p:stCondLst>
+                                                <p:cond delay="0"/>
+                                              </p:stCondLst>
+                                            </p:cTn>
+                                            <p:tgtEl>
+                                              <p:spTgt spid="15"/>
+                                            </p:tgtEl>
+                                            <p:attrNameLst>
+                                              <p:attrName>style.visibility</p:attrName>
+                                            </p:attrNameLst>
+                                          </p:cBhvr>
+                                          <p:to>
+                                            <p:strVal val="visible"/>
+                                          </p:to>
+                                        </p:set>
+                                        <p:anim calcmode="lin" valueType="num">
+                                          <p:cBhvr additive="base">
+                                            <p:cTn id="17" dur="500" fill="hold"/>
+                                            <p:tgtEl>
+                                              <p:spTgt spid="15"/>
+                                            </p:tgtEl>
+                                            <p:attrNameLst>
+                                              <p:attrName>ppt_x</p:attrName>
+                                            </p:attrNameLst>
+                                          </p:cBhvr>
+                                          <p:tavLst>
+                                            <p:tav tm="0">
+                                              <p:val>
+                                                <p:strVal val="#ppt_x"/>
+                                              </p:val>
+                                            </p:tav>
+                                            <p:tav tm="100000">
+                                              <p:val>
+                                                <p:strVal val="#ppt_x"/>
+                                              </p:val>
+                                            </p:tav>
+                                          </p:tavLst>
+                                        </p:anim>
+                                        <p:anim calcmode="lin" valueType="num">
+                                          <p:cBhvr additive="base">
+                                            <p:cTn id="18" dur="500" fill="hold"/>
+                                            <p:tgtEl>
+                                              <p:spTgt spid="15"/>
+                                            </p:tgtEl>
+                                            <p:attrNameLst>
+                                              <p:attrName>ppt_y</p:attrName>
+                                            </p:attrNameLst>
+                                          </p:cBhvr>
+                                          <p:tavLst>
+                                            <p:tav tm="0">
+                                              <p:val>
+                                                <p:strVal val="1+#ppt_h/2"/>
+                                              </p:val>
+                                            </p:tav>
+                                            <p:tav tm="100000">
+                                              <p:val>
+                                                <p:strVal val="#ppt_y"/>
+                                              </p:val>
+                                            </p:tav>
+                                          </p:tavLst>
+                                        </p:anim>
+                                      </p:childTnLst>
+                                    </p:cTn>
+                                  </p:par>
+                                  <p:par>
+                                    <p:cTn id="19" presetID="2" presetClass="entr" presetSubtype="4" fill="hold" grpId="0" nodeType="withEffect">
+                                      <p:stCondLst>
+                                        <p:cond delay="0"/>
+                                      </p:stCondLst>
+                                      <p:childTnLst>
+                                        <p:set>
+                                          <p:cBhvr>
+                                            <p:cTn id="20" dur="1" fill="hold">
+                                              <p:stCondLst>
+                                                <p:cond delay="0"/>
+                                              </p:stCondLst>
+                                            </p:cTn>
+                                            <p:tgtEl>
+                                              <p:spTgt spid="26"/>
+                                            </p:tgtEl>
+                                            <p:attrNameLst>
+                                              <p:attrName>style.visibility</p:attrName>
+                                            </p:attrNameLst>
+                                          </p:cBhvr>
+                                          <p:to>
+                                            <p:strVal val="visible"/>
+                                          </p:to>
+                                        </p:set>
+                                        <p:anim calcmode="lin" valueType="num">
+                                          <p:cBhvr additive="base">
+                                            <p:cTn id="21" dur="500" fill="hold"/>
+                                            <p:tgtEl>
+                                              <p:spTgt spid="26"/>
+                                            </p:tgtEl>
+                                            <p:attrNameLst>
+                                              <p:attrName>ppt_x</p:attrName>
+                                            </p:attrNameLst>
+                                          </p:cBhvr>
+                                          <p:tavLst>
+                                            <p:tav tm="0">
+                                              <p:val>
+                                                <p:strVal val="#ppt_x"/>
+                                              </p:val>
+                                            </p:tav>
+                                            <p:tav tm="100000">
+                                              <p:val>
+                                                <p:strVal val="#ppt_x"/>
+                                              </p:val>
+                                            </p:tav>
+                                          </p:tavLst>
+                                        </p:anim>
+                                        <p:anim calcmode="lin" valueType="num">
+                                          <p:cBhvr additive="base">
+                                            <p:cTn id="22" dur="500" fill="hold"/>
+                                            <p:tgtEl>
+                                              <p:spTgt spid="26"/>
+                                            </p:tgtEl>
+                                            <p:attrNameLst>
+                                              <p:attrName>ppt_y</p:attrName>
+                                            </p:attrNameLst>
+                                          </p:cBhvr>
+                                          <p:tavLst>
+                                            <p:tav tm="0">
+                                              <p:val>
+                                                <p:strVal val="1+#ppt_h/2"/>
+                                              </p:val>
+                                            </p:tav>
+                                            <p:tav tm="100000">
+                                              <p:val>
+                                                <p:strVal val="#ppt_y"/>
+                                              </p:val>
+                                            </p:tav>
+                                          </p:tavLst>
+                                        </p:anim>
+                                      </p:childTnLst>
+                                    </p:cTn>
+                                  </p:par>
+                                  <p:par>
+                                    <p:cTn id="23" presetID="9" presetClass="emph" presetSubtype="0" grpId="1" nodeType="withEffect">
+                                      <p:stCondLst>
+                                        <p:cond delay="0"/>
+                                      </p:stCondLst>
+                                      <p:childTnLst>
+                                        <p:set>
+                                          <p:cBhvr rctx="PPT">
+                                            <p:cTn id="24" dur="indefinite"/>
+                                            <p:tgtEl>
+                                              <p:spTgt spid="23"/>
+                                            </p:tgtEl>
+                                            <p:attrNameLst>
+                                              <p:attrName>style.opacity</p:attrName>
+                                            </p:attrNameLst>
+                                          </p:cBhvr>
+                                          <p:to>
+                                            <p:strVal val="0"/>
+                                          </p:to>
+                                        </p:set>
+                                        <p:animEffect filter="image" prLst="opacity: 0">
+                                          <p:cBhvr rctx="IE">
+                                            <p:cTn id="25" dur="indefinite"/>
+                                            <p:tgtEl>
+                                              <p:spTgt spid="23"/>
+                                            </p:tgtEl>
+                                          </p:cBhvr>
+                                        </p:animEffect>
+                                      </p:childTnLst>
+                                    </p:cTn>
+                                  </p:par>
+                                </p:childTnLst>
+                              </p:cTn>
+                            </p:par>
+                          </p:childTnLst>
+                        </p:cTn>
+                      </p:par>
+                      <p:par>
+                        <p:cTn id="26" fill="hold">
+                          <p:stCondLst>
+                            <p:cond delay="indefinite"/>
+                          </p:stCondLst>
+                          <p:childTnLst>
+                            <p:par>
+                              <p:cTn id="27" fill="hold">
+                                <p:stCondLst>
+                                  <p:cond delay="0"/>
+                                </p:stCondLst>
+                                <p:childTnLst>
+                                  <p:par>
+                                    <p:cTn id="28" presetID="2" presetClass="entr" presetSubtype="4" fill="hold" grpId="0" nodeType="clickEffect">
+                                      <p:stCondLst>
+                                        <p:cond delay="0"/>
+                                      </p:stCondLst>
+                                      <p:childTnLst>
+                                        <p:set>
+                                          <p:cBhvr>
+                                            <p:cTn id="29" dur="1" fill="hold">
+                                              <p:stCondLst>
+                                                <p:cond delay="0"/>
+                                              </p:stCondLst>
+                                            </p:cTn>
+                                            <p:tgtEl>
+                                              <p:spTgt spid="27"/>
+                                            </p:tgtEl>
+                                            <p:attrNameLst>
+                                              <p:attrName>style.visibility</p:attrName>
+                                            </p:attrNameLst>
+                                          </p:cBhvr>
+                                          <p:to>
+                                            <p:strVal val="visible"/>
+                                          </p:to>
+                                        </p:set>
+                                        <p:anim calcmode="lin" valueType="num">
+                                          <p:cBhvr additive="base">
+                                            <p:cTn id="30" dur="500" fill="hold"/>
+                                            <p:tgtEl>
+                                              <p:spTgt spid="27"/>
+                                            </p:tgtEl>
+                                            <p:attrNameLst>
+                                              <p:attrName>ppt_x</p:attrName>
+                                            </p:attrNameLst>
+                                          </p:cBhvr>
+                                          <p:tavLst>
+                                            <p:tav tm="0">
+                                              <p:val>
+                                                <p:strVal val="#ppt_x"/>
+                                              </p:val>
+                                            </p:tav>
+                                            <p:tav tm="100000">
+                                              <p:val>
+                                                <p:strVal val="#ppt_x"/>
+                                              </p:val>
+                                            </p:tav>
+                                          </p:tavLst>
+                                        </p:anim>
+                                        <p:anim calcmode="lin" valueType="num">
+                                          <p:cBhvr additive="base">
+                                            <p:cTn id="31" dur="500" fill="hold"/>
+                                            <p:tgtEl>
+                                              <p:spTgt spid="27"/>
+                                            </p:tgtEl>
+                                            <p:attrNameLst>
+                                              <p:attrName>ppt_y</p:attrName>
+                                            </p:attrNameLst>
+                                          </p:cBhvr>
+                                          <p:tavLst>
+                                            <p:tav tm="0">
+                                              <p:val>
+                                                <p:strVal val="1+#ppt_h/2"/>
+                                              </p:val>
+                                            </p:tav>
+                                            <p:tav tm="100000">
+                                              <p:val>
+                                                <p:strVal val="#ppt_y"/>
+                                              </p:val>
+                                            </p:tav>
+                                          </p:tavLst>
+                                        </p:anim>
+                                      </p:childTnLst>
+                                    </p:cTn>
+                                  </p:par>
+                                  <p:par>
+                                    <p:cTn id="32" presetID="9" presetClass="emph" presetSubtype="0" grpId="1" nodeType="withEffect">
+                                      <p:stCondLst>
+                                        <p:cond delay="0"/>
+                                      </p:stCondLst>
+                                      <p:childTnLst>
+                                        <p:set>
+                                          <p:cBhvr rctx="PPT">
+                                            <p:cTn id="33" dur="indefinite"/>
+                                            <p:tgtEl>
+                                              <p:spTgt spid="26"/>
+                                            </p:tgtEl>
+                                            <p:attrNameLst>
+                                              <p:attrName>style.opacity</p:attrName>
+                                            </p:attrNameLst>
+                                          </p:cBhvr>
+                                          <p:to>
+                                            <p:strVal val="0"/>
+                                          </p:to>
+                                        </p:set>
+                                        <p:animEffect filter="image" prLst="opacity: 0">
+                                          <p:cBhvr rctx="IE">
+                                            <p:cTn id="34" dur="indefinite"/>
+                                            <p:tgtEl>
+                                              <p:spTgt spid="26"/>
+                                            </p:tgtEl>
+                                          </p:cBhvr>
+                                        </p:animEffect>
+                                      </p:childTnLst>
+                                    </p:cTn>
+                                  </p:par>
+                                  <p:par>
+                                    <p:cTn id="35" presetID="2" presetClass="entr" presetSubtype="4" fill="hold" nodeType="withEffect">
+                                      <p:stCondLst>
+                                        <p:cond delay="0"/>
+                                      </p:stCondLst>
+                                      <p:childTnLst>
+                                        <p:set>
+                                          <p:cBhvr>
+                                            <p:cTn id="36" dur="1" fill="hold">
+                                              <p:stCondLst>
+                                                <p:cond delay="0"/>
+                                              </p:stCondLst>
+                                            </p:cTn>
+                                            <p:tgtEl>
+                                              <p:spTgt spid="17"/>
+                                            </p:tgtEl>
+                                            <p:attrNameLst>
+                                              <p:attrName>style.visibility</p:attrName>
+                                            </p:attrNameLst>
+                                          </p:cBhvr>
+                                          <p:to>
+                                            <p:strVal val="visible"/>
+                                          </p:to>
+                                        </p:set>
+                                        <p:anim calcmode="lin" valueType="num">
+                                          <p:cBhvr additive="base">
+                                            <p:cTn id="37" dur="500" fill="hold"/>
+                                            <p:tgtEl>
+                                              <p:spTgt spid="17"/>
+                                            </p:tgtEl>
+                                            <p:attrNameLst>
+                                              <p:attrName>ppt_x</p:attrName>
+                                            </p:attrNameLst>
+                                          </p:cBhvr>
+                                          <p:tavLst>
+                                            <p:tav tm="0">
+                                              <p:val>
+                                                <p:strVal val="#ppt_x"/>
+                                              </p:val>
+                                            </p:tav>
+                                            <p:tav tm="100000">
+                                              <p:val>
+                                                <p:strVal val="#ppt_x"/>
+                                              </p:val>
+                                            </p:tav>
+                                          </p:tavLst>
+                                        </p:anim>
+                                        <p:anim calcmode="lin" valueType="num">
+                                          <p:cBhvr additive="base">
+                                            <p:cTn id="38" dur="500" fill="hold"/>
+                                            <p:tgtEl>
+                                              <p:spTgt spid="17"/>
+                                            </p:tgtEl>
+                                            <p:attrNameLst>
+                                              <p:attrName>ppt_y</p:attrName>
+                                            </p:attrNameLst>
+                                          </p:cBhvr>
+                                          <p:tavLst>
+                                            <p:tav tm="0">
+                                              <p:val>
+                                                <p:strVal val="1+#ppt_h/2"/>
+                                              </p:val>
+                                            </p:tav>
+                                            <p:tav tm="100000">
+                                              <p:val>
+                                                <p:strVal val="#ppt_y"/>
+                                              </p:val>
+                                            </p:tav>
+                                          </p:tavLst>
+                                        </p:anim>
+                                      </p:childTnLst>
+                                    </p:cTn>
+                                  </p:par>
+                                </p:childTnLst>
+                              </p:cTn>
+                            </p:par>
+                          </p:childTnLst>
+                        </p:cTn>
+                      </p:par>
+                      <p:par>
+                        <p:cTn id="39" fill="hold">
+                          <p:stCondLst>
+                            <p:cond delay="indefinite"/>
+                          </p:stCondLst>
+                          <p:childTnLst>
+                            <p:par>
+                              <p:cTn id="40" fill="hold">
+                                <p:stCondLst>
+                                  <p:cond delay="0"/>
+                                </p:stCondLst>
+                                <p:childTnLst>
+                                  <p:par>
+                                    <p:cTn id="41" presetID="2" presetClass="entr" presetSubtype="4" fill="hold" grpId="0" nodeType="clickEffect">
+                                      <p:stCondLst>
+                                        <p:cond delay="0"/>
+                                      </p:stCondLst>
+                                      <p:childTnLst>
+                                        <p:set>
+                                          <p:cBhvr>
+                                            <p:cTn id="42" dur="1" fill="hold">
+                                              <p:stCondLst>
+                                                <p:cond delay="0"/>
+                                              </p:stCondLst>
+                                            </p:cTn>
+                                            <p:tgtEl>
+                                              <p:spTgt spid="28"/>
+                                            </p:tgtEl>
+                                            <p:attrNameLst>
+                                              <p:attrName>style.visibility</p:attrName>
+                                            </p:attrNameLst>
+                                          </p:cBhvr>
+                                          <p:to>
+                                            <p:strVal val="visible"/>
+                                          </p:to>
+                                        </p:set>
+                                        <p:anim calcmode="lin" valueType="num">
+                                          <p:cBhvr additive="base">
+                                            <p:cTn id="43" dur="500" fill="hold"/>
+                                            <p:tgtEl>
+                                              <p:spTgt spid="28"/>
+                                            </p:tgtEl>
+                                            <p:attrNameLst>
+                                              <p:attrName>ppt_x</p:attrName>
+                                            </p:attrNameLst>
+                                          </p:cBhvr>
+                                          <p:tavLst>
+                                            <p:tav tm="0">
+                                              <p:val>
+                                                <p:strVal val="#ppt_x"/>
+                                              </p:val>
+                                            </p:tav>
+                                            <p:tav tm="100000">
+                                              <p:val>
+                                                <p:strVal val="#ppt_x"/>
+                                              </p:val>
+                                            </p:tav>
+                                          </p:tavLst>
+                                        </p:anim>
+                                        <p:anim calcmode="lin" valueType="num">
+                                          <p:cBhvr additive="base">
+                                            <p:cTn id="44" dur="500" fill="hold"/>
+                                            <p:tgtEl>
+                                              <p:spTgt spid="28"/>
+                                            </p:tgtEl>
+                                            <p:attrNameLst>
+                                              <p:attrName>ppt_y</p:attrName>
+                                            </p:attrNameLst>
+                                          </p:cBhvr>
+                                          <p:tavLst>
+                                            <p:tav tm="0">
+                                              <p:val>
+                                                <p:strVal val="1+#ppt_h/2"/>
+                                              </p:val>
+                                            </p:tav>
+                                            <p:tav tm="100000">
+                                              <p:val>
+                                                <p:strVal val="#ppt_y"/>
+                                              </p:val>
+                                            </p:tav>
+                                          </p:tavLst>
+                                        </p:anim>
+                                      </p:childTnLst>
+                                    </p:cTn>
+                                  </p:par>
+                                  <p:par>
+                                    <p:cTn id="45" presetID="2" presetClass="entr" presetSubtype="4" fill="hold" nodeType="withEffect">
+                                      <p:stCondLst>
+                                        <p:cond delay="0"/>
+                                      </p:stCondLst>
+                                      <p:childTnLst>
+                                        <p:set>
+                                          <p:cBhvr>
+                                            <p:cTn id="46" dur="1" fill="hold">
+                                              <p:stCondLst>
+                                                <p:cond delay="0"/>
+                                              </p:stCondLst>
+                                            </p:cTn>
+                                            <p:tgtEl>
+                                              <p:spTgt spid="18"/>
+                                            </p:tgtEl>
+                                            <p:attrNameLst>
+                                              <p:attrName>style.visibility</p:attrName>
+                                            </p:attrNameLst>
+                                          </p:cBhvr>
+                                          <p:to>
+                                            <p:strVal val="visible"/>
+                                          </p:to>
+                                        </p:set>
+                                        <p:anim calcmode="lin" valueType="num">
+                                          <p:cBhvr additive="base">
+                                            <p:cTn id="47" dur="500" fill="hold"/>
+                                            <p:tgtEl>
+                                              <p:spTgt spid="18"/>
+                                            </p:tgtEl>
+                                            <p:attrNameLst>
+                                              <p:attrName>ppt_x</p:attrName>
+                                            </p:attrNameLst>
+                                          </p:cBhvr>
+                                          <p:tavLst>
+                                            <p:tav tm="0">
+                                              <p:val>
+                                                <p:strVal val="#ppt_x"/>
+                                              </p:val>
+                                            </p:tav>
+                                            <p:tav tm="100000">
+                                              <p:val>
+                                                <p:strVal val="#ppt_x"/>
+                                              </p:val>
+                                            </p:tav>
+                                          </p:tavLst>
+                                        </p:anim>
+                                        <p:anim calcmode="lin" valueType="num">
+                                          <p:cBhvr additive="base">
+                                            <p:cTn id="48" dur="500" fill="hold"/>
+                                            <p:tgtEl>
+                                              <p:spTgt spid="18"/>
+                                            </p:tgtEl>
+                                            <p:attrNameLst>
+                                              <p:attrName>ppt_y</p:attrName>
+                                            </p:attrNameLst>
+                                          </p:cBhvr>
+                                          <p:tavLst>
+                                            <p:tav tm="0">
+                                              <p:val>
+                                                <p:strVal val="1+#ppt_h/2"/>
+                                              </p:val>
+                                            </p:tav>
+                                            <p:tav tm="100000">
+                                              <p:val>
+                                                <p:strVal val="#ppt_y"/>
+                                              </p:val>
+                                            </p:tav>
+                                          </p:tavLst>
+                                        </p:anim>
+                                      </p:childTnLst>
+                                    </p:cTn>
+                                  </p:par>
+                                  <p:par>
+                                    <p:cTn id="49" presetID="9" presetClass="emph" presetSubtype="0" grpId="1" nodeType="withEffect">
+                                      <p:stCondLst>
+                                        <p:cond delay="0"/>
+                                      </p:stCondLst>
+                                      <p:childTnLst>
+                                        <p:set>
+                                          <p:cBhvr rctx="PPT">
+                                            <p:cTn id="50" dur="indefinite"/>
+                                            <p:tgtEl>
+                                              <p:spTgt spid="27"/>
+                                            </p:tgtEl>
+                                            <p:attrNameLst>
+                                              <p:attrName>style.opacity</p:attrName>
+                                            </p:attrNameLst>
+                                          </p:cBhvr>
+                                          <p:to>
+                                            <p:strVal val="0"/>
+                                          </p:to>
+                                        </p:set>
+                                        <p:animEffect filter="image" prLst="opacity: 0">
+                                          <p:cBhvr rctx="IE">
+                                            <p:cTn id="51" dur="indefinite"/>
+                                            <p:tgtEl>
+                                              <p:spTgt spid="27"/>
+                                            </p:tgtEl>
+                                          </p:cBhvr>
+                                        </p:animEffect>
+                                      </p:childTnLst>
+                                    </p:cTn>
+                                  </p:par>
+                                </p:childTnLst>
+                              </p:cTn>
+                            </p:par>
+                          </p:childTnLst>
+                        </p:cTn>
+                      </p:par>
+                      <p:par>
+                        <p:cTn id="52" fill="hold">
+                          <p:stCondLst>
+                            <p:cond delay="indefinite"/>
+                          </p:stCondLst>
+                          <p:childTnLst>
+                            <p:par>
+                              <p:cTn id="53" fill="hold">
+                                <p:stCondLst>
+                                  <p:cond delay="0"/>
+                                </p:stCondLst>
+                                <p:childTnLst>
+                                  <p:par>
+                                    <p:cTn id="54" presetID="2" presetClass="entr" presetSubtype="4" fill="hold" nodeType="clickEffect">
+                                      <p:stCondLst>
+                                        <p:cond delay="0"/>
+                                      </p:stCondLst>
+                                      <p:childTnLst>
+                                        <p:set>
+                                          <p:cBhvr>
+                                            <p:cTn id="55" dur="1" fill="hold">
+                                              <p:stCondLst>
+                                                <p:cond delay="0"/>
+                                              </p:stCondLst>
+                                            </p:cTn>
+                                            <p:tgtEl>
+                                              <p:spTgt spid="19"/>
+                                            </p:tgtEl>
+                                            <p:attrNameLst>
+                                              <p:attrName>style.visibility</p:attrName>
+                                            </p:attrNameLst>
+                                          </p:cBhvr>
+                                          <p:to>
+                                            <p:strVal val="visible"/>
+                                          </p:to>
+                                        </p:set>
+                                        <p:anim calcmode="lin" valueType="num">
+                                          <p:cBhvr additive="base">
+                                            <p:cTn id="56" dur="500" fill="hold"/>
+                                            <p:tgtEl>
+                                              <p:spTgt spid="19"/>
+                                            </p:tgtEl>
+                                            <p:attrNameLst>
+                                              <p:attrName>ppt_x</p:attrName>
+                                            </p:attrNameLst>
+                                          </p:cBhvr>
+                                          <p:tavLst>
+                                            <p:tav tm="0">
+                                              <p:val>
+                                                <p:strVal val="#ppt_x"/>
+                                              </p:val>
+                                            </p:tav>
+                                            <p:tav tm="100000">
+                                              <p:val>
+                                                <p:strVal val="#ppt_x"/>
+                                              </p:val>
+                                            </p:tav>
+                                          </p:tavLst>
+                                        </p:anim>
+                                        <p:anim calcmode="lin" valueType="num">
+                                          <p:cBhvr additive="base">
+                                            <p:cTn id="57" dur="500" fill="hold"/>
+                                            <p:tgtEl>
+                                              <p:spTgt spid="19"/>
+                                            </p:tgtEl>
+                                            <p:attrNameLst>
+                                              <p:attrName>ppt_y</p:attrName>
+                                            </p:attrNameLst>
+                                          </p:cBhvr>
+                                          <p:tavLst>
+                                            <p:tav tm="0">
+                                              <p:val>
+                                                <p:strVal val="1+#ppt_h/2"/>
+                                              </p:val>
+                                            </p:tav>
+                                            <p:tav tm="100000">
+                                              <p:val>
+                                                <p:strVal val="#ppt_y"/>
+                                              </p:val>
+                                            </p:tav>
+                                          </p:tavLst>
+                                        </p:anim>
+                                      </p:childTnLst>
+                                    </p:cTn>
+                                  </p:par>
+                                  <p:par>
+                                    <p:cTn id="58" presetID="2" presetClass="entr" presetSubtype="4" fill="hold" grpId="0" nodeType="withEffect">
+                                      <p:stCondLst>
+                                        <p:cond delay="0"/>
+                                      </p:stCondLst>
+                                      <p:childTnLst>
+                                        <p:set>
+                                          <p:cBhvr>
+                                            <p:cTn id="59" dur="1" fill="hold">
+                                              <p:stCondLst>
+                                                <p:cond delay="0"/>
+                                              </p:stCondLst>
+                                            </p:cTn>
+                                            <p:tgtEl>
+                                              <p:spTgt spid="29"/>
+                                            </p:tgtEl>
+                                            <p:attrNameLst>
+                                              <p:attrName>style.visibility</p:attrName>
+                                            </p:attrNameLst>
+                                          </p:cBhvr>
+                                          <p:to>
+                                            <p:strVal val="visible"/>
+                                          </p:to>
+                                        </p:set>
+                                        <p:anim calcmode="lin" valueType="num">
+                                          <p:cBhvr additive="base">
+                                            <p:cTn id="60" dur="500" fill="hold"/>
+                                            <p:tgtEl>
+                                              <p:spTgt spid="29"/>
+                                            </p:tgtEl>
+                                            <p:attrNameLst>
+                                              <p:attrName>ppt_x</p:attrName>
+                                            </p:attrNameLst>
+                                          </p:cBhvr>
+                                          <p:tavLst>
+                                            <p:tav tm="0">
+                                              <p:val>
+                                                <p:strVal val="#ppt_x"/>
+                                              </p:val>
+                                            </p:tav>
+                                            <p:tav tm="100000">
+                                              <p:val>
+                                                <p:strVal val="#ppt_x"/>
+                                              </p:val>
+                                            </p:tav>
+                                          </p:tavLst>
+                                        </p:anim>
+                                        <p:anim calcmode="lin" valueType="num">
+                                          <p:cBhvr additive="base">
+                                            <p:cTn id="61" dur="500" fill="hold"/>
+                                            <p:tgtEl>
+                                              <p:spTgt spid="29"/>
+                                            </p:tgtEl>
+                                            <p:attrNameLst>
+                                              <p:attrName>ppt_y</p:attrName>
+                                            </p:attrNameLst>
+                                          </p:cBhvr>
+                                          <p:tavLst>
+                                            <p:tav tm="0">
+                                              <p:val>
+                                                <p:strVal val="1+#ppt_h/2"/>
+                                              </p:val>
+                                            </p:tav>
+                                            <p:tav tm="100000">
+                                              <p:val>
+                                                <p:strVal val="#ppt_y"/>
+                                              </p:val>
+                                            </p:tav>
+                                          </p:tavLst>
+                                        </p:anim>
+                                      </p:childTnLst>
+                                    </p:cTn>
+                                  </p:par>
+                                  <p:par>
+                                    <p:cTn id="62" presetID="9" presetClass="emph" presetSubtype="0" grpId="1" nodeType="withEffect">
+                                      <p:stCondLst>
+                                        <p:cond delay="0"/>
+                                      </p:stCondLst>
+                                      <p:childTnLst>
+                                        <p:set>
+                                          <p:cBhvr rctx="PPT">
+                                            <p:cTn id="63" dur="indefinite"/>
+                                            <p:tgtEl>
+                                              <p:spTgt spid="28"/>
+                                            </p:tgtEl>
+                                            <p:attrNameLst>
+                                              <p:attrName>style.opacity</p:attrName>
+                                            </p:attrNameLst>
+                                          </p:cBhvr>
+                                          <p:to>
+                                            <p:strVal val="0"/>
+                                          </p:to>
+                                        </p:set>
+                                        <p:animEffect filter="image" prLst="opacity: 0">
+                                          <p:cBhvr rctx="IE">
+                                            <p:cTn id="64" dur="indefinite"/>
+                                            <p:tgtEl>
+                                              <p:spTgt spid="28"/>
+                                            </p:tgtEl>
+                                          </p:cBhvr>
+                                        </p:animEffect>
+                                      </p:childTnLst>
+                                    </p:cTn>
+                                  </p:par>
+                                </p:childTnLst>
+                              </p:cTn>
+                            </p:par>
+                          </p:childTnLst>
+                        </p:cTn>
+                      </p:par>
+                      <p:par>
+                        <p:cTn id="65" fill="hold">
+                          <p:stCondLst>
+                            <p:cond delay="indefinite"/>
+                          </p:stCondLst>
+                          <p:childTnLst>
+                            <p:par>
+                              <p:cTn id="66" fill="hold">
+                                <p:stCondLst>
+                                  <p:cond delay="0"/>
+                                </p:stCondLst>
+                                <p:childTnLst>
+                                  <p:par>
+                                    <p:cTn id="67" presetID="2" presetClass="entr" presetSubtype="4" fill="hold" nodeType="clickEffect">
+                                      <p:stCondLst>
+                                        <p:cond delay="0"/>
+                                      </p:stCondLst>
+                                      <p:childTnLst>
+                                        <p:set>
+                                          <p:cBhvr>
+                                            <p:cTn id="68" dur="1" fill="hold">
+                                              <p:stCondLst>
+                                                <p:cond delay="0"/>
+                                              </p:stCondLst>
+                                            </p:cTn>
+                                            <p:tgtEl>
+                                              <p:spTgt spid="21"/>
+                                            </p:tgtEl>
+                                            <p:attrNameLst>
+                                              <p:attrName>style.visibility</p:attrName>
+                                            </p:attrNameLst>
+                                          </p:cBhvr>
+                                          <p:to>
+                                            <p:strVal val="visible"/>
+                                          </p:to>
+                                        </p:set>
+                                        <p:anim calcmode="lin" valueType="num">
+                                          <p:cBhvr additive="base">
+                                            <p:cTn id="69" dur="500" fill="hold"/>
+                                            <p:tgtEl>
+                                              <p:spTgt spid="21"/>
+                                            </p:tgtEl>
+                                            <p:attrNameLst>
+                                              <p:attrName>ppt_x</p:attrName>
+                                            </p:attrNameLst>
+                                          </p:cBhvr>
+                                          <p:tavLst>
+                                            <p:tav tm="0">
+                                              <p:val>
+                                                <p:strVal val="#ppt_x"/>
+                                              </p:val>
+                                            </p:tav>
+                                            <p:tav tm="100000">
+                                              <p:val>
+                                                <p:strVal val="#ppt_x"/>
+                                              </p:val>
+                                            </p:tav>
+                                          </p:tavLst>
+                                        </p:anim>
+                                        <p:anim calcmode="lin" valueType="num">
+                                          <p:cBhvr additive="base">
+                                            <p:cTn id="70" dur="500" fill="hold"/>
+                                            <p:tgtEl>
+                                              <p:spTgt spid="21"/>
+                                            </p:tgtEl>
+                                            <p:attrNameLst>
+                                              <p:attrName>ppt_y</p:attrName>
+                                            </p:attrNameLst>
+                                          </p:cBhvr>
+                                          <p:tavLst>
+                                            <p:tav tm="0">
+                                              <p:val>
+                                                <p:strVal val="1+#ppt_h/2"/>
+                                              </p:val>
+                                            </p:tav>
+                                            <p:tav tm="100000">
+                                              <p:val>
+                                                <p:strVal val="#ppt_y"/>
+                                              </p:val>
+                                            </p:tav>
+                                          </p:tavLst>
+                                        </p:anim>
+                                      </p:childTnLst>
+                                    </p:cTn>
+                                  </p:par>
+                                  <p:par>
+                                    <p:cTn id="71" presetID="2" presetClass="entr" presetSubtype="4" fill="hold" grpId="0" nodeType="withEffect">
+                                      <p:stCondLst>
+                                        <p:cond delay="0"/>
+                                      </p:stCondLst>
+                                      <p:childTnLst>
+                                        <p:set>
+                                          <p:cBhvr>
+                                            <p:cTn id="72" dur="1" fill="hold">
+                                              <p:stCondLst>
+                                                <p:cond delay="0"/>
+                                              </p:stCondLst>
+                                            </p:cTn>
+                                            <p:tgtEl>
+                                              <p:spTgt spid="30"/>
+                                            </p:tgtEl>
+                                            <p:attrNameLst>
+                                              <p:attrName>style.visibility</p:attrName>
+                                            </p:attrNameLst>
+                                          </p:cBhvr>
+                                          <p:to>
+                                            <p:strVal val="visible"/>
+                                          </p:to>
+                                        </p:set>
+                                        <p:anim calcmode="lin" valueType="num">
+                                          <p:cBhvr additive="base">
+                                            <p:cTn id="73" dur="500" fill="hold"/>
+                                            <p:tgtEl>
+                                              <p:spTgt spid="30"/>
+                                            </p:tgtEl>
+                                            <p:attrNameLst>
+                                              <p:attrName>ppt_x</p:attrName>
+                                            </p:attrNameLst>
+                                          </p:cBhvr>
+                                          <p:tavLst>
+                                            <p:tav tm="0">
+                                              <p:val>
+                                                <p:strVal val="#ppt_x"/>
+                                              </p:val>
+                                            </p:tav>
+                                            <p:tav tm="100000">
+                                              <p:val>
+                                                <p:strVal val="#ppt_x"/>
+                                              </p:val>
+                                            </p:tav>
+                                          </p:tavLst>
+                                        </p:anim>
+                                        <p:anim calcmode="lin" valueType="num">
+                                          <p:cBhvr additive="base">
+                                            <p:cTn id="74" dur="500" fill="hold"/>
+                                            <p:tgtEl>
+                                              <p:spTgt spid="30"/>
+                                            </p:tgtEl>
+                                            <p:attrNameLst>
+                                              <p:attrName>ppt_y</p:attrName>
+                                            </p:attrNameLst>
+                                          </p:cBhvr>
+                                          <p:tavLst>
+                                            <p:tav tm="0">
+                                              <p:val>
+                                                <p:strVal val="1+#ppt_h/2"/>
+                                              </p:val>
+                                            </p:tav>
+                                            <p:tav tm="100000">
+                                              <p:val>
+                                                <p:strVal val="#ppt_y"/>
+                                              </p:val>
+                                            </p:tav>
+                                          </p:tavLst>
+                                        </p:anim>
+                                      </p:childTnLst>
+                                    </p:cTn>
+                                  </p:par>
+                                  <p:par>
+                                    <p:cTn id="75" presetID="9" presetClass="emph" presetSubtype="0" grpId="1" nodeType="withEffect">
+                                      <p:stCondLst>
+                                        <p:cond delay="0"/>
+                                      </p:stCondLst>
+                                      <p:childTnLst>
+                                        <p:set>
+                                          <p:cBhvr rctx="PPT">
+                                            <p:cTn id="76" dur="indefinite"/>
+                                            <p:tgtEl>
+                                              <p:spTgt spid="29"/>
+                                            </p:tgtEl>
+                                            <p:attrNameLst>
+                                              <p:attrName>style.opacity</p:attrName>
+                                            </p:attrNameLst>
+                                          </p:cBhvr>
+                                          <p:to>
+                                            <p:strVal val="0"/>
+                                          </p:to>
+                                        </p:set>
+                                        <p:animEffect filter="image" prLst="opacity: 0">
+                                          <p:cBhvr rctx="IE">
+                                            <p:cTn id="77" dur="indefinite"/>
+                                            <p:tgtEl>
+                                              <p:spTgt spid="29"/>
+                                            </p:tgtEl>
+                                          </p:cBhvr>
+                                        </p:animEffect>
+                                      </p:childTnLst>
+                                    </p:cTn>
+                                  </p:par>
+                                </p:childTnLst>
+                              </p:cTn>
+                            </p:par>
+                          </p:childTnLst>
+                        </p:cTn>
+                      </p:par>
+                    </p:childTnLst>
+                  </p:cTn>
+                  <p:prevCondLst>
+                    <p:cond evt="onPrev" delay="0">
+                      <p:tgtEl>
+                        <p:sldTgt/>
+                      </p:tgtEl>
+                    </p:cond>
+                  </p:prevCondLst>
+                  <p:nextCondLst>
+                    <p:cond evt="onNext" delay="0">
+                      <p:tgtEl>
+                        <p:sldTgt/>
+                      </p:tgtEl>
+                    </p:cond>
+                  </p:nextCondLst>
+                </p:seq>
+              </p:childTnLst>
+            </p:cTn>
+          </p:par>
+        </p:tnLst>
+        <p:bldLst>
+          <p:bldP spid="23" grpId="0"/>
+          <p:bldP spid="23" grpId="1"/>
+          <p:bldP spid="26" grpId="0"/>
+          <p:bldP spid="26" grpId="1"/>
+          <p:bldP spid="27" grpId="0"/>
+          <p:bldP spid="27" grpId="1"/>
+          <p:bldP spid="28" grpId="0"/>
+          <p:bldP spid="28" grpId="1"/>
+          <p:bldP spid="29" grpId="0"/>
+          <p:bldP spid="29" grpId="1"/>
+          <p:bldP spid="30" grpId="0"/>
+        </p:bldLst>
+      </p:timing>
+    </mc:Fallback>
+  </mc:AlternateContent>
+</p:sld>
+</file>
+
+<file path=ppt/slides/slide4.xml><?xml version="1.0" encoding="utf-8"?>
+<p:sld xmlns:a="http://schemas.openxmlformats.org/drawingml/2006/main" xmlns:r="http://schemas.openxmlformats.org/officeDocument/2006/relationships" xmlns:p="http://schemas.openxmlformats.org/presentationml/2006/main">
+  <p:cSld>
+    <p:spTree>
+      <p:nvGrpSpPr>
+        <p:cNvPr id="1" name=""/>
+        <p:cNvGrpSpPr/>
+        <p:nvPr/>
+      </p:nvGrpSpPr>
+      <p:grpSpPr>
+        <a:xfrm>
+          <a:off x="0" y="0"/>
+          <a:ext cx="0" cy="0"/>
+          <a:chOff x="0" y="0"/>
+          <a:chExt cx="0" cy="0"/>
+        </a:xfrm>
+      </p:grpSpPr>
+      <p:sp>
+        <p:nvSpPr>
+          <p:cNvPr id="21" name="角丸四角形 20"/>
+          <p:cNvSpPr/>
+          <p:nvPr/>
+        </p:nvSpPr>
+        <p:spPr>
+          <a:xfrm>
+            <a:off x="4607157" y="92240"/>
+            <a:ext cx="5222643" cy="1169551"/>
+          </a:xfrm>
+          <a:prstGeom prst="roundRect">
+            <a:avLst/>
+          </a:prstGeom>
+          <a:solidFill>
+            <a:schemeClr val="accent6">
+              <a:lumMod val="20000"/>
+              <a:lumOff val="80000"/>
+            </a:schemeClr>
+          </a:solidFill>
+        </p:spPr>
+        <p:style>
+          <a:lnRef idx="2">
+            <a:schemeClr val="accent1">
+              <a:shade val="50000"/>
+            </a:schemeClr>
+          </a:lnRef>
+          <a:fillRef idx="1">
+            <a:schemeClr val="accent1"/>
+          </a:fillRef>
+          <a:effectRef idx="0">
+            <a:schemeClr val="accent1"/>
+          </a:effectRef>
+          <a:fontRef idx="minor">
+            <a:schemeClr val="lt1"/>
+          </a:fontRef>
+        </p:style>
+        <p:txBody>
+          <a:bodyPr rtlCol="0" anchor="ctr"/>
+          <a:lstStyle/>
+          <a:p>
+            <a:pPr algn="ctr"/>
+            <a:endParaRPr kumimoji="1" lang="ja-JP" altLang="en-US"/>
+          </a:p>
+        </p:txBody>
+      </p:sp>
+      <p:sp>
+        <p:nvSpPr>
+          <p:cNvPr id="13" name="円/楕円 12"/>
+          <p:cNvSpPr/>
+          <p:nvPr/>
+        </p:nvSpPr>
+        <p:spPr>
+          <a:xfrm>
+            <a:off x="70337" y="615461"/>
+            <a:ext cx="4149969" cy="6242539"/>
+          </a:xfrm>
+          <a:prstGeom prst="ellipse">
+            <a:avLst/>
+          </a:prstGeom>
+          <a:solidFill>
+            <a:schemeClr val="accent2">
+              <a:lumMod val="20000"/>
+              <a:lumOff val="80000"/>
+            </a:schemeClr>
+          </a:solidFill>
+          <a:ln>
+            <a:solidFill>
+              <a:schemeClr val="accent2">
+                <a:lumMod val="50000"/>
+              </a:schemeClr>
+            </a:solidFill>
+          </a:ln>
+        </p:spPr>
+        <p:style>
+          <a:lnRef idx="2">
+            <a:schemeClr val="accent1">
+              <a:shade val="50000"/>
+            </a:schemeClr>
+          </a:lnRef>
+          <a:fillRef idx="1">
+            <a:schemeClr val="accent1"/>
+          </a:fillRef>
+          <a:effectRef idx="0">
+            <a:schemeClr val="accent1"/>
+          </a:effectRef>
+          <a:fontRef idx="minor">
+            <a:schemeClr val="lt1"/>
+          </a:fontRef>
+        </p:style>
+        <p:txBody>
+          <a:bodyPr rtlCol="0" anchor="ctr"/>
+          <a:lstStyle/>
+          <a:p>
+            <a:pPr algn="ctr"/>
+            <a:endParaRPr kumimoji="1" lang="ja-JP" altLang="en-US"/>
+          </a:p>
+        </p:txBody>
+      </p:sp>
+      <p:sp>
+        <p:nvSpPr>
+          <p:cNvPr id="11" name="正方形/長方形 10"/>
+          <p:cNvSpPr/>
+          <p:nvPr/>
+        </p:nvSpPr>
+        <p:spPr>
+          <a:xfrm>
+            <a:off x="597875" y="1969476"/>
+            <a:ext cx="3094892" cy="3534508"/>
+          </a:xfrm>
+          <a:prstGeom prst="rect">
+            <a:avLst/>
+          </a:prstGeom>
+        </p:spPr>
+        <p:style>
+          <a:lnRef idx="2">
+            <a:schemeClr val="accent1">
+              <a:shade val="50000"/>
+            </a:schemeClr>
+          </a:lnRef>
+          <a:fillRef idx="1">
+            <a:schemeClr val="accent1"/>
+          </a:fillRef>
+          <a:effectRef idx="0">
+            <a:schemeClr val="accent1"/>
+          </a:effectRef>
+          <a:fontRef idx="minor">
+            <a:schemeClr val="lt1"/>
+          </a:fontRef>
+        </p:style>
+        <p:txBody>
+          <a:bodyPr rtlCol="0" anchor="ctr"/>
+          <a:lstStyle/>
+          <a:p>
+            <a:pPr algn="ctr"/>
+            <a:endParaRPr kumimoji="1" lang="ja-JP" altLang="en-US"/>
+          </a:p>
+        </p:txBody>
+      </p:sp>
+      <p:sp>
+        <p:nvSpPr>
+          <p:cNvPr id="9" name="フローチャート: カード 8"/>
+          <p:cNvSpPr/>
+          <p:nvPr/>
+        </p:nvSpPr>
+        <p:spPr>
+          <a:xfrm>
+            <a:off x="781934" y="2488221"/>
+            <a:ext cx="2726771" cy="2497017"/>
+          </a:xfrm>
+          <a:prstGeom prst="flowChartPunchedCard">
+            <a:avLst/>
+          </a:prstGeom>
+          <a:solidFill>
+            <a:schemeClr val="accent5">
+              <a:lumMod val="20000"/>
+              <a:lumOff val="80000"/>
+            </a:schemeClr>
+          </a:solidFill>
+        </p:spPr>
+        <p:style>
+          <a:lnRef idx="2">
+            <a:schemeClr val="accent1">
+              <a:shade val="50000"/>
+            </a:schemeClr>
+          </a:lnRef>
+          <a:fillRef idx="1">
+            <a:schemeClr val="accent1"/>
+          </a:fillRef>
+          <a:effectRef idx="0">
+            <a:schemeClr val="accent1"/>
+          </a:effectRef>
+          <a:fontRef idx="minor">
+            <a:schemeClr val="lt1"/>
+          </a:fontRef>
+        </p:style>
+        <p:txBody>
+          <a:bodyPr rtlCol="0" anchor="ctr"/>
+          <a:lstStyle/>
+          <a:p>
+            <a:pPr marL="342900" marR="0" lvl="0" indent="-342900" algn="ctr" defTabSz="914400" eaLnBrk="1" fontAlgn="auto" latinLnBrk="0" hangingPunct="1">
+              <a:lnSpc>
+                <a:spcPct val="100000"/>
+              </a:lnSpc>
+              <a:spcBef>
+                <a:spcPts val="0"/>
+              </a:spcBef>
+              <a:spcAft>
+                <a:spcPts val="0"/>
+              </a:spcAft>
+              <a:buClrTx/>
+              <a:buSzTx/>
+              <a:buFontTx/>
+              <a:buNone/>
+              <a:tabLst/>
+              <a:defRPr/>
+            </a:pPr>
+            <a:r>
+              <a:rPr lang="en-US" altLang="ja-JP" dirty="0" smtClean="0">
+                <a:solidFill>
+                  <a:schemeClr val="tx1"/>
+                </a:solidFill>
+              </a:rPr>
+              <a:t>ruby_learner</a:t>
+            </a:r>
+          </a:p>
+          <a:p>
+            <a:pPr marL="342900" marR="0" lvl="0" indent="-342900" algn="ctr" defTabSz="914400" eaLnBrk="1" fontAlgn="auto" latinLnBrk="0" hangingPunct="1">
+              <a:lnSpc>
+                <a:spcPct val="100000"/>
+              </a:lnSpc>
+              <a:spcBef>
+                <a:spcPts val="0"/>
+              </a:spcBef>
+              <a:spcAft>
+                <a:spcPts val="0"/>
+              </a:spcAft>
+              <a:buClrTx/>
+              <a:buSzTx/>
+              <a:buFontTx/>
+              <a:buNone/>
+              <a:tabLst/>
+              <a:defRPr/>
+            </a:pPr>
+            <a:endParaRPr lang="en-US" altLang="ja-JP" dirty="0">
+              <a:solidFill>
+                <a:schemeClr val="tx1"/>
+              </a:solidFill>
+            </a:endParaRPr>
+          </a:p>
+          <a:p>
+            <a:pPr marL="342900" marR="0" lvl="0" indent="-342900" algn="ctr" defTabSz="914400" eaLnBrk="1" fontAlgn="auto" latinLnBrk="0" hangingPunct="1">
+              <a:lnSpc>
+                <a:spcPct val="100000"/>
+              </a:lnSpc>
+              <a:spcBef>
+                <a:spcPts val="0"/>
+              </a:spcBef>
+              <a:spcAft>
+                <a:spcPts val="0"/>
+              </a:spcAft>
+              <a:buClrTx/>
+              <a:buSzTx/>
+              <a:buFontTx/>
+              <a:buNone/>
+              <a:tabLst/>
+              <a:defRPr/>
+            </a:pPr>
+            <a:endParaRPr lang="en-US" altLang="ja-JP" dirty="0" smtClean="0">
+              <a:solidFill>
+                <a:schemeClr val="tx1"/>
+              </a:solidFill>
+            </a:endParaRPr>
+          </a:p>
+          <a:p>
+            <a:pPr marL="342900" marR="0" lvl="0" indent="-342900" defTabSz="914400" eaLnBrk="1" fontAlgn="auto" latinLnBrk="0" hangingPunct="1">
+              <a:lnSpc>
+                <a:spcPct val="100000"/>
+              </a:lnSpc>
+              <a:spcBef>
+                <a:spcPts val="0"/>
+              </a:spcBef>
+              <a:spcAft>
+                <a:spcPts val="0"/>
+              </a:spcAft>
+              <a:buClrTx/>
+              <a:buSzTx/>
+              <a:buFont typeface="Arial" charset="0"/>
+              <a:buChar char="•"/>
+              <a:tabLst/>
+              <a:defRPr/>
+            </a:pPr>
+            <a:r>
+              <a:rPr lang="en-US" altLang="ja-JP" dirty="0" smtClean="0">
+                <a:solidFill>
+                  <a:schemeClr val="tx1"/>
+                </a:solidFill>
+              </a:rPr>
+              <a:t>Emacs</a:t>
+            </a:r>
+            <a:r>
+              <a:rPr lang="ja-JP" altLang="en-US" dirty="0" smtClean="0">
+                <a:solidFill>
+                  <a:schemeClr val="tx1"/>
+                </a:solidFill>
+              </a:rPr>
+              <a:t>設定ファイル</a:t>
+            </a:r>
+            <a:endParaRPr lang="en-US" altLang="ja-JP" dirty="0" smtClean="0">
+              <a:solidFill>
+                <a:schemeClr val="tx1"/>
+              </a:solidFill>
+            </a:endParaRPr>
+          </a:p>
+          <a:p>
+            <a:pPr marL="342900" marR="0" lvl="0" indent="-342900" defTabSz="914400" eaLnBrk="1" fontAlgn="auto" latinLnBrk="0" hangingPunct="1">
+              <a:lnSpc>
+                <a:spcPct val="100000"/>
+              </a:lnSpc>
+              <a:spcBef>
+                <a:spcPts val="0"/>
+              </a:spcBef>
+              <a:spcAft>
+                <a:spcPts val="0"/>
+              </a:spcAft>
+              <a:buClrTx/>
+              <a:buSzTx/>
+              <a:buFont typeface="Arial" charset="0"/>
+              <a:buChar char="•"/>
+              <a:tabLst/>
+              <a:defRPr/>
+            </a:pPr>
+            <a:r>
+              <a:rPr lang="en-US" altLang="ja-JP" dirty="0" smtClean="0">
+                <a:solidFill>
+                  <a:schemeClr val="tx1"/>
+                </a:solidFill>
+              </a:rPr>
+              <a:t>Workshop</a:t>
+            </a:r>
+          </a:p>
+          <a:p>
+            <a:pPr marL="342900" marR="0" lvl="0" indent="-342900" defTabSz="914400" eaLnBrk="1" fontAlgn="auto" latinLnBrk="0" hangingPunct="1">
+              <a:lnSpc>
+                <a:spcPct val="100000"/>
+              </a:lnSpc>
+              <a:spcBef>
+                <a:spcPts val="0"/>
+              </a:spcBef>
+              <a:spcAft>
+                <a:spcPts val="0"/>
+              </a:spcAft>
+              <a:buClrTx/>
+              <a:buSzTx/>
+              <a:buFont typeface="Arial" charset="0"/>
+              <a:buChar char="•"/>
+              <a:tabLst/>
+              <a:defRPr/>
+            </a:pPr>
+            <a:r>
+              <a:rPr lang="en-US" altLang="ja-JP" dirty="0" smtClean="0">
+                <a:solidFill>
+                  <a:schemeClr val="tx1"/>
+                </a:solidFill>
+              </a:rPr>
+              <a:t>restore</a:t>
+            </a:r>
+          </a:p>
+        </p:txBody>
+      </p:sp>
+      <p:sp>
+        <p:nvSpPr>
+          <p:cNvPr id="12" name="テキスト ボックス 11"/>
+          <p:cNvSpPr txBox="1"/>
+          <p:nvPr/>
+        </p:nvSpPr>
+        <p:spPr>
+          <a:xfrm>
+            <a:off x="1046300" y="2118889"/>
+            <a:ext cx="2198038" cy="369332"/>
+          </a:xfrm>
+          <a:prstGeom prst="rect">
+            <a:avLst/>
+          </a:prstGeom>
+          <a:noFill/>
+        </p:spPr>
+        <p:txBody>
+          <a:bodyPr wrap="none" rtlCol="0">
+            <a:spAutoFit/>
+          </a:bodyPr>
+          <a:lstStyle/>
+          <a:p>
+            <a:r>
+              <a:rPr kumimoji="1" lang="en-US" altLang="ja-JP" dirty="0" smtClean="0">
+                <a:solidFill>
+                  <a:schemeClr val="bg1"/>
+                </a:solidFill>
+              </a:rPr>
+              <a:t>Home</a:t>
+            </a:r>
+            <a:r>
+              <a:rPr kumimoji="1" lang="ja-JP" altLang="en-US" dirty="0" smtClean="0">
+                <a:solidFill>
+                  <a:schemeClr val="bg1"/>
+                </a:solidFill>
+              </a:rPr>
+              <a:t>ディレクトリ</a:t>
+            </a:r>
+            <a:endParaRPr kumimoji="1" lang="ja-JP" altLang="en-US" dirty="0">
+              <a:solidFill>
+                <a:schemeClr val="bg1"/>
+              </a:solidFill>
+            </a:endParaRPr>
+          </a:p>
+        </p:txBody>
+      </p:sp>
+      <p:sp>
+        <p:nvSpPr>
+          <p:cNvPr id="14" name="テキスト ボックス 13"/>
+          <p:cNvSpPr txBox="1"/>
+          <p:nvPr/>
+        </p:nvSpPr>
+        <p:spPr>
+          <a:xfrm>
+            <a:off x="1155304" y="92240"/>
+            <a:ext cx="1980029" cy="523220"/>
+          </a:xfrm>
+          <a:prstGeom prst="rect">
+            <a:avLst/>
+          </a:prstGeom>
+          <a:noFill/>
+        </p:spPr>
+        <p:txBody>
+          <a:bodyPr wrap="none" rtlCol="0">
+            <a:spAutoFit/>
+          </a:bodyPr>
+          <a:lstStyle/>
+          <a:p>
+            <a:r>
+              <a:rPr kumimoji="1" lang="ja-JP" altLang="en-US" sz="2800" smtClean="0"/>
+              <a:t>初回起動時</a:t>
+            </a:r>
+            <a:endParaRPr kumimoji="1" lang="ja-JP" altLang="en-US" sz="2800" dirty="0"/>
+          </a:p>
+        </p:txBody>
+      </p:sp>
+      <p:cxnSp>
+        <p:nvCxnSpPr>
+          <p:cNvPr id="16" name="直線コネクタ 15"/>
+          <p:cNvCxnSpPr/>
+          <p:nvPr/>
+        </p:nvCxnSpPr>
+        <p:spPr>
+          <a:xfrm>
+            <a:off x="4413731" y="0"/>
+            <a:ext cx="0" cy="6858000"/>
+          </a:xfrm>
+          <a:prstGeom prst="line">
+            <a:avLst/>
+          </a:prstGeom>
+          <a:ln w="203200" cmpd="tri">
+            <a:solidFill>
+              <a:schemeClr val="accent1"/>
+            </a:solidFill>
+            <a:prstDash val="sysDot"/>
+          </a:ln>
+        </p:spPr>
+        <p:style>
+          <a:lnRef idx="1">
+            <a:schemeClr val="accent1"/>
+          </a:lnRef>
+          <a:fillRef idx="0">
+            <a:schemeClr val="accent1"/>
+          </a:fillRef>
+          <a:effectRef idx="0">
+            <a:schemeClr val="accent1"/>
+          </a:effectRef>
+          <a:fontRef idx="minor">
+            <a:schemeClr val="tx1"/>
+          </a:fontRef>
+        </p:style>
+      </p:cxnSp>
+      <p:sp>
+        <p:nvSpPr>
+          <p:cNvPr id="19" name="テキスト ボックス 18"/>
+          <p:cNvSpPr txBox="1"/>
+          <p:nvPr/>
+        </p:nvSpPr>
+        <p:spPr>
+          <a:xfrm>
+            <a:off x="4607157" y="210957"/>
+            <a:ext cx="2089033" cy="369332"/>
+          </a:xfrm>
+          <a:prstGeom prst="rect">
+            <a:avLst/>
+          </a:prstGeom>
+          <a:noFill/>
+        </p:spPr>
+        <p:txBody>
+          <a:bodyPr wrap="none" rtlCol="0">
+            <a:spAutoFit/>
+          </a:bodyPr>
+          <a:lstStyle/>
+          <a:p>
+            <a:r>
+              <a:rPr lang="en-US" altLang="ja-JP" dirty="0" smtClean="0"/>
+              <a:t>Mode: emacs_key</a:t>
+            </a:r>
+            <a:endParaRPr kumimoji="1" lang="ja-JP" altLang="en-US" dirty="0"/>
+          </a:p>
+        </p:txBody>
+      </p:sp>
+      <p:sp>
+        <p:nvSpPr>
+          <p:cNvPr id="20" name="テキスト ボックス 19"/>
+          <p:cNvSpPr txBox="1"/>
+          <p:nvPr/>
+        </p:nvSpPr>
+        <p:spPr>
+          <a:xfrm>
+            <a:off x="4888523" y="615460"/>
+            <a:ext cx="4251485" cy="646331"/>
+          </a:xfrm>
+          <a:prstGeom prst="rect">
+            <a:avLst/>
+          </a:prstGeom>
+          <a:noFill/>
+        </p:spPr>
+        <p:txBody>
+          <a:bodyPr wrap="none" rtlCol="0">
+            <a:spAutoFit/>
+          </a:bodyPr>
+          <a:lstStyle/>
+          <a:p>
+            <a:r>
+              <a:rPr lang="en-US" altLang="ja-JP" dirty="0" smtClean="0"/>
+              <a:t>Command: ruby_learner emacs_key</a:t>
+            </a:r>
+          </a:p>
+          <a:p>
+            <a:r>
+              <a:rPr kumimoji="1" lang="en-US" altLang="ja-JP" dirty="0" smtClean="0"/>
+              <a:t>Function: emacs</a:t>
+            </a:r>
+            <a:r>
+              <a:rPr kumimoji="1" lang="ja-JP" altLang="en-US" dirty="0" smtClean="0"/>
+              <a:t>のキーバインドの表示</a:t>
+            </a:r>
+            <a:endParaRPr kumimoji="1" lang="ja-JP" altLang="en-US" dirty="0"/>
+          </a:p>
+        </p:txBody>
+      </p:sp>
+      <p:sp>
+        <p:nvSpPr>
+          <p:cNvPr id="22" name="角丸四角形 21"/>
+          <p:cNvSpPr/>
+          <p:nvPr/>
+        </p:nvSpPr>
+        <p:spPr>
+          <a:xfrm>
+            <a:off x="4601860" y="1384700"/>
+            <a:ext cx="7590140" cy="5297454"/>
+          </a:xfrm>
+          <a:prstGeom prst="roundRect">
+            <a:avLst/>
+          </a:prstGeom>
+          <a:solidFill>
+            <a:schemeClr val="accent6">
+              <a:lumMod val="20000"/>
+              <a:lumOff val="80000"/>
+            </a:schemeClr>
+          </a:solidFill>
+        </p:spPr>
+        <p:style>
+          <a:lnRef idx="2">
+            <a:schemeClr val="accent1">
+              <a:shade val="50000"/>
+            </a:schemeClr>
+          </a:lnRef>
+          <a:fillRef idx="1">
+            <a:schemeClr val="accent1"/>
+          </a:fillRef>
+          <a:effectRef idx="0">
+            <a:schemeClr val="accent1"/>
+          </a:effectRef>
+          <a:fontRef idx="minor">
+            <a:schemeClr val="lt1"/>
+          </a:fontRef>
+        </p:style>
+        <p:txBody>
+          <a:bodyPr rtlCol="0" anchor="ctr"/>
+          <a:lstStyle/>
+          <a:p>
+            <a:pPr algn="ctr"/>
+            <a:endParaRPr kumimoji="1" lang="ja-JP" altLang="en-US" dirty="0"/>
+          </a:p>
+        </p:txBody>
+      </p:sp>
+      <p:sp>
+        <p:nvSpPr>
+          <p:cNvPr id="23" name="テキスト ボックス 22"/>
+          <p:cNvSpPr txBox="1"/>
+          <p:nvPr/>
+        </p:nvSpPr>
+        <p:spPr>
+          <a:xfrm>
+            <a:off x="4747844" y="1657329"/>
+            <a:ext cx="2763898" cy="369332"/>
+          </a:xfrm>
+          <a:prstGeom prst="rect">
+            <a:avLst/>
+          </a:prstGeom>
+          <a:noFill/>
+        </p:spPr>
+        <p:txBody>
+          <a:bodyPr wrap="none" rtlCol="0">
+            <a:spAutoFit/>
+          </a:bodyPr>
+          <a:lstStyle/>
+          <a:p>
+            <a:r>
+              <a:rPr lang="en-US" altLang="ja-JP" dirty="0" smtClean="0"/>
+              <a:t>Mode: sequential_check</a:t>
+            </a:r>
+            <a:endParaRPr kumimoji="1" lang="ja-JP" altLang="en-US" dirty="0"/>
+          </a:p>
+        </p:txBody>
+      </p:sp>
+      <p:sp>
+        <p:nvSpPr>
+          <p:cNvPr id="25" name="テキスト ボックス 24"/>
+          <p:cNvSpPr txBox="1"/>
+          <p:nvPr/>
+        </p:nvSpPr>
+        <p:spPr>
+          <a:xfrm>
+            <a:off x="4888523" y="2118889"/>
+            <a:ext cx="6032421" cy="923330"/>
+          </a:xfrm>
+          <a:prstGeom prst="rect">
+            <a:avLst/>
+          </a:prstGeom>
+          <a:noFill/>
+        </p:spPr>
+        <p:txBody>
+          <a:bodyPr wrap="none" rtlCol="0">
+            <a:spAutoFit/>
+          </a:bodyPr>
+          <a:lstStyle/>
+          <a:p>
+            <a:r>
+              <a:rPr lang="en-US" altLang="ja-JP" dirty="0" smtClean="0"/>
+              <a:t>Command: ruby_learner </a:t>
+            </a:r>
+            <a:r>
+              <a:rPr lang="en-US" altLang="ja-JP" dirty="0"/>
+              <a:t>sequential_check section part </a:t>
+            </a:r>
+            <a:endParaRPr lang="en-US" altLang="ja-JP" dirty="0" smtClean="0"/>
+          </a:p>
+          <a:p>
+            <a:r>
+              <a:rPr lang="en-US" altLang="ja-JP" dirty="0"/>
+              <a:t>	</a:t>
+            </a:r>
+            <a:r>
+              <a:rPr lang="en-US" altLang="ja-JP" dirty="0" smtClean="0"/>
+              <a:t>(</a:t>
+            </a:r>
+            <a:r>
+              <a:rPr lang="en-US" altLang="ja-JP" dirty="0"/>
+              <a:t>section</a:t>
+            </a:r>
+            <a:r>
+              <a:rPr lang="ja-JP" altLang="en-US" dirty="0"/>
+              <a:t>と</a:t>
+            </a:r>
+            <a:r>
+              <a:rPr lang="en-US" altLang="ja-JP" dirty="0"/>
+              <a:t>part</a:t>
+            </a:r>
+            <a:r>
+              <a:rPr lang="ja-JP" altLang="en-US" dirty="0"/>
+              <a:t>には整数が入る</a:t>
+            </a:r>
+            <a:r>
+              <a:rPr lang="en-US" altLang="ja-JP" dirty="0"/>
+              <a:t>)</a:t>
+            </a:r>
+          </a:p>
+          <a:p>
+            <a:r>
+              <a:rPr kumimoji="1" lang="en-US" altLang="ja-JP" dirty="0" smtClean="0"/>
+              <a:t>Function: </a:t>
+            </a:r>
+            <a:r>
+              <a:rPr kumimoji="1" lang="ja-JP" altLang="en-US" dirty="0" smtClean="0"/>
+              <a:t>体系的なドリルの学習</a:t>
+            </a:r>
+            <a:endParaRPr kumimoji="1" lang="ja-JP" altLang="en-US" dirty="0"/>
+          </a:p>
+        </p:txBody>
+      </p:sp>
+      <p:sp>
+        <p:nvSpPr>
+          <p:cNvPr id="26" name="円/楕円 25"/>
+          <p:cNvSpPr/>
+          <p:nvPr/>
+        </p:nvSpPr>
+        <p:spPr>
+          <a:xfrm>
+            <a:off x="4645356" y="3134447"/>
+            <a:ext cx="1610773" cy="1556240"/>
+          </a:xfrm>
+          <a:prstGeom prst="ellipse">
+            <a:avLst/>
+          </a:prstGeom>
+          <a:solidFill>
+            <a:schemeClr val="accent4">
+              <a:lumMod val="20000"/>
+              <a:lumOff val="80000"/>
+            </a:schemeClr>
+          </a:solidFill>
+        </p:spPr>
+        <p:style>
+          <a:lnRef idx="2">
+            <a:schemeClr val="accent1">
+              <a:shade val="50000"/>
+            </a:schemeClr>
+          </a:lnRef>
+          <a:fillRef idx="1">
+            <a:schemeClr val="accent1"/>
+          </a:fillRef>
+          <a:effectRef idx="0">
+            <a:schemeClr val="accent1"/>
+          </a:effectRef>
+          <a:fontRef idx="minor">
+            <a:schemeClr val="lt1"/>
+          </a:fontRef>
+        </p:style>
+        <p:txBody>
+          <a:bodyPr rtlCol="0" anchor="ctr"/>
+          <a:lstStyle/>
+          <a:p>
+            <a:pPr algn="ctr"/>
+            <a:r>
+              <a:rPr kumimoji="1" lang="ja-JP" altLang="en-US" dirty="0" smtClean="0">
+                <a:solidFill>
+                  <a:schemeClr val="tx1"/>
+                </a:solidFill>
+              </a:rPr>
+              <a:t>コードの回答</a:t>
+            </a:r>
+            <a:endParaRPr kumimoji="1" lang="ja-JP" altLang="en-US" dirty="0">
+              <a:solidFill>
+                <a:schemeClr val="tx1"/>
+              </a:solidFill>
+            </a:endParaRPr>
+          </a:p>
+        </p:txBody>
+      </p:sp>
+      <p:sp>
+        <p:nvSpPr>
+          <p:cNvPr id="27" name="円/楕円 26"/>
+          <p:cNvSpPr/>
+          <p:nvPr/>
+        </p:nvSpPr>
+        <p:spPr>
+          <a:xfrm>
+            <a:off x="7409254" y="3134447"/>
+            <a:ext cx="1610773" cy="1556240"/>
+          </a:xfrm>
+          <a:prstGeom prst="ellipse">
+            <a:avLst/>
+          </a:prstGeom>
+          <a:solidFill>
+            <a:schemeClr val="accent4">
+              <a:lumMod val="20000"/>
+              <a:lumOff val="80000"/>
+            </a:schemeClr>
+          </a:solidFill>
+        </p:spPr>
+        <p:style>
+          <a:lnRef idx="2">
+            <a:schemeClr val="accent1">
+              <a:shade val="50000"/>
+            </a:schemeClr>
+          </a:lnRef>
+          <a:fillRef idx="1">
+            <a:schemeClr val="accent1"/>
+          </a:fillRef>
+          <a:effectRef idx="0">
+            <a:schemeClr val="accent1"/>
+          </a:effectRef>
+          <a:fontRef idx="minor">
+            <a:schemeClr val="lt1"/>
+          </a:fontRef>
+        </p:style>
+        <p:txBody>
+          <a:bodyPr rtlCol="0" anchor="ctr"/>
+          <a:lstStyle/>
+          <a:p>
+            <a:pPr algn="ctr"/>
+            <a:r>
+              <a:rPr kumimoji="1" lang="en-US" altLang="ja-JP" dirty="0" smtClean="0">
+                <a:solidFill>
+                  <a:schemeClr val="tx1"/>
+                </a:solidFill>
+              </a:rPr>
+              <a:t>Rspec-check</a:t>
+            </a:r>
+          </a:p>
+          <a:p>
+            <a:pPr algn="ctr"/>
+            <a:r>
+              <a:rPr lang="en-US" altLang="ja-JP" dirty="0" smtClean="0">
+                <a:solidFill>
+                  <a:schemeClr val="tx1"/>
+                </a:solidFill>
+              </a:rPr>
+              <a:t>Loop</a:t>
+            </a:r>
+            <a:endParaRPr kumimoji="1" lang="ja-JP" altLang="en-US" dirty="0">
+              <a:solidFill>
+                <a:schemeClr val="tx1"/>
+              </a:solidFill>
+            </a:endParaRPr>
+          </a:p>
+        </p:txBody>
+      </p:sp>
+      <p:sp>
+        <p:nvSpPr>
+          <p:cNvPr id="28" name="円/楕円 27"/>
+          <p:cNvSpPr/>
+          <p:nvPr/>
+        </p:nvSpPr>
+        <p:spPr>
+          <a:xfrm>
+            <a:off x="6025476" y="5009186"/>
+            <a:ext cx="1610773" cy="1556240"/>
+          </a:xfrm>
+          <a:prstGeom prst="ellipse">
+            <a:avLst/>
+          </a:prstGeom>
+          <a:solidFill>
+            <a:schemeClr val="accent4">
+              <a:lumMod val="20000"/>
+              <a:lumOff val="80000"/>
+            </a:schemeClr>
+          </a:solidFill>
+        </p:spPr>
+        <p:style>
+          <a:lnRef idx="2">
+            <a:schemeClr val="accent1">
+              <a:shade val="50000"/>
+            </a:schemeClr>
+          </a:lnRef>
+          <a:fillRef idx="1">
+            <a:schemeClr val="accent1"/>
+          </a:fillRef>
+          <a:effectRef idx="0">
+            <a:schemeClr val="accent1"/>
+          </a:effectRef>
+          <a:fontRef idx="minor">
+            <a:schemeClr val="lt1"/>
+          </a:fontRef>
+        </p:style>
+        <p:txBody>
+          <a:bodyPr rtlCol="0" anchor="ctr"/>
+          <a:lstStyle/>
+          <a:p>
+            <a:pPr algn="ctr"/>
+            <a:r>
+              <a:rPr kumimoji="1" lang="en-US" altLang="ja-JP" dirty="0" smtClean="0">
+                <a:solidFill>
+                  <a:schemeClr val="tx1"/>
+                </a:solidFill>
+              </a:rPr>
+              <a:t>Rubocop-check</a:t>
+            </a:r>
+          </a:p>
+          <a:p>
+            <a:pPr algn="ctr"/>
+            <a:r>
+              <a:rPr lang="en-US" altLang="ja-JP" dirty="0" smtClean="0">
+                <a:solidFill>
+                  <a:schemeClr val="tx1"/>
+                </a:solidFill>
+              </a:rPr>
+              <a:t>Loop</a:t>
+            </a:r>
+            <a:endParaRPr kumimoji="1" lang="ja-JP" altLang="en-US" dirty="0">
+              <a:solidFill>
+                <a:schemeClr val="tx1"/>
+              </a:solidFill>
+            </a:endParaRPr>
+          </a:p>
+        </p:txBody>
+      </p:sp>
+      <p:sp>
+        <p:nvSpPr>
+          <p:cNvPr id="29" name="右矢印 28"/>
+          <p:cNvSpPr/>
+          <p:nvPr/>
+        </p:nvSpPr>
+        <p:spPr>
+          <a:xfrm>
+            <a:off x="6496809" y="3824698"/>
+            <a:ext cx="671764" cy="263769"/>
+          </a:xfrm>
+          <a:prstGeom prst="rightArrow">
+            <a:avLst/>
+          </a:prstGeom>
+        </p:spPr>
+        <p:style>
+          <a:lnRef idx="2">
+            <a:schemeClr val="accent1">
+              <a:shade val="50000"/>
+            </a:schemeClr>
+          </a:lnRef>
+          <a:fillRef idx="1">
+            <a:schemeClr val="accent1"/>
+          </a:fillRef>
+          <a:effectRef idx="0">
+            <a:schemeClr val="accent1"/>
+          </a:effectRef>
+          <a:fontRef idx="minor">
+            <a:schemeClr val="lt1"/>
+          </a:fontRef>
+        </p:style>
+        <p:txBody>
+          <a:bodyPr rtlCol="0" anchor="ctr"/>
+          <a:lstStyle/>
+          <a:p>
+            <a:pPr algn="ctr"/>
+            <a:endParaRPr kumimoji="1" lang="ja-JP" altLang="en-US"/>
+          </a:p>
+        </p:txBody>
+      </p:sp>
+      <p:sp>
+        <p:nvSpPr>
+          <p:cNvPr id="30" name="右矢印 29"/>
+          <p:cNvSpPr/>
+          <p:nvPr/>
+        </p:nvSpPr>
+        <p:spPr>
+          <a:xfrm rot="7864291">
+            <a:off x="7397676" y="4859463"/>
+            <a:ext cx="671764" cy="263769"/>
+          </a:xfrm>
+          <a:prstGeom prst="rightArrow">
+            <a:avLst/>
+          </a:prstGeom>
+        </p:spPr>
+        <p:style>
+          <a:lnRef idx="2">
+            <a:schemeClr val="accent1">
+              <a:shade val="50000"/>
+            </a:schemeClr>
+          </a:lnRef>
+          <a:fillRef idx="1">
+            <a:schemeClr val="accent1"/>
+          </a:fillRef>
+          <a:effectRef idx="0">
+            <a:schemeClr val="accent1"/>
+          </a:effectRef>
+          <a:fontRef idx="minor">
+            <a:schemeClr val="lt1"/>
+          </a:fontRef>
+        </p:style>
+        <p:txBody>
+          <a:bodyPr rtlCol="0" anchor="ctr"/>
+          <a:lstStyle/>
+          <a:p>
+            <a:pPr algn="ctr"/>
+            <a:endParaRPr kumimoji="1" lang="ja-JP" altLang="en-US"/>
+          </a:p>
+        </p:txBody>
+      </p:sp>
+      <p:sp>
+        <p:nvSpPr>
+          <p:cNvPr id="31" name="右矢印 30"/>
+          <p:cNvSpPr/>
+          <p:nvPr/>
+        </p:nvSpPr>
+        <p:spPr>
+          <a:xfrm rot="13553176">
+            <a:off x="5528998" y="4859461"/>
+            <a:ext cx="671764" cy="263769"/>
+          </a:xfrm>
+          <a:prstGeom prst="rightArrow">
+            <a:avLst/>
+          </a:prstGeom>
+        </p:spPr>
+        <p:style>
+          <a:lnRef idx="2">
+            <a:schemeClr val="accent1">
+              <a:shade val="50000"/>
+            </a:schemeClr>
+          </a:lnRef>
+          <a:fillRef idx="1">
+            <a:schemeClr val="accent1"/>
+          </a:fillRef>
+          <a:effectRef idx="0">
+            <a:schemeClr val="accent1"/>
+          </a:effectRef>
+          <a:fontRef idx="minor">
+            <a:schemeClr val="lt1"/>
+          </a:fontRef>
+        </p:style>
+        <p:txBody>
+          <a:bodyPr rtlCol="0" anchor="ctr"/>
+          <a:lstStyle/>
+          <a:p>
+            <a:pPr algn="ctr"/>
+            <a:endParaRPr kumimoji="1" lang="ja-JP" altLang="en-US"/>
+          </a:p>
+        </p:txBody>
+      </p:sp>
+      <p:sp>
+        <p:nvSpPr>
+          <p:cNvPr id="33" name="右中かっこ 32"/>
+          <p:cNvSpPr/>
+          <p:nvPr/>
+        </p:nvSpPr>
+        <p:spPr>
+          <a:xfrm>
+            <a:off x="8856334" y="3165128"/>
+            <a:ext cx="475360" cy="3430847"/>
+          </a:xfrm>
+          <a:prstGeom prst="rightBrace">
+            <a:avLst>
+              <a:gd name="adj1" fmla="val 67792"/>
+              <a:gd name="adj2" fmla="val 50513"/>
+            </a:avLst>
+          </a:prstGeom>
+          <a:ln w="6350"/>
+        </p:spPr>
+        <p:style>
+          <a:lnRef idx="1">
+            <a:schemeClr val="accent1"/>
+          </a:lnRef>
+          <a:fillRef idx="0">
+            <a:schemeClr val="accent1"/>
+          </a:fillRef>
+          <a:effectRef idx="0">
+            <a:schemeClr val="accent1"/>
+          </a:effectRef>
+          <a:fontRef idx="minor">
+            <a:schemeClr val="tx1"/>
+          </a:fontRef>
+        </p:style>
+        <p:txBody>
+          <a:bodyPr rtlCol="0" anchor="ctr"/>
+          <a:lstStyle/>
+          <a:p>
+            <a:pPr algn="ctr"/>
+            <a:endParaRPr kumimoji="1" lang="ja-JP" altLang="en-US"/>
+          </a:p>
+        </p:txBody>
+      </p:sp>
+      <p:sp>
+        <p:nvSpPr>
+          <p:cNvPr id="34" name="テキスト ボックス 33"/>
+          <p:cNvSpPr txBox="1"/>
+          <p:nvPr/>
+        </p:nvSpPr>
+        <p:spPr>
+          <a:xfrm>
+            <a:off x="9406693" y="3864888"/>
+            <a:ext cx="2828803" cy="2031325"/>
+          </a:xfrm>
+          <a:prstGeom prst="rect">
+            <a:avLst/>
+          </a:prstGeom>
+          <a:noFill/>
+        </p:spPr>
+        <p:txBody>
+          <a:bodyPr wrap="square" rtlCol="0">
+            <a:spAutoFit/>
+          </a:bodyPr>
+          <a:lstStyle/>
+          <a:p>
+            <a:r>
+              <a:rPr kumimoji="1" lang="en-US" altLang="ja-JP" dirty="0" smtClean="0"/>
+              <a:t>&lt;</a:t>
+            </a:r>
+            <a:r>
+              <a:rPr kumimoji="1" lang="ja-JP" altLang="en-US" dirty="0" smtClean="0"/>
+              <a:t>学習中のモード選択肢</a:t>
+            </a:r>
+            <a:r>
+              <a:rPr lang="en-US" altLang="ja-JP" dirty="0" smtClean="0"/>
+              <a:t>&gt;</a:t>
+            </a:r>
+          </a:p>
+          <a:p>
+            <a:pPr marL="285750" indent="-285750">
+              <a:buFont typeface="Arial" charset="0"/>
+              <a:buChar char="•"/>
+            </a:pPr>
+            <a:r>
+              <a:rPr lang="en-US" altLang="ja-JP" dirty="0" smtClean="0"/>
+              <a:t>a</a:t>
+            </a:r>
+            <a:r>
+              <a:rPr kumimoji="1" lang="en-US" altLang="ja-JP" dirty="0" smtClean="0"/>
+              <a:t>nswer</a:t>
+            </a:r>
+          </a:p>
+          <a:p>
+            <a:pPr marL="742950" lvl="1" indent="-285750">
+              <a:buFont typeface="Arial" charset="0"/>
+              <a:buChar char="•"/>
+            </a:pPr>
+            <a:r>
+              <a:rPr lang="ja-JP" altLang="en-US" dirty="0" smtClean="0"/>
+              <a:t>解答例確認</a:t>
+            </a:r>
+            <a:endParaRPr kumimoji="1" lang="en-US" altLang="ja-JP" dirty="0" smtClean="0"/>
+          </a:p>
+          <a:p>
+            <a:pPr marL="285750" indent="-285750">
+              <a:buFont typeface="Arial" charset="0"/>
+              <a:buChar char="•"/>
+            </a:pPr>
+            <a:r>
+              <a:rPr lang="en-US" altLang="ja-JP" dirty="0"/>
+              <a:t>c</a:t>
+            </a:r>
+            <a:r>
+              <a:rPr lang="en-US" altLang="ja-JP" dirty="0" smtClean="0"/>
+              <a:t>ontinue</a:t>
+            </a:r>
+          </a:p>
+          <a:p>
+            <a:pPr marL="742950" lvl="1" indent="-285750">
+              <a:buFont typeface="Arial" charset="0"/>
+              <a:buChar char="•"/>
+            </a:pPr>
+            <a:r>
+              <a:rPr lang="ja-JP" altLang="en-US" dirty="0" smtClean="0"/>
+              <a:t>作業続行</a:t>
+            </a:r>
+            <a:endParaRPr lang="en-US" altLang="ja-JP" dirty="0" smtClean="0"/>
+          </a:p>
+          <a:p>
+            <a:pPr marL="285750" indent="-285750">
+              <a:buFont typeface="Arial" charset="0"/>
+              <a:buChar char="•"/>
+            </a:pPr>
+            <a:r>
+              <a:rPr lang="en-US" altLang="ja-JP" dirty="0"/>
+              <a:t>e</a:t>
+            </a:r>
+            <a:r>
+              <a:rPr kumimoji="1" lang="en-US" altLang="ja-JP" dirty="0" smtClean="0"/>
+              <a:t>xit</a:t>
+            </a:r>
+          </a:p>
+          <a:p>
+            <a:pPr marL="742950" lvl="1" indent="-285750">
+              <a:buFont typeface="Arial" charset="0"/>
+              <a:buChar char="•"/>
+            </a:pPr>
+            <a:r>
+              <a:rPr kumimoji="1" lang="ja-JP" altLang="en-US" dirty="0" smtClean="0"/>
+              <a:t>作業中止</a:t>
+            </a:r>
+            <a:endParaRPr kumimoji="1" lang="ja-JP" altLang="en-US" dirty="0"/>
+          </a:p>
+        </p:txBody>
+      </p:sp>
+    </p:spTree>
+    <p:extLst>
+      <p:ext uri="{BB962C8B-B14F-4D97-AF65-F5344CB8AC3E}">
+        <p14:creationId xmlns:p14="http://schemas.microsoft.com/office/powerpoint/2010/main" val="997834278"/>
+      </p:ext>
+    </p:extLst>
+  </p:cSld>
+  <p:clrMapOvr>
+    <a:masterClrMapping/>
+  </p:clrMapOvr>
+  <p:timing>
+    <p:tnLst>
+      <p:par>
+        <p:cTn id="1" dur="indefinite" restart="never" nodeType="tmRoot"/>
+      </p:par>
+    </p:tnLst>
+  </p:timing>
+</p:sld>
+</file>
+
+<file path=ppt/slides/slide5.xml><?xml version="1.0" encoding="utf-8"?>
+<p:sld xmlns:a="http://schemas.openxmlformats.org/drawingml/2006/main" xmlns:r="http://schemas.openxmlformats.org/officeDocument/2006/relationships" xmlns:p="http://schemas.openxmlformats.org/presentationml/2006/main">
+  <p:cSld>
+    <p:spTree>
+      <p:nvGrpSpPr>
+        <p:cNvPr id="1" name=""/>
+        <p:cNvGrpSpPr/>
+        <p:nvPr/>
+      </p:nvGrpSpPr>
+      <p:grpSpPr>
+        <a:xfrm>
+          <a:off x="0" y="0"/>
+          <a:ext cx="0" cy="0"/>
+          <a:chOff x="0" y="0"/>
+          <a:chExt cx="0" cy="0"/>
+        </a:xfrm>
+      </p:grpSpPr>
+      <p:sp>
+        <p:nvSpPr>
+          <p:cNvPr id="2" name="タイトル 1"/>
+          <p:cNvSpPr>
+            <a:spLocks noGrp="1"/>
+          </p:cNvSpPr>
+          <p:nvPr>
+            <p:ph type="title"/>
+          </p:nvPr>
+        </p:nvSpPr>
+        <p:spPr/>
+        <p:txBody>
+          <a:bodyPr/>
+          <a:lstStyle/>
+          <a:p>
+            <a:r>
+              <a:rPr kumimoji="1" lang="ja-JP" altLang="en-US" dirty="0" smtClean="0"/>
+              <a:t>追加機能（予定）</a:t>
+            </a:r>
+            <a:endParaRPr kumimoji="1" lang="ja-JP" altLang="en-US" dirty="0"/>
+          </a:p>
+        </p:txBody>
+      </p:sp>
+      <p:sp>
+        <p:nvSpPr>
+          <p:cNvPr id="3" name="コンテンツ プレースホルダー 2"/>
+          <p:cNvSpPr>
+            <a:spLocks noGrp="1"/>
+          </p:cNvSpPr>
+          <p:nvPr>
+            <p:ph idx="1"/>
+          </p:nvPr>
+        </p:nvSpPr>
+        <p:spPr/>
+        <p:txBody>
+          <a:bodyPr/>
+          <a:lstStyle/>
+          <a:p>
+            <a:r>
+              <a:rPr kumimoji="1" lang="ja-JP" altLang="en-US" dirty="0" smtClean="0"/>
+              <a:t>体系的</a:t>
+            </a:r>
+            <a:r>
+              <a:rPr kumimoji="1" lang="ja-JP" altLang="en-US" dirty="0" smtClean="0"/>
+              <a:t>なドリル学習後の実戦練習（システム構築練習）</a:t>
+            </a:r>
+            <a:endParaRPr kumimoji="1" lang="en-US" altLang="ja-JP" dirty="0" smtClean="0"/>
+          </a:p>
+          <a:p>
+            <a:r>
+              <a:rPr kumimoji="1" lang="ja-JP" altLang="en-US" dirty="0" smtClean="0"/>
+              <a:t>現在の</a:t>
+            </a:r>
+            <a:r>
+              <a:rPr kumimoji="1" lang="en-US" altLang="ja-JP" dirty="0" smtClean="0"/>
+              <a:t>emacs</a:t>
+            </a:r>
+            <a:r>
+              <a:rPr kumimoji="1" lang="ja-JP" altLang="en-US" dirty="0" smtClean="0"/>
+              <a:t>対応を</a:t>
+            </a:r>
+            <a:r>
+              <a:rPr kumimoji="1" lang="en-US" altLang="ja-JP" dirty="0" smtClean="0"/>
+              <a:t>vi</a:t>
+            </a:r>
+            <a:r>
+              <a:rPr lang="ja-JP" altLang="en-US" dirty="0" smtClean="0"/>
+              <a:t>にも対応</a:t>
+            </a:r>
+            <a:endParaRPr kumimoji="1" lang="en-US" altLang="ja-JP" dirty="0" smtClean="0"/>
+          </a:p>
+          <a:p>
+            <a:r>
+              <a:rPr lang="ja-JP" altLang="en-US" dirty="0" smtClean="0"/>
+              <a:t>その後の環境構築の手引き（自動化</a:t>
+            </a:r>
+            <a:r>
+              <a:rPr lang="ja-JP" altLang="en-US" dirty="0" smtClean="0"/>
+              <a:t>）</a:t>
+            </a:r>
+            <a:endParaRPr lang="en-US" altLang="ja-JP" dirty="0" smtClean="0"/>
+          </a:p>
+          <a:p>
+            <a:r>
+              <a:rPr kumimoji="1" lang="ja-JP" altLang="en-US" dirty="0" smtClean="0"/>
+              <a:t>チェック結果の見易さの改善</a:t>
+            </a:r>
+            <a:endParaRPr kumimoji="1" lang="ja-JP" altLang="en-US" dirty="0"/>
+          </a:p>
+        </p:txBody>
+      </p:sp>
+    </p:spTree>
+    <p:extLst>
+      <p:ext uri="{BB962C8B-B14F-4D97-AF65-F5344CB8AC3E}">
+        <p14:creationId xmlns:p14="http://schemas.microsoft.com/office/powerpoint/2010/main" val="1850171511"/>
+      </p:ext>
+    </p:extLst>
+  </p:cSld>
+  <p:clrMapOvr>
+    <a:masterClrMapping/>
+  </p:clrMapOvr>
+  <p:timing>
+    <p:tnLst>
+      <p:par>
+        <p:cTn id="1" dur="indefinite" restart="never" nodeType="tmRoot"/>
+      </p:par>
+    </p:tnLst>
+  </p:timing>
+</p:sld>
+</file>
+
+<file path=ppt/slides/slide6.xml><?xml version="1.0" encoding="utf-8"?>
 <p:sld xmlns:a="http://schemas.openxmlformats.org/drawingml/2006/main" xmlns:r="http://schemas.openxmlformats.org/officeDocument/2006/relationships" xmlns:p="http://schemas.openxmlformats.org/presentationml/2006/main">
   <p:cSld>
     <p:spTree>
@@ -6208,8 +10652,8 @@
         </p:nvSpPr>
         <p:spPr>
           <a:xfrm>
-            <a:off x="6351493" y="805592"/>
-            <a:ext cx="2318124" cy="1880373"/>
+            <a:off x="6351492" y="805592"/>
+            <a:ext cx="2757369" cy="1880373"/>
           </a:xfrm>
           <a:prstGeom prst="ellipse">
             <a:avLst/>
@@ -6318,7 +10762,7 @@
         <p:spPr>
           <a:xfrm>
             <a:off x="6385532" y="4265090"/>
-            <a:ext cx="2284085" cy="1790727"/>
+            <a:ext cx="2723330" cy="1790727"/>
           </a:xfrm>
           <a:prstGeom prst="ellipse">
             <a:avLst/>
@@ -6359,12 +10803,52 @@
           <a:p>
             <a:pPr algn="ctr"/>
             <a:r>
+              <a:rPr lang="en-US" altLang="ja-JP" dirty="0" smtClean="0">
+                <a:solidFill>
+                  <a:schemeClr val="tx1"/>
+                </a:solidFill>
+              </a:rPr>
+              <a:t>Ruby</a:t>
+            </a:r>
+            <a:r>
               <a:rPr lang="ja-JP" altLang="en-US" dirty="0" smtClean="0">
                 <a:solidFill>
                   <a:schemeClr val="tx1"/>
                 </a:solidFill>
               </a:rPr>
-              <a:t>設定より規約を遵守したコード</a:t>
+              <a:t>のプログラミングスタイル</a:t>
+            </a:r>
+            <a:endParaRPr lang="en-US" altLang="ja-JP" dirty="0" smtClean="0">
+              <a:solidFill>
+                <a:schemeClr val="tx1"/>
+              </a:solidFill>
+            </a:endParaRPr>
+          </a:p>
+          <a:p>
+            <a:pPr algn="ctr"/>
+            <a:r>
+              <a:rPr lang="ja-JP" altLang="en-US" dirty="0" smtClean="0">
+                <a:solidFill>
+                  <a:schemeClr val="tx1"/>
+                </a:solidFill>
+              </a:rPr>
+              <a:t>を遵守した</a:t>
+            </a:r>
+            <a:endParaRPr lang="en-US" altLang="ja-JP" dirty="0" smtClean="0">
+              <a:solidFill>
+                <a:schemeClr val="tx1"/>
+              </a:solidFill>
+            </a:endParaRPr>
+          </a:p>
+          <a:p>
+            <a:pPr algn="ctr"/>
+            <a:r>
+              <a:rPr lang="ja-JP" altLang="en-US" dirty="0" smtClean="0">
+                <a:solidFill>
+                  <a:schemeClr val="tx1"/>
+                </a:solidFill>
+              </a:rPr>
+              <a:t>コード</a:t>
             </a:r>
             <a:endParaRPr lang="ja-JP" altLang="en-US" dirty="0">
               <a:solidFill>
@@ -6489,7 +10973,7 @@
         </p:nvSpPr>
         <p:spPr>
           <a:xfrm>
-            <a:off x="7176447" y="3141419"/>
+            <a:off x="4283970" y="3103951"/>
             <a:ext cx="668215" cy="668216"/>
           </a:xfrm>
           <a:prstGeom prst="plus">
@@ -6545,7 +11029,7 @@
         </p:nvSpPr>
         <p:spPr>
           <a:xfrm>
-            <a:off x="9520683" y="2540429"/>
+            <a:off x="9585141" y="2478500"/>
             <a:ext cx="2532289" cy="1919119"/>
           </a:xfrm>
           <a:prstGeom prst="ellipse">
@@ -6587,6 +11071,22 @@
           <a:p>
             <a:pPr algn="ctr"/>
             <a:r>
+              <a:rPr lang="en-US" altLang="ja-JP" dirty="0" smtClean="0">
+                <a:solidFill>
+                  <a:schemeClr val="tx1"/>
+                </a:solidFill>
+              </a:rPr>
+              <a:t>Ruby</a:t>
+            </a:r>
+            <a:r>
+              <a:rPr lang="ja-JP" altLang="en-US" dirty="0" smtClean="0">
+                <a:solidFill>
+                  <a:schemeClr val="tx1"/>
+                </a:solidFill>
+              </a:rPr>
+              <a:t>の</a:t>
+            </a:r>
+            <a:r>
               <a:rPr kumimoji="1" lang="ja-JP" altLang="en-US" dirty="0" smtClean="0">
                 <a:solidFill>
                   <a:schemeClr val="tx1"/>
@@ -6610,7 +11110,7 @@
         </p:nvSpPr>
         <p:spPr>
           <a:xfrm>
-            <a:off x="8753150" y="511256"/>
+            <a:off x="8861817" y="511256"/>
             <a:ext cx="684000" cy="5977467"/>
           </a:xfrm>
           <a:prstGeom prst="rightBrace">
@@ -6809,1325 +11309,13 @@
   <p:clrMapOvr>
     <a:masterClrMapping/>
   </p:clrMapOvr>
-</p:sld>
-</file>
-
-<file path=ppt/slides/slide4.xml><?xml version="1.0" encoding="utf-8"?>
-<p:sld xmlns:a="http://schemas.openxmlformats.org/drawingml/2006/main" xmlns:r="http://schemas.openxmlformats.org/officeDocument/2006/relationships" xmlns:p="http://schemas.openxmlformats.org/presentationml/2006/main">
-  <p:cSld>
-    <p:spTree>
-      <p:nvGrpSpPr>
-        <p:cNvPr id="1" name=""/>
-        <p:cNvGrpSpPr/>
-        <p:nvPr/>
-      </p:nvGrpSpPr>
-      <p:grpSpPr>
-        <a:xfrm>
-          <a:off x="0" y="0"/>
-          <a:ext cx="0" cy="0"/>
-          <a:chOff x="0" y="0"/>
-          <a:chExt cx="0" cy="0"/>
-        </a:xfrm>
-      </p:grpSpPr>
-      <p:sp>
-        <p:nvSpPr>
-          <p:cNvPr id="21" name="角丸四角形 20"/>
-          <p:cNvSpPr/>
-          <p:nvPr/>
-        </p:nvSpPr>
-        <p:spPr>
-          <a:xfrm>
-            <a:off x="4607157" y="92240"/>
-            <a:ext cx="5222643" cy="1169551"/>
-          </a:xfrm>
-          <a:prstGeom prst="roundRect">
-            <a:avLst/>
-          </a:prstGeom>
-          <a:solidFill>
-            <a:schemeClr val="accent6">
-              <a:lumMod val="20000"/>
-              <a:lumOff val="80000"/>
-            </a:schemeClr>
-          </a:solidFill>
-        </p:spPr>
-        <p:style>
-          <a:lnRef idx="2">
-            <a:schemeClr val="accent1">
-              <a:shade val="50000"/>
-            </a:schemeClr>
-          </a:lnRef>
-          <a:fillRef idx="1">
-            <a:schemeClr val="accent1"/>
-          </a:fillRef>
-          <a:effectRef idx="0">
-            <a:schemeClr val="accent1"/>
-          </a:effectRef>
-          <a:fontRef idx="minor">
-            <a:schemeClr val="lt1"/>
-          </a:fontRef>
-        </p:style>
-        <p:txBody>
-          <a:bodyPr rtlCol="0" anchor="ctr"/>
-          <a:lstStyle/>
-          <a:p>
-            <a:pPr algn="ctr"/>
-            <a:endParaRPr kumimoji="1" lang="ja-JP" altLang="en-US"/>
-          </a:p>
-        </p:txBody>
-      </p:sp>
-      <p:sp>
-        <p:nvSpPr>
-          <p:cNvPr id="13" name="円/楕円 12"/>
-          <p:cNvSpPr/>
-          <p:nvPr/>
-        </p:nvSpPr>
-        <p:spPr>
-          <a:xfrm>
-            <a:off x="70337" y="615461"/>
-            <a:ext cx="4149969" cy="6242539"/>
-          </a:xfrm>
-          <a:prstGeom prst="ellipse">
-            <a:avLst/>
-          </a:prstGeom>
-          <a:solidFill>
-            <a:schemeClr val="accent2">
-              <a:lumMod val="20000"/>
-              <a:lumOff val="80000"/>
-            </a:schemeClr>
-          </a:solidFill>
-          <a:ln>
-            <a:solidFill>
-              <a:schemeClr val="accent2">
-                <a:lumMod val="50000"/>
-              </a:schemeClr>
-            </a:solidFill>
-          </a:ln>
-        </p:spPr>
-        <p:style>
-          <a:lnRef idx="2">
-            <a:schemeClr val="accent1">
-              <a:shade val="50000"/>
-            </a:schemeClr>
-          </a:lnRef>
-          <a:fillRef idx="1">
-            <a:schemeClr val="accent1"/>
-          </a:fillRef>
-          <a:effectRef idx="0">
-            <a:schemeClr val="accent1"/>
-          </a:effectRef>
-          <a:fontRef idx="minor">
-            <a:schemeClr val="lt1"/>
-          </a:fontRef>
-        </p:style>
-        <p:txBody>
-          <a:bodyPr rtlCol="0" anchor="ctr"/>
-          <a:lstStyle/>
-          <a:p>
-            <a:pPr algn="ctr"/>
-            <a:endParaRPr kumimoji="1" lang="ja-JP" altLang="en-US"/>
-          </a:p>
-        </p:txBody>
-      </p:sp>
-      <p:sp>
-        <p:nvSpPr>
-          <p:cNvPr id="11" name="正方形/長方形 10"/>
-          <p:cNvSpPr/>
-          <p:nvPr/>
-        </p:nvSpPr>
-        <p:spPr>
-          <a:xfrm>
-            <a:off x="597875" y="1969476"/>
-            <a:ext cx="3094892" cy="3534508"/>
-          </a:xfrm>
-          <a:prstGeom prst="rect">
-            <a:avLst/>
-          </a:prstGeom>
-        </p:spPr>
-        <p:style>
-          <a:lnRef idx="2">
-            <a:schemeClr val="accent1">
-              <a:shade val="50000"/>
-            </a:schemeClr>
-          </a:lnRef>
-          <a:fillRef idx="1">
-            <a:schemeClr val="accent1"/>
-          </a:fillRef>
-          <a:effectRef idx="0">
-            <a:schemeClr val="accent1"/>
-          </a:effectRef>
-          <a:fontRef idx="minor">
-            <a:schemeClr val="lt1"/>
-          </a:fontRef>
-        </p:style>
-        <p:txBody>
-          <a:bodyPr rtlCol="0" anchor="ctr"/>
-          <a:lstStyle/>
-          <a:p>
-            <a:pPr algn="ctr"/>
-            <a:endParaRPr kumimoji="1" lang="ja-JP" altLang="en-US"/>
-          </a:p>
-        </p:txBody>
-      </p:sp>
-      <p:sp>
-        <p:nvSpPr>
-          <p:cNvPr id="9" name="フローチャート: カード 8"/>
-          <p:cNvSpPr/>
-          <p:nvPr/>
-        </p:nvSpPr>
-        <p:spPr>
-          <a:xfrm>
-            <a:off x="781934" y="2488221"/>
-            <a:ext cx="2726771" cy="2497017"/>
-          </a:xfrm>
-          <a:prstGeom prst="flowChartPunchedCard">
-            <a:avLst/>
-          </a:prstGeom>
-          <a:solidFill>
-            <a:schemeClr val="accent5">
-              <a:lumMod val="20000"/>
-              <a:lumOff val="80000"/>
-            </a:schemeClr>
-          </a:solidFill>
-        </p:spPr>
-        <p:style>
-          <a:lnRef idx="2">
-            <a:schemeClr val="accent1">
-              <a:shade val="50000"/>
-            </a:schemeClr>
-          </a:lnRef>
-          <a:fillRef idx="1">
-            <a:schemeClr val="accent1"/>
-          </a:fillRef>
-          <a:effectRef idx="0">
-            <a:schemeClr val="accent1"/>
-          </a:effectRef>
-          <a:fontRef idx="minor">
-            <a:schemeClr val="lt1"/>
-          </a:fontRef>
-        </p:style>
-        <p:txBody>
-          <a:bodyPr rtlCol="0" anchor="ctr"/>
-          <a:lstStyle/>
-          <a:p>
-            <a:pPr marL="342900" marR="0" lvl="0" indent="-342900" algn="ctr" defTabSz="914400" eaLnBrk="1" fontAlgn="auto" latinLnBrk="0" hangingPunct="1">
-              <a:lnSpc>
-                <a:spcPct val="100000"/>
-              </a:lnSpc>
-              <a:spcBef>
-                <a:spcPts val="0"/>
-              </a:spcBef>
-              <a:spcAft>
-                <a:spcPts val="0"/>
-              </a:spcAft>
-              <a:buClrTx/>
-              <a:buSzTx/>
-              <a:buFontTx/>
-              <a:buNone/>
-              <a:tabLst/>
-              <a:defRPr/>
-            </a:pPr>
-            <a:r>
-              <a:rPr lang="en-US" altLang="ja-JP" dirty="0" smtClean="0">
-                <a:solidFill>
-                  <a:schemeClr val="tx1"/>
-                </a:solidFill>
-              </a:rPr>
-              <a:t>ruby_learner</a:t>
-            </a:r>
-          </a:p>
-          <a:p>
-            <a:pPr marL="342900" marR="0" lvl="0" indent="-342900" algn="ctr" defTabSz="914400" eaLnBrk="1" fontAlgn="auto" latinLnBrk="0" hangingPunct="1">
-              <a:lnSpc>
-                <a:spcPct val="100000"/>
-              </a:lnSpc>
-              <a:spcBef>
-                <a:spcPts val="0"/>
-              </a:spcBef>
-              <a:spcAft>
-                <a:spcPts val="0"/>
-              </a:spcAft>
-              <a:buClrTx/>
-              <a:buSzTx/>
-              <a:buFontTx/>
-              <a:buNone/>
-              <a:tabLst/>
-              <a:defRPr/>
-            </a:pPr>
-            <a:endParaRPr lang="en-US" altLang="ja-JP" dirty="0">
-              <a:solidFill>
-                <a:schemeClr val="tx1"/>
-              </a:solidFill>
-            </a:endParaRPr>
-          </a:p>
-          <a:p>
-            <a:pPr marL="342900" marR="0" lvl="0" indent="-342900" algn="ctr" defTabSz="914400" eaLnBrk="1" fontAlgn="auto" latinLnBrk="0" hangingPunct="1">
-              <a:lnSpc>
-                <a:spcPct val="100000"/>
-              </a:lnSpc>
-              <a:spcBef>
-                <a:spcPts val="0"/>
-              </a:spcBef>
-              <a:spcAft>
-                <a:spcPts val="0"/>
-              </a:spcAft>
-              <a:buClrTx/>
-              <a:buSzTx/>
-              <a:buFontTx/>
-              <a:buNone/>
-              <a:tabLst/>
-              <a:defRPr/>
-            </a:pPr>
-            <a:endParaRPr lang="en-US" altLang="ja-JP" dirty="0" smtClean="0">
-              <a:solidFill>
-                <a:schemeClr val="tx1"/>
-              </a:solidFill>
-            </a:endParaRPr>
-          </a:p>
-          <a:p>
-            <a:pPr marL="342900" marR="0" lvl="0" indent="-342900" defTabSz="914400" eaLnBrk="1" fontAlgn="auto" latinLnBrk="0" hangingPunct="1">
-              <a:lnSpc>
-                <a:spcPct val="100000"/>
-              </a:lnSpc>
-              <a:spcBef>
-                <a:spcPts val="0"/>
-              </a:spcBef>
-              <a:spcAft>
-                <a:spcPts val="0"/>
-              </a:spcAft>
-              <a:buClrTx/>
-              <a:buSzTx/>
-              <a:buFont typeface="Arial" charset="0"/>
-              <a:buChar char="•"/>
-              <a:tabLst/>
-              <a:defRPr/>
-            </a:pPr>
-            <a:r>
-              <a:rPr lang="en-US" altLang="ja-JP" dirty="0" smtClean="0">
-                <a:solidFill>
-                  <a:schemeClr val="tx1"/>
-                </a:solidFill>
-              </a:rPr>
-              <a:t>Emacs</a:t>
-            </a:r>
-            <a:r>
-              <a:rPr lang="ja-JP" altLang="en-US" dirty="0" smtClean="0">
-                <a:solidFill>
-                  <a:schemeClr val="tx1"/>
-                </a:solidFill>
-              </a:rPr>
-              <a:t>設定ファイル</a:t>
-            </a:r>
-            <a:endParaRPr lang="en-US" altLang="ja-JP" dirty="0" smtClean="0">
-              <a:solidFill>
-                <a:schemeClr val="tx1"/>
-              </a:solidFill>
-            </a:endParaRPr>
-          </a:p>
-          <a:p>
-            <a:pPr marL="342900" marR="0" lvl="0" indent="-342900" defTabSz="914400" eaLnBrk="1" fontAlgn="auto" latinLnBrk="0" hangingPunct="1">
-              <a:lnSpc>
-                <a:spcPct val="100000"/>
-              </a:lnSpc>
-              <a:spcBef>
-                <a:spcPts val="0"/>
-              </a:spcBef>
-              <a:spcAft>
-                <a:spcPts val="0"/>
-              </a:spcAft>
-              <a:buClrTx/>
-              <a:buSzTx/>
-              <a:buFont typeface="Arial" charset="0"/>
-              <a:buChar char="•"/>
-              <a:tabLst/>
-              <a:defRPr/>
-            </a:pPr>
-            <a:r>
-              <a:rPr lang="en-US" altLang="ja-JP" dirty="0" smtClean="0">
-                <a:solidFill>
-                  <a:schemeClr val="tx1"/>
-                </a:solidFill>
-              </a:rPr>
-              <a:t>Workshop</a:t>
-            </a:r>
-          </a:p>
-          <a:p>
-            <a:pPr marL="342900" marR="0" lvl="0" indent="-342900" defTabSz="914400" eaLnBrk="1" fontAlgn="auto" latinLnBrk="0" hangingPunct="1">
-              <a:lnSpc>
-                <a:spcPct val="100000"/>
-              </a:lnSpc>
-              <a:spcBef>
-                <a:spcPts val="0"/>
-              </a:spcBef>
-              <a:spcAft>
-                <a:spcPts val="0"/>
-              </a:spcAft>
-              <a:buClrTx/>
-              <a:buSzTx/>
-              <a:buFont typeface="Arial" charset="0"/>
-              <a:buChar char="•"/>
-              <a:tabLst/>
-              <a:defRPr/>
-            </a:pPr>
-            <a:r>
-              <a:rPr lang="en-US" altLang="ja-JP" dirty="0" smtClean="0">
-                <a:solidFill>
-                  <a:schemeClr val="tx1"/>
-                </a:solidFill>
-              </a:rPr>
-              <a:t>restore</a:t>
-            </a:r>
-          </a:p>
-        </p:txBody>
-      </p:sp>
-      <p:sp>
-        <p:nvSpPr>
-          <p:cNvPr id="12" name="テキスト ボックス 11"/>
-          <p:cNvSpPr txBox="1"/>
-          <p:nvPr/>
-        </p:nvSpPr>
-        <p:spPr>
-          <a:xfrm>
-            <a:off x="1046300" y="2118889"/>
-            <a:ext cx="2198038" cy="369332"/>
-          </a:xfrm>
-          <a:prstGeom prst="rect">
-            <a:avLst/>
-          </a:prstGeom>
-          <a:noFill/>
-        </p:spPr>
-        <p:txBody>
-          <a:bodyPr wrap="none" rtlCol="0">
-            <a:spAutoFit/>
-          </a:bodyPr>
-          <a:lstStyle/>
-          <a:p>
-            <a:r>
-              <a:rPr kumimoji="1" lang="en-US" altLang="ja-JP" dirty="0" smtClean="0">
-                <a:solidFill>
-                  <a:schemeClr val="bg1"/>
-                </a:solidFill>
-              </a:rPr>
-              <a:t>Home</a:t>
-            </a:r>
-            <a:r>
-              <a:rPr kumimoji="1" lang="ja-JP" altLang="en-US" dirty="0" smtClean="0">
-                <a:solidFill>
-                  <a:schemeClr val="bg1"/>
-                </a:solidFill>
-              </a:rPr>
-              <a:t>ディレクトリ</a:t>
-            </a:r>
-            <a:endParaRPr kumimoji="1" lang="ja-JP" altLang="en-US" dirty="0">
-              <a:solidFill>
-                <a:schemeClr val="bg1"/>
-              </a:solidFill>
-            </a:endParaRPr>
-          </a:p>
-        </p:txBody>
-      </p:sp>
-      <p:sp>
-        <p:nvSpPr>
-          <p:cNvPr id="14" name="テキスト ボックス 13"/>
-          <p:cNvSpPr txBox="1"/>
-          <p:nvPr/>
-        </p:nvSpPr>
-        <p:spPr>
-          <a:xfrm>
-            <a:off x="1155304" y="92240"/>
-            <a:ext cx="1980029" cy="523220"/>
-          </a:xfrm>
-          <a:prstGeom prst="rect">
-            <a:avLst/>
-          </a:prstGeom>
-          <a:noFill/>
-        </p:spPr>
-        <p:txBody>
-          <a:bodyPr wrap="none" rtlCol="0">
-            <a:spAutoFit/>
-          </a:bodyPr>
-          <a:lstStyle/>
-          <a:p>
-            <a:r>
-              <a:rPr kumimoji="1" lang="ja-JP" altLang="en-US" sz="2800" smtClean="0"/>
-              <a:t>初回起動時</a:t>
-            </a:r>
-            <a:endParaRPr kumimoji="1" lang="ja-JP" altLang="en-US" sz="2800" dirty="0"/>
-          </a:p>
-        </p:txBody>
-      </p:sp>
-      <p:cxnSp>
-        <p:nvCxnSpPr>
-          <p:cNvPr id="16" name="直線コネクタ 15"/>
-          <p:cNvCxnSpPr/>
-          <p:nvPr/>
-        </p:nvCxnSpPr>
-        <p:spPr>
-          <a:xfrm>
-            <a:off x="4413731" y="0"/>
-            <a:ext cx="0" cy="6858000"/>
-          </a:xfrm>
-          <a:prstGeom prst="line">
-            <a:avLst/>
-          </a:prstGeom>
-          <a:ln w="203200" cmpd="tri">
-            <a:solidFill>
-              <a:schemeClr val="accent1"/>
-            </a:solidFill>
-            <a:prstDash val="sysDot"/>
-          </a:ln>
-        </p:spPr>
-        <p:style>
-          <a:lnRef idx="1">
-            <a:schemeClr val="accent1"/>
-          </a:lnRef>
-          <a:fillRef idx="0">
-            <a:schemeClr val="accent1"/>
-          </a:fillRef>
-          <a:effectRef idx="0">
-            <a:schemeClr val="accent1"/>
-          </a:effectRef>
-          <a:fontRef idx="minor">
-            <a:schemeClr val="tx1"/>
-          </a:fontRef>
-        </p:style>
-      </p:cxnSp>
-      <p:sp>
-        <p:nvSpPr>
-          <p:cNvPr id="19" name="テキスト ボックス 18"/>
-          <p:cNvSpPr txBox="1"/>
-          <p:nvPr/>
-        </p:nvSpPr>
-        <p:spPr>
-          <a:xfrm>
-            <a:off x="4607157" y="210957"/>
-            <a:ext cx="2089033" cy="369332"/>
-          </a:xfrm>
-          <a:prstGeom prst="rect">
-            <a:avLst/>
-          </a:prstGeom>
-          <a:noFill/>
-        </p:spPr>
-        <p:txBody>
-          <a:bodyPr wrap="none" rtlCol="0">
-            <a:spAutoFit/>
-          </a:bodyPr>
-          <a:lstStyle/>
-          <a:p>
-            <a:r>
-              <a:rPr lang="en-US" altLang="ja-JP" dirty="0" smtClean="0"/>
-              <a:t>Mode: emacs_key</a:t>
-            </a:r>
-            <a:endParaRPr kumimoji="1" lang="ja-JP" altLang="en-US" dirty="0"/>
-          </a:p>
-        </p:txBody>
-      </p:sp>
-      <p:sp>
-        <p:nvSpPr>
-          <p:cNvPr id="20" name="テキスト ボックス 19"/>
-          <p:cNvSpPr txBox="1"/>
-          <p:nvPr/>
-        </p:nvSpPr>
-        <p:spPr>
-          <a:xfrm>
-            <a:off x="4888523" y="615460"/>
-            <a:ext cx="4251485" cy="646331"/>
-          </a:xfrm>
-          <a:prstGeom prst="rect">
-            <a:avLst/>
-          </a:prstGeom>
-          <a:noFill/>
-        </p:spPr>
-        <p:txBody>
-          <a:bodyPr wrap="none" rtlCol="0">
-            <a:spAutoFit/>
-          </a:bodyPr>
-          <a:lstStyle/>
-          <a:p>
-            <a:r>
-              <a:rPr lang="en-US" altLang="ja-JP" dirty="0" smtClean="0"/>
-              <a:t>Command: ruby_learner emacs_key</a:t>
-            </a:r>
-          </a:p>
-          <a:p>
-            <a:r>
-              <a:rPr kumimoji="1" lang="en-US" altLang="ja-JP" dirty="0" smtClean="0"/>
-              <a:t>Function: emacs</a:t>
-            </a:r>
-            <a:r>
-              <a:rPr kumimoji="1" lang="ja-JP" altLang="en-US" dirty="0" smtClean="0"/>
-              <a:t>のキーバインドの表示</a:t>
-            </a:r>
-            <a:endParaRPr kumimoji="1" lang="ja-JP" altLang="en-US" dirty="0"/>
-          </a:p>
-        </p:txBody>
-      </p:sp>
-      <p:sp>
-        <p:nvSpPr>
-          <p:cNvPr id="22" name="角丸四角形 21"/>
-          <p:cNvSpPr/>
-          <p:nvPr/>
-        </p:nvSpPr>
-        <p:spPr>
-          <a:xfrm>
-            <a:off x="4601860" y="1384700"/>
-            <a:ext cx="7590140" cy="5297454"/>
-          </a:xfrm>
-          <a:prstGeom prst="roundRect">
-            <a:avLst/>
-          </a:prstGeom>
-          <a:solidFill>
-            <a:schemeClr val="accent6">
-              <a:lumMod val="20000"/>
-              <a:lumOff val="80000"/>
-            </a:schemeClr>
-          </a:solidFill>
-        </p:spPr>
-        <p:style>
-          <a:lnRef idx="2">
-            <a:schemeClr val="accent1">
-              <a:shade val="50000"/>
-            </a:schemeClr>
-          </a:lnRef>
-          <a:fillRef idx="1">
-            <a:schemeClr val="accent1"/>
-          </a:fillRef>
-          <a:effectRef idx="0">
-            <a:schemeClr val="accent1"/>
-          </a:effectRef>
-          <a:fontRef idx="minor">
-            <a:schemeClr val="lt1"/>
-          </a:fontRef>
-        </p:style>
-        <p:txBody>
-          <a:bodyPr rtlCol="0" anchor="ctr"/>
-          <a:lstStyle/>
-          <a:p>
-            <a:pPr algn="ctr"/>
-            <a:endParaRPr kumimoji="1" lang="ja-JP" altLang="en-US" dirty="0"/>
-          </a:p>
-        </p:txBody>
-      </p:sp>
-      <p:sp>
-        <p:nvSpPr>
-          <p:cNvPr id="23" name="テキスト ボックス 22"/>
-          <p:cNvSpPr txBox="1"/>
-          <p:nvPr/>
-        </p:nvSpPr>
-        <p:spPr>
-          <a:xfrm>
-            <a:off x="4747844" y="1657329"/>
-            <a:ext cx="2763898" cy="369332"/>
-          </a:xfrm>
-          <a:prstGeom prst="rect">
-            <a:avLst/>
-          </a:prstGeom>
-          <a:noFill/>
-        </p:spPr>
-        <p:txBody>
-          <a:bodyPr wrap="none" rtlCol="0">
-            <a:spAutoFit/>
-          </a:bodyPr>
-          <a:lstStyle/>
-          <a:p>
-            <a:r>
-              <a:rPr lang="en-US" altLang="ja-JP" dirty="0" smtClean="0"/>
-              <a:t>Mode: sequential_check</a:t>
-            </a:r>
-            <a:endParaRPr kumimoji="1" lang="ja-JP" altLang="en-US" dirty="0"/>
-          </a:p>
-        </p:txBody>
-      </p:sp>
-      <p:sp>
-        <p:nvSpPr>
-          <p:cNvPr id="25" name="テキスト ボックス 24"/>
-          <p:cNvSpPr txBox="1"/>
-          <p:nvPr/>
-        </p:nvSpPr>
-        <p:spPr>
-          <a:xfrm>
-            <a:off x="4888523" y="2118889"/>
-            <a:ext cx="6032421" cy="923330"/>
-          </a:xfrm>
-          <a:prstGeom prst="rect">
-            <a:avLst/>
-          </a:prstGeom>
-          <a:noFill/>
-        </p:spPr>
-        <p:txBody>
-          <a:bodyPr wrap="none" rtlCol="0">
-            <a:spAutoFit/>
-          </a:bodyPr>
-          <a:lstStyle/>
-          <a:p>
-            <a:r>
-              <a:rPr lang="en-US" altLang="ja-JP" dirty="0" smtClean="0"/>
-              <a:t>Command: ruby_learner </a:t>
-            </a:r>
-            <a:r>
-              <a:rPr lang="en-US" altLang="ja-JP" dirty="0"/>
-              <a:t>sequential_check section part </a:t>
-            </a:r>
-            <a:endParaRPr lang="en-US" altLang="ja-JP" dirty="0" smtClean="0"/>
-          </a:p>
-          <a:p>
-            <a:r>
-              <a:rPr lang="en-US" altLang="ja-JP" dirty="0"/>
-              <a:t>	</a:t>
-            </a:r>
-            <a:r>
-              <a:rPr lang="en-US" altLang="ja-JP" dirty="0" smtClean="0"/>
-              <a:t>(</a:t>
-            </a:r>
-            <a:r>
-              <a:rPr lang="en-US" altLang="ja-JP" dirty="0"/>
-              <a:t>section</a:t>
-            </a:r>
-            <a:r>
-              <a:rPr lang="ja-JP" altLang="en-US" dirty="0"/>
-              <a:t>と</a:t>
-            </a:r>
-            <a:r>
-              <a:rPr lang="en-US" altLang="ja-JP" dirty="0"/>
-              <a:t>part</a:t>
-            </a:r>
-            <a:r>
-              <a:rPr lang="ja-JP" altLang="en-US" dirty="0"/>
-              <a:t>には整数が入る</a:t>
-            </a:r>
-            <a:r>
-              <a:rPr lang="en-US" altLang="ja-JP" dirty="0"/>
-              <a:t>)</a:t>
-            </a:r>
-          </a:p>
-          <a:p>
-            <a:r>
-              <a:rPr kumimoji="1" lang="en-US" altLang="ja-JP" dirty="0" smtClean="0"/>
-              <a:t>Function: </a:t>
-            </a:r>
-            <a:r>
-              <a:rPr kumimoji="1" lang="ja-JP" altLang="en-US" dirty="0" smtClean="0"/>
-              <a:t>体系的なドリルの学習</a:t>
-            </a:r>
-            <a:endParaRPr kumimoji="1" lang="ja-JP" altLang="en-US" dirty="0"/>
-          </a:p>
-        </p:txBody>
-      </p:sp>
-      <p:sp>
-        <p:nvSpPr>
-          <p:cNvPr id="26" name="円/楕円 25"/>
-          <p:cNvSpPr/>
-          <p:nvPr/>
-        </p:nvSpPr>
-        <p:spPr>
-          <a:xfrm>
-            <a:off x="4645356" y="3134447"/>
-            <a:ext cx="1610773" cy="1556240"/>
-          </a:xfrm>
-          <a:prstGeom prst="ellipse">
-            <a:avLst/>
-          </a:prstGeom>
-          <a:solidFill>
-            <a:schemeClr val="accent4">
-              <a:lumMod val="20000"/>
-              <a:lumOff val="80000"/>
-            </a:schemeClr>
-          </a:solidFill>
-        </p:spPr>
-        <p:style>
-          <a:lnRef idx="2">
-            <a:schemeClr val="accent1">
-              <a:shade val="50000"/>
-            </a:schemeClr>
-          </a:lnRef>
-          <a:fillRef idx="1">
-            <a:schemeClr val="accent1"/>
-          </a:fillRef>
-          <a:effectRef idx="0">
-            <a:schemeClr val="accent1"/>
-          </a:effectRef>
-          <a:fontRef idx="minor">
-            <a:schemeClr val="lt1"/>
-          </a:fontRef>
-        </p:style>
-        <p:txBody>
-          <a:bodyPr rtlCol="0" anchor="ctr"/>
-          <a:lstStyle/>
-          <a:p>
-            <a:pPr algn="ctr"/>
-            <a:r>
-              <a:rPr kumimoji="1" lang="ja-JP" altLang="en-US" dirty="0" smtClean="0">
-                <a:solidFill>
-                  <a:schemeClr val="tx1"/>
-                </a:solidFill>
-              </a:rPr>
-              <a:t>コードの回答</a:t>
-            </a:r>
-            <a:endParaRPr kumimoji="1" lang="ja-JP" altLang="en-US" dirty="0">
-              <a:solidFill>
-                <a:schemeClr val="tx1"/>
-              </a:solidFill>
-            </a:endParaRPr>
-          </a:p>
-        </p:txBody>
-      </p:sp>
-      <p:sp>
-        <p:nvSpPr>
-          <p:cNvPr id="27" name="円/楕円 26"/>
-          <p:cNvSpPr/>
-          <p:nvPr/>
-        </p:nvSpPr>
-        <p:spPr>
-          <a:xfrm>
-            <a:off x="7409254" y="3134447"/>
-            <a:ext cx="1610773" cy="1556240"/>
-          </a:xfrm>
-          <a:prstGeom prst="ellipse">
-            <a:avLst/>
-          </a:prstGeom>
-          <a:solidFill>
-            <a:schemeClr val="accent4">
-              <a:lumMod val="20000"/>
-              <a:lumOff val="80000"/>
-            </a:schemeClr>
-          </a:solidFill>
-        </p:spPr>
-        <p:style>
-          <a:lnRef idx="2">
-            <a:schemeClr val="accent1">
-              <a:shade val="50000"/>
-            </a:schemeClr>
-          </a:lnRef>
-          <a:fillRef idx="1">
-            <a:schemeClr val="accent1"/>
-          </a:fillRef>
-          <a:effectRef idx="0">
-            <a:schemeClr val="accent1"/>
-          </a:effectRef>
-          <a:fontRef idx="minor">
-            <a:schemeClr val="lt1"/>
-          </a:fontRef>
-        </p:style>
-        <p:txBody>
-          <a:bodyPr rtlCol="0" anchor="ctr"/>
-          <a:lstStyle/>
-          <a:p>
-            <a:pPr algn="ctr"/>
-            <a:r>
-              <a:rPr kumimoji="1" lang="en-US" altLang="ja-JP" dirty="0" smtClean="0">
-                <a:solidFill>
-                  <a:schemeClr val="tx1"/>
-                </a:solidFill>
-              </a:rPr>
-              <a:t>Rspec-check</a:t>
-            </a:r>
-          </a:p>
-          <a:p>
-            <a:pPr algn="ctr"/>
-            <a:r>
-              <a:rPr lang="en-US" altLang="ja-JP" dirty="0" smtClean="0">
-                <a:solidFill>
-                  <a:schemeClr val="tx1"/>
-                </a:solidFill>
-              </a:rPr>
-              <a:t>Loop</a:t>
-            </a:r>
-            <a:endParaRPr kumimoji="1" lang="ja-JP" altLang="en-US" dirty="0">
-              <a:solidFill>
-                <a:schemeClr val="tx1"/>
-              </a:solidFill>
-            </a:endParaRPr>
-          </a:p>
-        </p:txBody>
-      </p:sp>
-      <p:sp>
-        <p:nvSpPr>
-          <p:cNvPr id="28" name="円/楕円 27"/>
-          <p:cNvSpPr/>
-          <p:nvPr/>
-        </p:nvSpPr>
-        <p:spPr>
-          <a:xfrm>
-            <a:off x="6025476" y="5009186"/>
-            <a:ext cx="1610773" cy="1556240"/>
-          </a:xfrm>
-          <a:prstGeom prst="ellipse">
-            <a:avLst/>
-          </a:prstGeom>
-          <a:solidFill>
-            <a:schemeClr val="accent4">
-              <a:lumMod val="20000"/>
-              <a:lumOff val="80000"/>
-            </a:schemeClr>
-          </a:solidFill>
-        </p:spPr>
-        <p:style>
-          <a:lnRef idx="2">
-            <a:schemeClr val="accent1">
-              <a:shade val="50000"/>
-            </a:schemeClr>
-          </a:lnRef>
-          <a:fillRef idx="1">
-            <a:schemeClr val="accent1"/>
-          </a:fillRef>
-          <a:effectRef idx="0">
-            <a:schemeClr val="accent1"/>
-          </a:effectRef>
-          <a:fontRef idx="minor">
-            <a:schemeClr val="lt1"/>
-          </a:fontRef>
-        </p:style>
-        <p:txBody>
-          <a:bodyPr rtlCol="0" anchor="ctr"/>
-          <a:lstStyle/>
-          <a:p>
-            <a:pPr algn="ctr"/>
-            <a:r>
-              <a:rPr kumimoji="1" lang="en-US" altLang="ja-JP" dirty="0" smtClean="0">
-                <a:solidFill>
-                  <a:schemeClr val="tx1"/>
-                </a:solidFill>
-              </a:rPr>
-              <a:t>Rubocop-check</a:t>
-            </a:r>
-          </a:p>
-          <a:p>
-            <a:pPr algn="ctr"/>
-            <a:r>
-              <a:rPr lang="en-US" altLang="ja-JP" dirty="0" smtClean="0">
-                <a:solidFill>
-                  <a:schemeClr val="tx1"/>
-                </a:solidFill>
-              </a:rPr>
-              <a:t>Loop</a:t>
-            </a:r>
-            <a:endParaRPr kumimoji="1" lang="ja-JP" altLang="en-US" dirty="0">
-              <a:solidFill>
-                <a:schemeClr val="tx1"/>
-              </a:solidFill>
-            </a:endParaRPr>
-          </a:p>
-        </p:txBody>
-      </p:sp>
-      <p:sp>
-        <p:nvSpPr>
-          <p:cNvPr id="29" name="右矢印 28"/>
-          <p:cNvSpPr/>
-          <p:nvPr/>
-        </p:nvSpPr>
-        <p:spPr>
-          <a:xfrm>
-            <a:off x="6496809" y="3824698"/>
-            <a:ext cx="671764" cy="263769"/>
-          </a:xfrm>
-          <a:prstGeom prst="rightArrow">
-            <a:avLst/>
-          </a:prstGeom>
-        </p:spPr>
-        <p:style>
-          <a:lnRef idx="2">
-            <a:schemeClr val="accent1">
-              <a:shade val="50000"/>
-            </a:schemeClr>
-          </a:lnRef>
-          <a:fillRef idx="1">
-            <a:schemeClr val="accent1"/>
-          </a:fillRef>
-          <a:effectRef idx="0">
-            <a:schemeClr val="accent1"/>
-          </a:effectRef>
-          <a:fontRef idx="minor">
-            <a:schemeClr val="lt1"/>
-          </a:fontRef>
-        </p:style>
-        <p:txBody>
-          <a:bodyPr rtlCol="0" anchor="ctr"/>
-          <a:lstStyle/>
-          <a:p>
-            <a:pPr algn="ctr"/>
-            <a:endParaRPr kumimoji="1" lang="ja-JP" altLang="en-US"/>
-          </a:p>
-        </p:txBody>
-      </p:sp>
-      <p:sp>
-        <p:nvSpPr>
-          <p:cNvPr id="30" name="右矢印 29"/>
-          <p:cNvSpPr/>
-          <p:nvPr/>
-        </p:nvSpPr>
-        <p:spPr>
-          <a:xfrm rot="7864291">
-            <a:off x="7397676" y="4859463"/>
-            <a:ext cx="671764" cy="263769"/>
-          </a:xfrm>
-          <a:prstGeom prst="rightArrow">
-            <a:avLst/>
-          </a:prstGeom>
-        </p:spPr>
-        <p:style>
-          <a:lnRef idx="2">
-            <a:schemeClr val="accent1">
-              <a:shade val="50000"/>
-            </a:schemeClr>
-          </a:lnRef>
-          <a:fillRef idx="1">
-            <a:schemeClr val="accent1"/>
-          </a:fillRef>
-          <a:effectRef idx="0">
-            <a:schemeClr val="accent1"/>
-          </a:effectRef>
-          <a:fontRef idx="minor">
-            <a:schemeClr val="lt1"/>
-          </a:fontRef>
-        </p:style>
-        <p:txBody>
-          <a:bodyPr rtlCol="0" anchor="ctr"/>
-          <a:lstStyle/>
-          <a:p>
-            <a:pPr algn="ctr"/>
-            <a:endParaRPr kumimoji="1" lang="ja-JP" altLang="en-US"/>
-          </a:p>
-        </p:txBody>
-      </p:sp>
-      <p:sp>
-        <p:nvSpPr>
-          <p:cNvPr id="31" name="右矢印 30"/>
-          <p:cNvSpPr/>
-          <p:nvPr/>
-        </p:nvSpPr>
-        <p:spPr>
-          <a:xfrm rot="13553176">
-            <a:off x="5528998" y="4859461"/>
-            <a:ext cx="671764" cy="263769"/>
-          </a:xfrm>
-          <a:prstGeom prst="rightArrow">
-            <a:avLst/>
-          </a:prstGeom>
-        </p:spPr>
-        <p:style>
-          <a:lnRef idx="2">
-            <a:schemeClr val="accent1">
-              <a:shade val="50000"/>
-            </a:schemeClr>
-          </a:lnRef>
-          <a:fillRef idx="1">
-            <a:schemeClr val="accent1"/>
-          </a:fillRef>
-          <a:effectRef idx="0">
-            <a:schemeClr val="accent1"/>
-          </a:effectRef>
-          <a:fontRef idx="minor">
-            <a:schemeClr val="lt1"/>
-          </a:fontRef>
-        </p:style>
-        <p:txBody>
-          <a:bodyPr rtlCol="0" anchor="ctr"/>
-          <a:lstStyle/>
-          <a:p>
-            <a:pPr algn="ctr"/>
-            <a:endParaRPr kumimoji="1" lang="ja-JP" altLang="en-US"/>
-          </a:p>
-        </p:txBody>
-      </p:sp>
-      <p:sp>
-        <p:nvSpPr>
-          <p:cNvPr id="33" name="右中かっこ 32"/>
-          <p:cNvSpPr/>
-          <p:nvPr/>
-        </p:nvSpPr>
-        <p:spPr>
-          <a:xfrm>
-            <a:off x="8856334" y="3165128"/>
-            <a:ext cx="475360" cy="3430847"/>
-          </a:xfrm>
-          <a:prstGeom prst="rightBrace">
-            <a:avLst>
-              <a:gd name="adj1" fmla="val 67792"/>
-              <a:gd name="adj2" fmla="val 50513"/>
-            </a:avLst>
-          </a:prstGeom>
-          <a:ln w="6350"/>
-        </p:spPr>
-        <p:style>
-          <a:lnRef idx="1">
-            <a:schemeClr val="accent1"/>
-          </a:lnRef>
-          <a:fillRef idx="0">
-            <a:schemeClr val="accent1"/>
-          </a:fillRef>
-          <a:effectRef idx="0">
-            <a:schemeClr val="accent1"/>
-          </a:effectRef>
-          <a:fontRef idx="minor">
-            <a:schemeClr val="tx1"/>
-          </a:fontRef>
-        </p:style>
-        <p:txBody>
-          <a:bodyPr rtlCol="0" anchor="ctr"/>
-          <a:lstStyle/>
-          <a:p>
-            <a:pPr algn="ctr"/>
-            <a:endParaRPr kumimoji="1" lang="ja-JP" altLang="en-US"/>
-          </a:p>
-        </p:txBody>
-      </p:sp>
-      <p:sp>
-        <p:nvSpPr>
-          <p:cNvPr id="34" name="テキスト ボックス 33"/>
-          <p:cNvSpPr txBox="1"/>
-          <p:nvPr/>
-        </p:nvSpPr>
-        <p:spPr>
-          <a:xfrm>
-            <a:off x="9406693" y="3864888"/>
-            <a:ext cx="2828803" cy="2031325"/>
-          </a:xfrm>
-          <a:prstGeom prst="rect">
-            <a:avLst/>
-          </a:prstGeom>
-          <a:noFill/>
-        </p:spPr>
-        <p:txBody>
-          <a:bodyPr wrap="square" rtlCol="0">
-            <a:spAutoFit/>
-          </a:bodyPr>
-          <a:lstStyle/>
-          <a:p>
-            <a:r>
-              <a:rPr kumimoji="1" lang="en-US" altLang="ja-JP" dirty="0" smtClean="0"/>
-              <a:t>&lt;</a:t>
-            </a:r>
-            <a:r>
-              <a:rPr kumimoji="1" lang="ja-JP" altLang="en-US" dirty="0" smtClean="0"/>
-              <a:t>学習中のモード選択肢</a:t>
-            </a:r>
-            <a:r>
-              <a:rPr lang="en-US" altLang="ja-JP" dirty="0" smtClean="0"/>
-              <a:t>&gt;</a:t>
-            </a:r>
-          </a:p>
-          <a:p>
-            <a:pPr marL="285750" indent="-285750">
-              <a:buFont typeface="Arial" charset="0"/>
-              <a:buChar char="•"/>
-            </a:pPr>
-            <a:r>
-              <a:rPr lang="en-US" altLang="ja-JP" dirty="0" smtClean="0"/>
-              <a:t>a</a:t>
-            </a:r>
-            <a:r>
-              <a:rPr kumimoji="1" lang="en-US" altLang="ja-JP" dirty="0" smtClean="0"/>
-              <a:t>nswer</a:t>
-            </a:r>
-          </a:p>
-          <a:p>
-            <a:pPr marL="742950" lvl="1" indent="-285750">
-              <a:buFont typeface="Arial" charset="0"/>
-              <a:buChar char="•"/>
-            </a:pPr>
-            <a:r>
-              <a:rPr lang="ja-JP" altLang="en-US" dirty="0" smtClean="0"/>
-              <a:t>解答例確認</a:t>
-            </a:r>
-            <a:endParaRPr kumimoji="1" lang="en-US" altLang="ja-JP" dirty="0" smtClean="0"/>
-          </a:p>
-          <a:p>
-            <a:pPr marL="285750" indent="-285750">
-              <a:buFont typeface="Arial" charset="0"/>
-              <a:buChar char="•"/>
-            </a:pPr>
-            <a:r>
-              <a:rPr lang="en-US" altLang="ja-JP" dirty="0"/>
-              <a:t>c</a:t>
-            </a:r>
-            <a:r>
-              <a:rPr lang="en-US" altLang="ja-JP" dirty="0" smtClean="0"/>
-              <a:t>ontinue</a:t>
-            </a:r>
-          </a:p>
-          <a:p>
-            <a:pPr marL="742950" lvl="1" indent="-285750">
-              <a:buFont typeface="Arial" charset="0"/>
-              <a:buChar char="•"/>
-            </a:pPr>
-            <a:r>
-              <a:rPr lang="ja-JP" altLang="en-US" dirty="0" smtClean="0"/>
-              <a:t>作業続行</a:t>
-            </a:r>
-            <a:endParaRPr lang="en-US" altLang="ja-JP" dirty="0" smtClean="0"/>
-          </a:p>
-          <a:p>
-            <a:pPr marL="285750" indent="-285750">
-              <a:buFont typeface="Arial" charset="0"/>
-              <a:buChar char="•"/>
-            </a:pPr>
-            <a:r>
-              <a:rPr lang="en-US" altLang="ja-JP" dirty="0"/>
-              <a:t>e</a:t>
-            </a:r>
-            <a:r>
-              <a:rPr kumimoji="1" lang="en-US" altLang="ja-JP" dirty="0" smtClean="0"/>
-              <a:t>xit</a:t>
-            </a:r>
-          </a:p>
-          <a:p>
-            <a:pPr marL="742950" lvl="1" indent="-285750">
-              <a:buFont typeface="Arial" charset="0"/>
-              <a:buChar char="•"/>
-            </a:pPr>
-            <a:r>
-              <a:rPr kumimoji="1" lang="ja-JP" altLang="en-US" dirty="0" smtClean="0"/>
-              <a:t>作業中止</a:t>
-            </a:r>
-            <a:endParaRPr kumimoji="1" lang="ja-JP" altLang="en-US" dirty="0"/>
-          </a:p>
-        </p:txBody>
-      </p:sp>
-    </p:spTree>
-    <p:extLst>
-      <p:ext uri="{BB962C8B-B14F-4D97-AF65-F5344CB8AC3E}">
-        <p14:creationId xmlns:p14="http://schemas.microsoft.com/office/powerpoint/2010/main" val="997834278"/>
-      </p:ext>
-    </p:extLst>
-  </p:cSld>
-  <p:clrMapOvr>
-    <a:masterClrMapping/>
-  </p:clrMapOvr>
-</p:sld>
-</file>
-
-<file path=ppt/slides/slide5.xml><?xml version="1.0" encoding="utf-8"?>
-<p:sld xmlns:a="http://schemas.openxmlformats.org/drawingml/2006/main" xmlns:r="http://schemas.openxmlformats.org/officeDocument/2006/relationships" xmlns:p="http://schemas.openxmlformats.org/presentationml/2006/main">
-  <p:cSld>
-    <p:spTree>
-      <p:nvGrpSpPr>
-        <p:cNvPr id="1" name=""/>
-        <p:cNvGrpSpPr/>
-        <p:nvPr/>
-      </p:nvGrpSpPr>
-      <p:grpSpPr>
-        <a:xfrm>
-          <a:off x="0" y="0"/>
-          <a:ext cx="0" cy="0"/>
-          <a:chOff x="0" y="0"/>
-          <a:chExt cx="0" cy="0"/>
-        </a:xfrm>
-      </p:grpSpPr>
-      <p:sp>
-        <p:nvSpPr>
-          <p:cNvPr id="2" name="タイトル 1"/>
-          <p:cNvSpPr>
-            <a:spLocks noGrp="1"/>
-          </p:cNvSpPr>
-          <p:nvPr>
-            <p:ph type="title"/>
-          </p:nvPr>
-        </p:nvSpPr>
-        <p:spPr/>
-        <p:txBody>
-          <a:bodyPr/>
-          <a:lstStyle/>
-          <a:p>
-            <a:r>
-              <a:rPr kumimoji="1" lang="ja-JP" altLang="en-US" dirty="0" smtClean="0"/>
-              <a:t>追加機能（予定）</a:t>
-            </a:r>
-            <a:endParaRPr kumimoji="1" lang="ja-JP" altLang="en-US" dirty="0"/>
-          </a:p>
-        </p:txBody>
-      </p:sp>
-      <p:sp>
-        <p:nvSpPr>
-          <p:cNvPr id="3" name="コンテンツ プレースホルダー 2"/>
-          <p:cNvSpPr>
-            <a:spLocks noGrp="1"/>
-          </p:cNvSpPr>
-          <p:nvPr>
-            <p:ph idx="1"/>
-          </p:nvPr>
-        </p:nvSpPr>
-        <p:spPr/>
-        <p:txBody>
-          <a:bodyPr/>
-          <a:lstStyle/>
-          <a:p>
-            <a:r>
-              <a:rPr kumimoji="1" lang="ja-JP" altLang="en-US" dirty="0" smtClean="0"/>
-              <a:t>進捗状況の</a:t>
-            </a:r>
-            <a:r>
-              <a:rPr lang="ja-JP" altLang="en-US" dirty="0" smtClean="0"/>
-              <a:t>管理（個人・チーム）</a:t>
-            </a:r>
-            <a:endParaRPr lang="en-US" altLang="ja-JP" dirty="0" smtClean="0"/>
-          </a:p>
-          <a:p>
-            <a:r>
-              <a:rPr kumimoji="1" lang="ja-JP" altLang="en-US" dirty="0" smtClean="0"/>
-              <a:t>体系的なドリル学習後の実戦練習（システム構築練習）</a:t>
-            </a:r>
-            <a:endParaRPr kumimoji="1" lang="en-US" altLang="ja-JP" dirty="0" smtClean="0"/>
-          </a:p>
-          <a:p>
-            <a:r>
-              <a:rPr kumimoji="1" lang="ja-JP" altLang="en-US" dirty="0" smtClean="0"/>
-              <a:t>現在の</a:t>
-            </a:r>
-            <a:r>
-              <a:rPr kumimoji="1" lang="en-US" altLang="ja-JP" dirty="0" smtClean="0"/>
-              <a:t>emacs</a:t>
-            </a:r>
-            <a:r>
-              <a:rPr kumimoji="1" lang="ja-JP" altLang="en-US" dirty="0" smtClean="0"/>
-              <a:t>対応を</a:t>
-            </a:r>
-            <a:r>
-              <a:rPr kumimoji="1" lang="en-US" altLang="ja-JP" dirty="0" smtClean="0"/>
-              <a:t>vi</a:t>
-            </a:r>
-            <a:r>
-              <a:rPr kumimoji="1" lang="ja-JP" altLang="en-US" dirty="0" smtClean="0"/>
-              <a:t>対応にもする</a:t>
-            </a:r>
-            <a:endParaRPr kumimoji="1" lang="en-US" altLang="ja-JP" dirty="0" smtClean="0"/>
-          </a:p>
-          <a:p>
-            <a:r>
-              <a:rPr lang="ja-JP" altLang="en-US" dirty="0" smtClean="0"/>
-              <a:t>その後の環境構築の手引き（自動化）</a:t>
-            </a:r>
-            <a:endParaRPr lang="en-US" altLang="ja-JP" dirty="0" smtClean="0"/>
-          </a:p>
-          <a:p>
-            <a:r>
-              <a:rPr kumimoji="1" lang="en-US" altLang="ja-JP" dirty="0" smtClean="0"/>
-              <a:t>Windows</a:t>
-            </a:r>
-            <a:r>
-              <a:rPr kumimoji="1" lang="ja-JP" altLang="en-US" dirty="0" smtClean="0"/>
-              <a:t>へ対応を検討（</a:t>
-            </a:r>
-            <a:r>
-              <a:rPr kumimoji="1" lang="en-US" altLang="ja-JP" dirty="0" smtClean="0"/>
-              <a:t>VS Code</a:t>
-            </a:r>
-            <a:r>
-              <a:rPr kumimoji="1" lang="ja-JP" altLang="en-US" dirty="0" smtClean="0"/>
-              <a:t>？）</a:t>
-            </a:r>
-            <a:endParaRPr kumimoji="1" lang="ja-JP" altLang="en-US" dirty="0"/>
-          </a:p>
-        </p:txBody>
-      </p:sp>
-    </p:spTree>
-    <p:extLst>
-      <p:ext uri="{BB962C8B-B14F-4D97-AF65-F5344CB8AC3E}">
-        <p14:creationId xmlns:p14="http://schemas.microsoft.com/office/powerpoint/2010/main" val="1850171511"/>
-      </p:ext>
-    </p:extLst>
-  </p:cSld>
-  <p:clrMapOvr>
-    <a:masterClrMapping/>
-  </p:clrMapOvr>
+  <p:timing>
+    <p:tnLst>
+      <p:par>
+        <p:cTn id="1" dur="indefinite" restart="never" nodeType="tmRoot"/>
+      </p:par>
+    </p:tnLst>
+  </p:timing>
 </p:sld>
 </file>
 
